--- a/assets/slides/fa22/05-HOFs.pptx
+++ b/assets/slides/fa22/05-HOFs.pptx
@@ -1284,7 +1284,7 @@
           </a:ln>
           <a:extLst>
             <a:ext uri="{909E8E84-426E-40dd-AFC4-6F175D3DCCD1}">
-              <a14:hiddenFill xmlns:a14="http://schemas.microsoft.com/office/drawing/2010/main" xmlns="">
+              <a14:hiddenFill xmlns="" xmlns:a14="http://schemas.microsoft.com/office/drawing/2010/main">
                 <a:noFill/>
               </a14:hiddenFill>
             </a:ext>
@@ -1325,14 +1325,14 @@
           </a:ln>
           <a:extLst>
             <a:ext uri="{909E8E84-426E-40dd-AFC4-6F175D3DCCD1}">
-              <a14:hiddenFill xmlns:a14="http://schemas.microsoft.com/office/drawing/2010/main" xmlns="">
+              <a14:hiddenFill xmlns="" xmlns:a14="http://schemas.microsoft.com/office/drawing/2010/main">
                 <a:solidFill>
                   <a:srgbClr val="FFFFFF"/>
                 </a:solidFill>
               </a14:hiddenFill>
             </a:ext>
             <a:ext uri="{91240B29-F687-4f45-9708-019B960494DF}">
-              <a14:hiddenLine xmlns:a14="http://schemas.microsoft.com/office/drawing/2010/main" xmlns="" w="9525">
+              <a14:hiddenLine xmlns="" xmlns:a14="http://schemas.microsoft.com/office/drawing/2010/main" w="9525">
                 <a:solidFill>
                   <a:srgbClr val="000000"/>
                 </a:solidFill>
@@ -1436,14 +1436,14 @@
           </a:ln>
           <a:extLst>
             <a:ext uri="{909E8E84-426E-40dd-AFC4-6F175D3DCCD1}">
-              <a14:hiddenFill xmlns:a14="http://schemas.microsoft.com/office/drawing/2010/main" xmlns="">
+              <a14:hiddenFill xmlns="" xmlns:a14="http://schemas.microsoft.com/office/drawing/2010/main">
                 <a:solidFill>
                   <a:srgbClr val="FFFFFF"/>
                 </a:solidFill>
               </a14:hiddenFill>
             </a:ext>
             <a:ext uri="{91240B29-F687-4f45-9708-019B960494DF}">
-              <a14:hiddenLine xmlns:a14="http://schemas.microsoft.com/office/drawing/2010/main" xmlns="" w="9525">
+              <a14:hiddenLine xmlns="" xmlns:a14="http://schemas.microsoft.com/office/drawing/2010/main" w="9525">
                 <a:solidFill>
                   <a:srgbClr val="000000"/>
                 </a:solidFill>
@@ -1453,7 +1453,7 @@
               </a14:hiddenLine>
             </a:ext>
             <a:ext uri="{FAA26D3D-D897-4be2-8F04-BA451C77F1D7}">
-              <ma14:placeholderFlag xmlns:ma14="http://schemas.microsoft.com/office/mac/drawingml/2011/main" xmlns="" val="1"/>
+              <ma14:placeholderFlag xmlns="" xmlns:ma14="http://schemas.microsoft.com/office/mac/drawingml/2011/main" val="1"/>
             </a:ext>
           </a:extLst>
         </p:spPr>
@@ -1791,14 +1791,14 @@
           </a:ln>
           <a:extLst>
             <a:ext uri="{909E8E84-426E-40dd-AFC4-6F175D3DCCD1}">
-              <a14:hiddenFill xmlns:a14="http://schemas.microsoft.com/office/drawing/2010/main" xmlns="">
+              <a14:hiddenFill xmlns="" xmlns:a14="http://schemas.microsoft.com/office/drawing/2010/main">
                 <a:solidFill>
                   <a:srgbClr val="FFFFFF"/>
                 </a:solidFill>
               </a14:hiddenFill>
             </a:ext>
             <a:ext uri="{91240B29-F687-4f45-9708-019B960494DF}">
-              <a14:hiddenLine xmlns:a14="http://schemas.microsoft.com/office/drawing/2010/main" xmlns="" w="9525">
+              <a14:hiddenLine xmlns="" xmlns:a14="http://schemas.microsoft.com/office/drawing/2010/main" w="9525">
                 <a:solidFill>
                   <a:srgbClr val="000000"/>
                 </a:solidFill>
@@ -1808,7 +1808,7 @@
               </a14:hiddenLine>
             </a:ext>
             <a:ext uri="{FAA26D3D-D897-4be2-8F04-BA451C77F1D7}">
-              <ma14:placeholderFlag xmlns:ma14="http://schemas.microsoft.com/office/mac/drawingml/2011/main" xmlns="" val="1"/>
+              <ma14:placeholderFlag xmlns="" xmlns:ma14="http://schemas.microsoft.com/office/mac/drawingml/2011/main" val="1"/>
             </a:ext>
           </a:extLst>
         </p:spPr>
@@ -4363,14 +4363,14 @@
           </a:ln>
           <a:extLst>
             <a:ext uri="{909E8E84-426E-40dd-AFC4-6F175D3DCCD1}">
-              <a14:hiddenFill xmlns:a14="http://schemas.microsoft.com/office/drawing/2010/main" xmlns="">
+              <a14:hiddenFill xmlns="" xmlns:a14="http://schemas.microsoft.com/office/drawing/2010/main">
                 <a:solidFill>
                   <a:srgbClr val="FFFFFF"/>
                 </a:solidFill>
               </a14:hiddenFill>
             </a:ext>
             <a:ext uri="{91240B29-F687-4f45-9708-019B960494DF}">
-              <a14:hiddenLine xmlns:a14="http://schemas.microsoft.com/office/drawing/2010/main" xmlns="" w="9525">
+              <a14:hiddenLine xmlns="" xmlns:a14="http://schemas.microsoft.com/office/drawing/2010/main" w="9525">
                 <a:solidFill>
                   <a:srgbClr val="000000"/>
                 </a:solidFill>
@@ -4380,7 +4380,7 @@
               </a14:hiddenLine>
             </a:ext>
             <a:ext uri="{FAA26D3D-D897-4be2-8F04-BA451C77F1D7}">
-              <ma14:placeholderFlag xmlns:ma14="http://schemas.microsoft.com/office/mac/drawingml/2011/main" xmlns="" val="1"/>
+              <ma14:placeholderFlag xmlns="" xmlns:ma14="http://schemas.microsoft.com/office/mac/drawingml/2011/main" val="1"/>
             </a:ext>
           </a:extLst>
         </p:spPr>
@@ -4424,14 +4424,14 @@
           </a:ln>
           <a:extLst>
             <a:ext uri="{909E8E84-426E-40dd-AFC4-6F175D3DCCD1}">
-              <a14:hiddenFill xmlns:a14="http://schemas.microsoft.com/office/drawing/2010/main" xmlns="">
+              <a14:hiddenFill xmlns="" xmlns:a14="http://schemas.microsoft.com/office/drawing/2010/main">
                 <a:solidFill>
                   <a:srgbClr val="FFFFFF"/>
                 </a:solidFill>
               </a14:hiddenFill>
             </a:ext>
             <a:ext uri="{91240B29-F687-4f45-9708-019B960494DF}">
-              <a14:hiddenLine xmlns:a14="http://schemas.microsoft.com/office/drawing/2010/main" xmlns="" w="9525">
+              <a14:hiddenLine xmlns="" xmlns:a14="http://schemas.microsoft.com/office/drawing/2010/main" w="9525">
                 <a:solidFill>
                   <a:srgbClr val="000000"/>
                 </a:solidFill>
@@ -4441,7 +4441,7 @@
               </a14:hiddenLine>
             </a:ext>
             <a:ext uri="{FAA26D3D-D897-4be2-8F04-BA451C77F1D7}">
-              <ma14:placeholderFlag xmlns:ma14="http://schemas.microsoft.com/office/mac/drawingml/2011/main" xmlns="" val="1"/>
+              <ma14:placeholderFlag xmlns="" xmlns:ma14="http://schemas.microsoft.com/office/mac/drawingml/2011/main" val="1"/>
             </a:ext>
           </a:extLst>
         </p:spPr>
@@ -4546,7 +4546,7 @@
           </a:ln>
           <a:extLst>
             <a:ext uri="{909E8E84-426E-40dd-AFC4-6F175D3DCCD1}">
-              <a14:hiddenFill xmlns:a14="http://schemas.microsoft.com/office/drawing/2010/main" xmlns="">
+              <a14:hiddenFill xmlns="" xmlns:a14="http://schemas.microsoft.com/office/drawing/2010/main">
                 <a:noFill/>
               </a14:hiddenFill>
             </a:ext>
@@ -4587,14 +4587,14 @@
           </a:ln>
           <a:extLst>
             <a:ext uri="{909E8E84-426E-40dd-AFC4-6F175D3DCCD1}">
-              <a14:hiddenFill xmlns:a14="http://schemas.microsoft.com/office/drawing/2010/main" xmlns="">
+              <a14:hiddenFill xmlns="" xmlns:a14="http://schemas.microsoft.com/office/drawing/2010/main">
                 <a:solidFill>
                   <a:srgbClr val="FFFFFF"/>
                 </a:solidFill>
               </a14:hiddenFill>
             </a:ext>
             <a:ext uri="{91240B29-F687-4f45-9708-019B960494DF}">
-              <a14:hiddenLine xmlns:a14="http://schemas.microsoft.com/office/drawing/2010/main" xmlns="" w="9525">
+              <a14:hiddenLine xmlns="" xmlns:a14="http://schemas.microsoft.com/office/drawing/2010/main" w="9525">
                 <a:solidFill>
                   <a:srgbClr val="000000"/>
                 </a:solidFill>
@@ -4634,14 +4634,14 @@
           </a:ln>
           <a:extLst>
             <a:ext uri="{909E8E84-426E-40dd-AFC4-6F175D3DCCD1}">
-              <a14:hiddenFill xmlns:a14="http://schemas.microsoft.com/office/drawing/2010/main" xmlns="">
+              <a14:hiddenFill xmlns="" xmlns:a14="http://schemas.microsoft.com/office/drawing/2010/main">
                 <a:solidFill>
                   <a:srgbClr val="FFFFFF"/>
                 </a:solidFill>
               </a14:hiddenFill>
             </a:ext>
             <a:ext uri="{91240B29-F687-4f45-9708-019B960494DF}">
-              <a14:hiddenLine xmlns:a14="http://schemas.microsoft.com/office/drawing/2010/main" xmlns="" w="9525">
+              <a14:hiddenLine xmlns="" xmlns:a14="http://schemas.microsoft.com/office/drawing/2010/main" w="9525">
                 <a:solidFill>
                   <a:srgbClr val="000000"/>
                 </a:solidFill>
@@ -4651,7 +4651,7 @@
               </a14:hiddenLine>
             </a:ext>
             <a:ext uri="{FAA26D3D-D897-4be2-8F04-BA451C77F1D7}">
-              <ma14:placeholderFlag xmlns:ma14="http://schemas.microsoft.com/office/mac/drawingml/2011/main" xmlns="" val="1"/>
+              <ma14:placeholderFlag xmlns="" xmlns:ma14="http://schemas.microsoft.com/office/mac/drawingml/2011/main" val="1"/>
             </a:ext>
           </a:extLst>
         </p:spPr>
@@ -5342,14 +5342,26 @@
             <p:ph type="ctrTitle"/>
           </p:nvPr>
         </p:nvSpPr>
-        <p:spPr/>
+        <p:spPr>
+          <a:xfrm>
+            <a:off x="2652132" y="2693987"/>
+            <a:ext cx="8458200" cy="1470025"/>
+          </a:xfrm>
+        </p:spPr>
         <p:txBody>
           <a:bodyPr/>
           <a:lstStyle/>
           <a:p>
             <a:r>
               <a:rPr lang="en-US" dirty="0"/>
-              <a:t>Week 3: HOFs</a:t>
+              <a:t>Lecture 5</a:t>
+            </a:r>
+            <a:br>
+              <a:rPr lang="en-US" dirty="0"/>
+            </a:br>
+            <a:r>
+              <a:rPr lang="en-US" dirty="0"/>
+              <a:t>Higher Order Functions</a:t>
             </a:r>
           </a:p>
         </p:txBody>
@@ -7663,34 +7675,23 @@
           <a:p>
             <a:r>
               <a:rPr lang="en-US" dirty="0"/>
-              <a:t> Watch Ed for announcements</a:t>
+              <a:t> Do watch Ed for announcements</a:t>
             </a:r>
           </a:p>
           <a:p>
             <a:pPr lvl="1"/>
             <a:r>
               <a:rPr lang="en-US" dirty="0"/>
-              <a:t> One form all assignment extensions</a:t>
+              <a:t>  Please remember to pick the best category when asking questions</a:t>
             </a:r>
           </a:p>
           <a:p>
             <a:pPr lvl="1"/>
-            <a:r>
-              <a:rPr lang="en-US" i="1" dirty="0"/>
-              <a:t>Please don't fill this out for slip days.</a:t>
-            </a:r>
-          </a:p>
-          <a:p>
-            <a:pPr lvl="1"/>
-            <a:r>
-              <a:rPr lang="en-US" dirty="0"/>
-              <a:t>If you need up to 3 days, just submit late. </a:t>
-            </a:r>
             <a:r>
               <a:rPr lang="en-US" dirty="0">
                 <a:sym typeface="Wingdings" pitchFamily="2" charset="2"/>
               </a:rPr>
-              <a:t></a:t>
+              <a:t> Use the Python code option</a:t>
             </a:r>
           </a:p>
           <a:p>
@@ -7698,7 +7699,7 @@
               <a:rPr lang="en-US" dirty="0">
                 <a:sym typeface="Wingdings" pitchFamily="2" charset="2"/>
               </a:rPr>
-              <a:t>CSM sections are out tomorrow</a:t>
+              <a:t>CSM section sign ups are out </a:t>
             </a:r>
           </a:p>
           <a:p>
@@ -7709,7 +7710,53 @@
               </a:rPr>
               <a:t> Totally optional, but lots of good prep.</a:t>
             </a:r>
-            <a:endParaRPr lang="en-US" dirty="0"/>
+          </a:p>
+          <a:p>
+            <a:r>
+              <a:rPr lang="en-US" dirty="0">
+                <a:sym typeface="Wingdings" pitchFamily="2" charset="2"/>
+              </a:rPr>
+              <a:t>Tutor-Led Small group sections</a:t>
+            </a:r>
+          </a:p>
+          <a:p>
+            <a:pPr lvl="1"/>
+            <a:r>
+              <a:rPr lang="en-US" dirty="0">
+                <a:sym typeface="Wingdings" pitchFamily="2" charset="2"/>
+              </a:rPr>
+              <a:t> Review</a:t>
+            </a:r>
+          </a:p>
+          <a:p>
+            <a:pPr lvl="1"/>
+            <a:r>
+              <a:rPr lang="en-US" dirty="0">
+                <a:sym typeface="Wingdings" pitchFamily="2" charset="2"/>
+              </a:rPr>
+              <a:t>Exam Prep </a:t>
+            </a:r>
+          </a:p>
+          <a:p>
+            <a:r>
+              <a:rPr lang="en-US" dirty="0">
+                <a:sym typeface="Wingdings" pitchFamily="2" charset="2"/>
+              </a:rPr>
+              <a:t>Check the C88C google calendar</a:t>
+            </a:r>
+          </a:p>
+          <a:p>
+            <a:endParaRPr lang="en-US" dirty="0">
+              <a:sym typeface="Wingdings" pitchFamily="2" charset="2"/>
+            </a:endParaRPr>
+          </a:p>
+          <a:p>
+            <a:r>
+              <a:rPr lang="en-US" dirty="0">
+                <a:sym typeface="Wingdings" pitchFamily="2" charset="2"/>
+              </a:rPr>
+              <a:t>Still working on the waitlist. (LOL sigh, same announcement 4X in a row!)</a:t>
+            </a:r>
           </a:p>
         </p:txBody>
       </p:sp>

--- a/assets/slides/fa22/05-HOFs.pptx
+++ b/assets/slides/fa22/05-HOFs.pptx
@@ -5,42 +5,43 @@
     <p:sldMasterId id="2147483674" r:id="rId1"/>
   </p:sldMasterIdLst>
   <p:notesMasterIdLst>
-    <p:notesMasterId r:id="rId35"/>
+    <p:notesMasterId r:id="rId36"/>
   </p:notesMasterIdLst>
   <p:sldIdLst>
     <p:sldId id="256" r:id="rId2"/>
     <p:sldId id="277" r:id="rId3"/>
-    <p:sldId id="383" r:id="rId4"/>
-    <p:sldId id="384" r:id="rId5"/>
-    <p:sldId id="365" r:id="rId6"/>
-    <p:sldId id="387" r:id="rId7"/>
-    <p:sldId id="282" r:id="rId8"/>
-    <p:sldId id="283" r:id="rId9"/>
-    <p:sldId id="284" r:id="rId10"/>
-    <p:sldId id="292" r:id="rId11"/>
-    <p:sldId id="386" r:id="rId12"/>
-    <p:sldId id="264" r:id="rId13"/>
-    <p:sldId id="286" r:id="rId14"/>
-    <p:sldId id="291" r:id="rId15"/>
-    <p:sldId id="285" r:id="rId16"/>
-    <p:sldId id="268" r:id="rId17"/>
-    <p:sldId id="385" r:id="rId18"/>
-    <p:sldId id="287" r:id="rId19"/>
-    <p:sldId id="293" r:id="rId20"/>
-    <p:sldId id="266" r:id="rId21"/>
-    <p:sldId id="289" r:id="rId22"/>
-    <p:sldId id="265" r:id="rId23"/>
-    <p:sldId id="288" r:id="rId24"/>
-    <p:sldId id="272" r:id="rId25"/>
-    <p:sldId id="269" r:id="rId26"/>
-    <p:sldId id="276" r:id="rId27"/>
-    <p:sldId id="273" r:id="rId28"/>
-    <p:sldId id="279" r:id="rId29"/>
-    <p:sldId id="274" r:id="rId30"/>
-    <p:sldId id="280" r:id="rId31"/>
-    <p:sldId id="275" r:id="rId32"/>
-    <p:sldId id="267" r:id="rId33"/>
-    <p:sldId id="270" r:id="rId34"/>
+    <p:sldId id="388" r:id="rId4"/>
+    <p:sldId id="383" r:id="rId5"/>
+    <p:sldId id="384" r:id="rId6"/>
+    <p:sldId id="365" r:id="rId7"/>
+    <p:sldId id="387" r:id="rId8"/>
+    <p:sldId id="282" r:id="rId9"/>
+    <p:sldId id="283" r:id="rId10"/>
+    <p:sldId id="284" r:id="rId11"/>
+    <p:sldId id="292" r:id="rId12"/>
+    <p:sldId id="386" r:id="rId13"/>
+    <p:sldId id="264" r:id="rId14"/>
+    <p:sldId id="286" r:id="rId15"/>
+    <p:sldId id="291" r:id="rId16"/>
+    <p:sldId id="285" r:id="rId17"/>
+    <p:sldId id="268" r:id="rId18"/>
+    <p:sldId id="385" r:id="rId19"/>
+    <p:sldId id="287" r:id="rId20"/>
+    <p:sldId id="293" r:id="rId21"/>
+    <p:sldId id="266" r:id="rId22"/>
+    <p:sldId id="289" r:id="rId23"/>
+    <p:sldId id="265" r:id="rId24"/>
+    <p:sldId id="288" r:id="rId25"/>
+    <p:sldId id="272" r:id="rId26"/>
+    <p:sldId id="269" r:id="rId27"/>
+    <p:sldId id="276" r:id="rId28"/>
+    <p:sldId id="273" r:id="rId29"/>
+    <p:sldId id="279" r:id="rId30"/>
+    <p:sldId id="274" r:id="rId31"/>
+    <p:sldId id="280" r:id="rId32"/>
+    <p:sldId id="275" r:id="rId33"/>
+    <p:sldId id="267" r:id="rId34"/>
+    <p:sldId id="270" r:id="rId35"/>
   </p:sldIdLst>
   <p:sldSz cx="12192000" cy="6858000"/>
   <p:notesSz cx="6997700" cy="9194800"/>
@@ -683,7 +684,7 @@
                 <a:latin typeface="Times New Roman"/>
                 <a:ea typeface="ＭＳ Ｐゴシック"/>
               </a:rPr>
-              <a:t>3</a:t>
+              <a:t>4</a:t>
             </a:fld>
             <a:endParaRPr lang="en-US" sz="2400" b="0" strike="noStrike" spc="-1">
               <a:solidFill>
@@ -807,7 +808,7 @@
                 <a:latin typeface="Times New Roman"/>
                 <a:ea typeface="ＭＳ Ｐゴシック"/>
               </a:rPr>
-              <a:t>7</a:t>
+              <a:t>8</a:t>
             </a:fld>
             <a:endParaRPr lang="en-US" sz="2400" b="0" strike="noStrike" spc="-1">
               <a:solidFill>
@@ -931,7 +932,7 @@
                 <a:latin typeface="Times New Roman"/>
                 <a:ea typeface="ＭＳ Ｐゴシック"/>
               </a:rPr>
-              <a:t>13</a:t>
+              <a:t>14</a:t>
             </a:fld>
             <a:endParaRPr lang="en-US" sz="2400" b="0" strike="noStrike" spc="-1">
               <a:solidFill>
@@ -1055,7 +1056,7 @@
                 <a:latin typeface="Times New Roman"/>
                 <a:ea typeface="ＭＳ Ｐゴシック"/>
               </a:rPr>
-              <a:t>18</a:t>
+              <a:t>19</a:t>
             </a:fld>
             <a:endParaRPr lang="en-US" sz="2400" b="0" strike="noStrike" spc="-1">
               <a:solidFill>
@@ -1211,7 +1212,7 @@
                 </a:uFill>
                 <a:latin typeface="Times New Roman"/>
               </a:rPr>
-              <a:t>23</a:t>
+              <a:t>24</a:t>
             </a:fld>
             <a:endParaRPr lang="en-US" sz="1400" b="0" strike="noStrike" spc="-1">
               <a:solidFill>
@@ -5423,6 +5424,171 @@
           <p:cNvPr id="2" name="Title 1">
             <a:extLst>
               <a:ext uri="{FF2B5EF4-FFF2-40B4-BE49-F238E27FC236}">
+                <a16:creationId xmlns:a16="http://schemas.microsoft.com/office/drawing/2014/main" id="{DB7F38EA-1B62-7843-8D1A-00FF223B5ED9}"/>
+              </a:ext>
+            </a:extLst>
+          </p:cNvPr>
+          <p:cNvSpPr>
+            <a:spLocks noGrp="1"/>
+          </p:cNvSpPr>
+          <p:nvPr>
+            <p:ph type="title"/>
+          </p:nvPr>
+        </p:nvSpPr>
+        <p:spPr/>
+        <p:txBody>
+          <a:bodyPr/>
+          <a:lstStyle/>
+          <a:p>
+            <a:r>
+              <a:rPr lang="en-US" dirty="0"/>
+              <a:t>Code is a Form of Data</a:t>
+            </a:r>
+          </a:p>
+        </p:txBody>
+      </p:sp>
+      <p:sp>
+        <p:nvSpPr>
+          <p:cNvPr id="3" name="Content Placeholder 2">
+            <a:extLst>
+              <a:ext uri="{FF2B5EF4-FFF2-40B4-BE49-F238E27FC236}">
+                <a16:creationId xmlns:a16="http://schemas.microsoft.com/office/drawing/2014/main" id="{06F4563E-6C22-FC46-93DC-58D20786DA29}"/>
+              </a:ext>
+            </a:extLst>
+          </p:cNvPr>
+          <p:cNvSpPr>
+            <a:spLocks noGrp="1"/>
+          </p:cNvSpPr>
+          <p:nvPr>
+            <p:ph idx="1"/>
+          </p:nvPr>
+        </p:nvSpPr>
+        <p:spPr/>
+        <p:txBody>
+          <a:bodyPr/>
+          <a:lstStyle/>
+          <a:p>
+            <a:r>
+              <a:rPr lang="en-US" dirty="0"/>
+              <a:t>Numbers, Strings: All kinds of data</a:t>
+            </a:r>
+          </a:p>
+          <a:p>
+            <a:r>
+              <a:rPr lang="en-US" dirty="0"/>
+              <a:t>Code is its own kind of data, too!</a:t>
+            </a:r>
+          </a:p>
+          <a:p>
+            <a:r>
+              <a:rPr lang="en-US" dirty="0"/>
+              <a:t>Why?</a:t>
+            </a:r>
+          </a:p>
+          <a:p>
+            <a:pPr lvl="1"/>
+            <a:r>
+              <a:rPr lang="en-US" dirty="0"/>
+              <a:t>More expressive programs, a new kind of abstraction.</a:t>
+            </a:r>
+          </a:p>
+          <a:p>
+            <a:pPr lvl="1"/>
+            <a:r>
+              <a:rPr lang="en-US" dirty="0"/>
+              <a:t>”Encapsulate” logic and data into neat packages.</a:t>
+            </a:r>
+          </a:p>
+          <a:p>
+            <a:r>
+              <a:rPr lang="en-US" dirty="0"/>
+              <a:t>This will be one of the trickier concepts in CS88.</a:t>
+            </a:r>
+          </a:p>
+          <a:p>
+            <a:endParaRPr lang="en-US" dirty="0"/>
+          </a:p>
+          <a:p>
+            <a:endParaRPr lang="en-US" dirty="0"/>
+          </a:p>
+          <a:p>
+            <a:endParaRPr lang="en-US" dirty="0"/>
+          </a:p>
+          <a:p>
+            <a:endParaRPr lang="en-US" dirty="0"/>
+          </a:p>
+        </p:txBody>
+      </p:sp>
+      <p:sp>
+        <p:nvSpPr>
+          <p:cNvPr id="4" name="Slide Number Placeholder 3">
+            <a:extLst>
+              <a:ext uri="{FF2B5EF4-FFF2-40B4-BE49-F238E27FC236}">
+                <a16:creationId xmlns:a16="http://schemas.microsoft.com/office/drawing/2014/main" id="{B8939D06-AEE5-5546-BFD6-E054F7CEBEB4}"/>
+              </a:ext>
+            </a:extLst>
+          </p:cNvPr>
+          <p:cNvSpPr>
+            <a:spLocks noGrp="1"/>
+          </p:cNvSpPr>
+          <p:nvPr>
+            <p:ph type="sldNum" sz="quarter" idx="12"/>
+          </p:nvPr>
+        </p:nvSpPr>
+        <p:spPr/>
+        <p:txBody>
+          <a:bodyPr/>
+          <a:lstStyle/>
+          <a:p>
+            <a:pPr>
+              <a:defRPr/>
+            </a:pPr>
+            <a:fld id="{ACA94121-BA6C-AD43-82C2-DF1F24FE5D9C}" type="slidenum">
+              <a:rPr lang="en-US" smtClean="0"/>
+              <a:pPr>
+                <a:defRPr/>
+              </a:pPr>
+              <a:t>10</a:t>
+            </a:fld>
+            <a:endParaRPr lang="en-US" b="0"/>
+          </a:p>
+        </p:txBody>
+      </p:sp>
+    </p:spTree>
+    <p:extLst>
+      <p:ext uri="{BB962C8B-B14F-4D97-AF65-F5344CB8AC3E}">
+        <p14:creationId xmlns:p14="http://schemas.microsoft.com/office/powerpoint/2010/main" val="2932819941"/>
+      </p:ext>
+    </p:extLst>
+  </p:cSld>
+  <p:clrMapOvr>
+    <a:masterClrMapping/>
+  </p:clrMapOvr>
+</p:sld>
+</file>
+
+<file path=ppt/slides/slide11.xml><?xml version="1.0" encoding="utf-8"?>
+<p:sld xmlns:a="http://schemas.openxmlformats.org/drawingml/2006/main" xmlns:r="http://schemas.openxmlformats.org/officeDocument/2006/relationships" xmlns:p="http://schemas.openxmlformats.org/presentationml/2006/main">
+  <p:cSld>
+    <p:spTree>
+      <p:nvGrpSpPr>
+        <p:cNvPr id="1" name=""/>
+        <p:cNvGrpSpPr/>
+        <p:nvPr/>
+      </p:nvGrpSpPr>
+      <p:grpSpPr>
+        <a:xfrm>
+          <a:off x="0" y="0"/>
+          <a:ext cx="0" cy="0"/>
+          <a:chOff x="0" y="0"/>
+          <a:chExt cx="0" cy="0"/>
+        </a:xfrm>
+      </p:grpSpPr>
+      <p:sp>
+        <p:nvSpPr>
+          <p:cNvPr id="2" name="Title 1">
+            <a:extLst>
+              <a:ext uri="{FF2B5EF4-FFF2-40B4-BE49-F238E27FC236}">
                 <a16:creationId xmlns:a16="http://schemas.microsoft.com/office/drawing/2014/main" id="{E6F99501-F0C7-EC42-A944-CAC24ED1FA0A}"/>
               </a:ext>
             </a:extLst>
@@ -5525,7 +5691,7 @@
               <a:pPr>
                 <a:defRPr/>
               </a:pPr>
-              <a:t>10</a:t>
+              <a:t>11</a:t>
             </a:fld>
             <a:endParaRPr lang="en-US" b="0"/>
           </a:p>
@@ -5544,7 +5710,7 @@
 </p:sld>
 </file>
 
-<file path=ppt/slides/slide11.xml><?xml version="1.0" encoding="utf-8"?>
+<file path=ppt/slides/slide12.xml><?xml version="1.0" encoding="utf-8"?>
 <p:sld xmlns:a="http://schemas.openxmlformats.org/drawingml/2006/main" xmlns:r="http://schemas.openxmlformats.org/officeDocument/2006/relationships" xmlns:p="http://schemas.openxmlformats.org/presentationml/2006/main">
   <p:cSld>
     <p:spTree>
@@ -5896,7 +6062,7 @@
 </p:sld>
 </file>
 
-<file path=ppt/slides/slide12.xml><?xml version="1.0" encoding="utf-8"?>
+<file path=ppt/slides/slide13.xml><?xml version="1.0" encoding="utf-8"?>
 <p:sld xmlns:a="http://schemas.openxmlformats.org/drawingml/2006/main" xmlns:r="http://schemas.openxmlformats.org/officeDocument/2006/relationships" xmlns:p="http://schemas.openxmlformats.org/presentationml/2006/main">
   <p:cSld>
     <p:spTree>
@@ -6004,7 +6170,7 @@
 </p:sld>
 </file>
 
-<file path=ppt/slides/slide13.xml><?xml version="1.0" encoding="utf-8"?>
+<file path=ppt/slides/slide14.xml><?xml version="1.0" encoding="utf-8"?>
 <p:sld xmlns:a="http://schemas.openxmlformats.org/drawingml/2006/main" xmlns:r="http://schemas.openxmlformats.org/officeDocument/2006/relationships" xmlns:p="http://schemas.openxmlformats.org/presentationml/2006/main">
   <p:cSld>
     <p:spTree>
@@ -6089,7 +6255,7 @@
 </p:sld>
 </file>
 
-<file path=ppt/slides/slide14.xml><?xml version="1.0" encoding="utf-8"?>
+<file path=ppt/slides/slide15.xml><?xml version="1.0" encoding="utf-8"?>
 <p:sld xmlns:a="http://schemas.openxmlformats.org/drawingml/2006/main" xmlns:r="http://schemas.openxmlformats.org/officeDocument/2006/relationships" xmlns:p="http://schemas.openxmlformats.org/presentationml/2006/main">
   <p:cSld>
     <p:spTree>
@@ -6209,7 +6375,7 @@
               <a:pPr>
                 <a:defRPr/>
               </a:pPr>
-              <a:t>14</a:t>
+              <a:t>15</a:t>
             </a:fld>
             <a:endParaRPr lang="en-US" b="0"/>
           </a:p>
@@ -6228,7 +6394,7 @@
 </p:sld>
 </file>
 
-<file path=ppt/slides/slide15.xml><?xml version="1.0" encoding="utf-8"?>
+<file path=ppt/slides/slide16.xml><?xml version="1.0" encoding="utf-8"?>
 <p:sld xmlns:a="http://schemas.openxmlformats.org/drawingml/2006/main" xmlns:r="http://schemas.openxmlformats.org/officeDocument/2006/relationships" xmlns:p="http://schemas.openxmlformats.org/presentationml/2006/main">
   <p:cSld>
     <p:spTree>
@@ -6336,7 +6502,7 @@
 </p:sld>
 </file>
 
-<file path=ppt/slides/slide16.xml><?xml version="1.0" encoding="utf-8"?>
+<file path=ppt/slides/slide17.xml><?xml version="1.0" encoding="utf-8"?>
 <p:sld xmlns:a="http://schemas.openxmlformats.org/drawingml/2006/main" xmlns:r="http://schemas.openxmlformats.org/officeDocument/2006/relationships" xmlns:p="http://schemas.openxmlformats.org/presentationml/2006/main">
   <p:cSld>
     <p:spTree>
@@ -7265,7 +7431,7 @@
 </p:sld>
 </file>
 
-<file path=ppt/slides/slide17.xml><?xml version="1.0" encoding="utf-8"?>
+<file path=ppt/slides/slide18.xml><?xml version="1.0" encoding="utf-8"?>
 <p:sld xmlns:a="http://schemas.openxmlformats.org/drawingml/2006/main" xmlns:r="http://schemas.openxmlformats.org/officeDocument/2006/relationships" xmlns:p="http://schemas.openxmlformats.org/presentationml/2006/main">
   <p:cSld>
     <p:spTree>
@@ -7364,7 +7530,7 @@
               <a:pPr>
                 <a:defRPr/>
               </a:pPr>
-              <a:t>17</a:t>
+              <a:t>18</a:t>
             </a:fld>
             <a:endParaRPr lang="en-US" b="0"/>
           </a:p>
@@ -7383,7 +7549,7 @@
 </p:sld>
 </file>
 
-<file path=ppt/slides/slide18.xml><?xml version="1.0" encoding="utf-8"?>
+<file path=ppt/slides/slide19.xml><?xml version="1.0" encoding="utf-8"?>
 <p:sld xmlns:a="http://schemas.openxmlformats.org/drawingml/2006/main" xmlns:r="http://schemas.openxmlformats.org/officeDocument/2006/relationships" xmlns:p="http://schemas.openxmlformats.org/presentationml/2006/main">
   <p:cSld>
     <p:spTree>
@@ -7465,145 +7631,6 @@
       </p:par>
     </p:tnLst>
   </p:timing>
-</p:sld>
-</file>
-
-<file path=ppt/slides/slide19.xml><?xml version="1.0" encoding="utf-8"?>
-<p:sld xmlns:a="http://schemas.openxmlformats.org/drawingml/2006/main" xmlns:r="http://schemas.openxmlformats.org/officeDocument/2006/relationships" xmlns:p="http://schemas.openxmlformats.org/presentationml/2006/main">
-  <p:cSld>
-    <p:spTree>
-      <p:nvGrpSpPr>
-        <p:cNvPr id="1" name=""/>
-        <p:cNvGrpSpPr/>
-        <p:nvPr/>
-      </p:nvGrpSpPr>
-      <p:grpSpPr>
-        <a:xfrm>
-          <a:off x="0" y="0"/>
-          <a:ext cx="0" cy="0"/>
-          <a:chOff x="0" y="0"/>
-          <a:chExt cx="0" cy="0"/>
-        </a:xfrm>
-      </p:grpSpPr>
-      <p:sp>
-        <p:nvSpPr>
-          <p:cNvPr id="2" name="Title 1">
-            <a:extLst>
-              <a:ext uri="{FF2B5EF4-FFF2-40B4-BE49-F238E27FC236}">
-                <a16:creationId xmlns:a16="http://schemas.microsoft.com/office/drawing/2014/main" id="{100B1421-7577-D94A-A03F-9746321D9D5E}"/>
-              </a:ext>
-            </a:extLst>
-          </p:cNvPr>
-          <p:cNvSpPr>
-            <a:spLocks noGrp="1"/>
-          </p:cNvSpPr>
-          <p:nvPr>
-            <p:ph type="title"/>
-          </p:nvPr>
-        </p:nvSpPr>
-        <p:spPr/>
-        <p:txBody>
-          <a:bodyPr/>
-          <a:lstStyle/>
-          <a:p>
-            <a:r>
-              <a:rPr lang="en-US" dirty="0"/>
-              <a:t>Learning Objectives</a:t>
-            </a:r>
-          </a:p>
-        </p:txBody>
-      </p:sp>
-      <p:sp>
-        <p:nvSpPr>
-          <p:cNvPr id="3" name="Content Placeholder 2">
-            <a:extLst>
-              <a:ext uri="{FF2B5EF4-FFF2-40B4-BE49-F238E27FC236}">
-                <a16:creationId xmlns:a16="http://schemas.microsoft.com/office/drawing/2014/main" id="{86019B6B-B854-7643-924E-9BF51C8B86D3}"/>
-              </a:ext>
-            </a:extLst>
-          </p:cNvPr>
-          <p:cNvSpPr>
-            <a:spLocks noGrp="1"/>
-          </p:cNvSpPr>
-          <p:nvPr>
-            <p:ph idx="1"/>
-          </p:nvPr>
-        </p:nvSpPr>
-        <p:spPr/>
-        <p:txBody>
-          <a:bodyPr/>
-          <a:lstStyle/>
-          <a:p>
-            <a:r>
-              <a:rPr lang="en-US" dirty="0"/>
-              <a:t>Learn how to use and create higher order functions:</a:t>
-            </a:r>
-          </a:p>
-          <a:p>
-            <a:r>
-              <a:rPr lang="en-US" dirty="0"/>
-              <a:t>Functions can be used as data</a:t>
-            </a:r>
-          </a:p>
-          <a:p>
-            <a:r>
-              <a:rPr lang="en-US" b="1" dirty="0"/>
-              <a:t>Functions can accept a function as an argument</a:t>
-            </a:r>
-          </a:p>
-          <a:p>
-            <a:r>
-              <a:rPr lang="en-US" b="1" dirty="0"/>
-              <a:t>Functions can return a new function</a:t>
-            </a:r>
-          </a:p>
-        </p:txBody>
-      </p:sp>
-      <p:sp>
-        <p:nvSpPr>
-          <p:cNvPr id="4" name="Slide Number Placeholder 3">
-            <a:extLst>
-              <a:ext uri="{FF2B5EF4-FFF2-40B4-BE49-F238E27FC236}">
-                <a16:creationId xmlns:a16="http://schemas.microsoft.com/office/drawing/2014/main" id="{80F6072C-DF41-544B-A9A9-82F6656E36B7}"/>
-              </a:ext>
-            </a:extLst>
-          </p:cNvPr>
-          <p:cNvSpPr>
-            <a:spLocks noGrp="1"/>
-          </p:cNvSpPr>
-          <p:nvPr>
-            <p:ph type="sldNum" sz="quarter" idx="12"/>
-          </p:nvPr>
-        </p:nvSpPr>
-        <p:spPr/>
-        <p:txBody>
-          <a:bodyPr/>
-          <a:lstStyle/>
-          <a:p>
-            <a:pPr>
-              <a:defRPr/>
-            </a:pPr>
-            <a:fld id="{ACA94121-BA6C-AD43-82C2-DF1F24FE5D9C}" type="slidenum">
-              <a:rPr lang="en-US" smtClean="0"/>
-              <a:pPr>
-                <a:defRPr/>
-              </a:pPr>
-              <a:t>19</a:t>
-            </a:fld>
-            <a:endParaRPr lang="en-US" b="0"/>
-          </a:p>
-        </p:txBody>
-      </p:sp>
-    </p:spTree>
-    <p:extLst>
-      <p:ext uri="{BB962C8B-B14F-4D97-AF65-F5344CB8AC3E}">
-        <p14:creationId xmlns:p14="http://schemas.microsoft.com/office/powerpoint/2010/main" val="1820705637"/>
-      </p:ext>
-    </p:extLst>
-  </p:cSld>
-  <p:clrMapOvr>
-    <a:masterClrMapping/>
-  </p:clrMapOvr>
 </p:sld>
 </file>
 
@@ -7819,6 +7846,145 @@
       </p:grpSpPr>
       <p:sp>
         <p:nvSpPr>
+          <p:cNvPr id="2" name="Title 1">
+            <a:extLst>
+              <a:ext uri="{FF2B5EF4-FFF2-40B4-BE49-F238E27FC236}">
+                <a16:creationId xmlns:a16="http://schemas.microsoft.com/office/drawing/2014/main" id="{100B1421-7577-D94A-A03F-9746321D9D5E}"/>
+              </a:ext>
+            </a:extLst>
+          </p:cNvPr>
+          <p:cNvSpPr>
+            <a:spLocks noGrp="1"/>
+          </p:cNvSpPr>
+          <p:nvPr>
+            <p:ph type="title"/>
+          </p:nvPr>
+        </p:nvSpPr>
+        <p:spPr/>
+        <p:txBody>
+          <a:bodyPr/>
+          <a:lstStyle/>
+          <a:p>
+            <a:r>
+              <a:rPr lang="en-US" dirty="0"/>
+              <a:t>Learning Objectives</a:t>
+            </a:r>
+          </a:p>
+        </p:txBody>
+      </p:sp>
+      <p:sp>
+        <p:nvSpPr>
+          <p:cNvPr id="3" name="Content Placeholder 2">
+            <a:extLst>
+              <a:ext uri="{FF2B5EF4-FFF2-40B4-BE49-F238E27FC236}">
+                <a16:creationId xmlns:a16="http://schemas.microsoft.com/office/drawing/2014/main" id="{86019B6B-B854-7643-924E-9BF51C8B86D3}"/>
+              </a:ext>
+            </a:extLst>
+          </p:cNvPr>
+          <p:cNvSpPr>
+            <a:spLocks noGrp="1"/>
+          </p:cNvSpPr>
+          <p:nvPr>
+            <p:ph idx="1"/>
+          </p:nvPr>
+        </p:nvSpPr>
+        <p:spPr/>
+        <p:txBody>
+          <a:bodyPr/>
+          <a:lstStyle/>
+          <a:p>
+            <a:r>
+              <a:rPr lang="en-US" dirty="0"/>
+              <a:t>Learn how to use and create higher order functions:</a:t>
+            </a:r>
+          </a:p>
+          <a:p>
+            <a:r>
+              <a:rPr lang="en-US" dirty="0"/>
+              <a:t>Functions can be used as data</a:t>
+            </a:r>
+          </a:p>
+          <a:p>
+            <a:r>
+              <a:rPr lang="en-US" b="1" dirty="0"/>
+              <a:t>Functions can accept a function as an argument</a:t>
+            </a:r>
+          </a:p>
+          <a:p>
+            <a:r>
+              <a:rPr lang="en-US" b="1" dirty="0"/>
+              <a:t>Functions can return a new function</a:t>
+            </a:r>
+          </a:p>
+        </p:txBody>
+      </p:sp>
+      <p:sp>
+        <p:nvSpPr>
+          <p:cNvPr id="4" name="Slide Number Placeholder 3">
+            <a:extLst>
+              <a:ext uri="{FF2B5EF4-FFF2-40B4-BE49-F238E27FC236}">
+                <a16:creationId xmlns:a16="http://schemas.microsoft.com/office/drawing/2014/main" id="{80F6072C-DF41-544B-A9A9-82F6656E36B7}"/>
+              </a:ext>
+            </a:extLst>
+          </p:cNvPr>
+          <p:cNvSpPr>
+            <a:spLocks noGrp="1"/>
+          </p:cNvSpPr>
+          <p:nvPr>
+            <p:ph type="sldNum" sz="quarter" idx="12"/>
+          </p:nvPr>
+        </p:nvSpPr>
+        <p:spPr/>
+        <p:txBody>
+          <a:bodyPr/>
+          <a:lstStyle/>
+          <a:p>
+            <a:pPr>
+              <a:defRPr/>
+            </a:pPr>
+            <a:fld id="{ACA94121-BA6C-AD43-82C2-DF1F24FE5D9C}" type="slidenum">
+              <a:rPr lang="en-US" smtClean="0"/>
+              <a:pPr>
+                <a:defRPr/>
+              </a:pPr>
+              <a:t>20</a:t>
+            </a:fld>
+            <a:endParaRPr lang="en-US" b="0"/>
+          </a:p>
+        </p:txBody>
+      </p:sp>
+    </p:spTree>
+    <p:extLst>
+      <p:ext uri="{BB962C8B-B14F-4D97-AF65-F5344CB8AC3E}">
+        <p14:creationId xmlns:p14="http://schemas.microsoft.com/office/powerpoint/2010/main" val="1820705637"/>
+      </p:ext>
+    </p:extLst>
+  </p:cSld>
+  <p:clrMapOvr>
+    <a:masterClrMapping/>
+  </p:clrMapOvr>
+</p:sld>
+</file>
+
+<file path=ppt/slides/slide21.xml><?xml version="1.0" encoding="utf-8"?>
+<p:sld xmlns:a="http://schemas.openxmlformats.org/drawingml/2006/main" xmlns:r="http://schemas.openxmlformats.org/officeDocument/2006/relationships" xmlns:p="http://schemas.openxmlformats.org/presentationml/2006/main">
+  <p:cSld>
+    <p:spTree>
+      <p:nvGrpSpPr>
+        <p:cNvPr id="1" name=""/>
+        <p:cNvGrpSpPr/>
+        <p:nvPr/>
+      </p:nvGrpSpPr>
+      <p:grpSpPr>
+        <a:xfrm>
+          <a:off x="0" y="0"/>
+          <a:ext cx="0" cy="0"/>
+          <a:chOff x="0" y="0"/>
+          <a:chExt cx="0" cy="0"/>
+        </a:xfrm>
+      </p:grpSpPr>
+      <p:sp>
+        <p:nvSpPr>
           <p:cNvPr id="3" name="Title 2">
             <a:extLst>
               <a:ext uri="{FF2B5EF4-FFF2-40B4-BE49-F238E27FC236}">
@@ -7941,7 +8107,7 @@
 </p:sld>
 </file>
 
-<file path=ppt/slides/slide21.xml><?xml version="1.0" encoding="utf-8"?>
+<file path=ppt/slides/slide22.xml><?xml version="1.0" encoding="utf-8"?>
 <p:sld xmlns:a="http://schemas.openxmlformats.org/drawingml/2006/main" xmlns:r="http://schemas.openxmlformats.org/officeDocument/2006/relationships" xmlns:p="http://schemas.openxmlformats.org/presentationml/2006/main">
   <p:cSld>
     <p:spTree>
@@ -8491,7 +8657,7 @@
 </p:sld>
 </file>
 
-<file path=ppt/slides/slide22.xml><?xml version="1.0" encoding="utf-8"?>
+<file path=ppt/slides/slide23.xml><?xml version="1.0" encoding="utf-8"?>
 <p:sld xmlns:a="http://schemas.openxmlformats.org/drawingml/2006/main" xmlns:r="http://schemas.openxmlformats.org/officeDocument/2006/relationships" xmlns:p="http://schemas.openxmlformats.org/presentationml/2006/main">
   <p:cSld>
     <p:spTree>
@@ -9108,7 +9274,7 @@
 </p:sld>
 </file>
 
-<file path=ppt/slides/slide23.xml><?xml version="1.0" encoding="utf-8"?>
+<file path=ppt/slides/slide24.xml><?xml version="1.0" encoding="utf-8"?>
 <p:sld xmlns:a="http://schemas.openxmlformats.org/drawingml/2006/main" xmlns:r="http://schemas.openxmlformats.org/officeDocument/2006/relationships" xmlns:p="http://schemas.openxmlformats.org/presentationml/2006/main">
   <p:cSld>
     <p:spTree>
@@ -9254,7 +9420,7 @@
 </p:sld>
 </file>
 
-<file path=ppt/slides/slide24.xml><?xml version="1.0" encoding="utf-8"?>
+<file path=ppt/slides/slide25.xml><?xml version="1.0" encoding="utf-8"?>
 <p:sld xmlns:a="http://schemas.openxmlformats.org/drawingml/2006/main" xmlns:r="http://schemas.openxmlformats.org/officeDocument/2006/relationships" xmlns:p="http://schemas.openxmlformats.org/presentationml/2006/main" show="0">
   <p:cSld>
     <p:spTree>
@@ -9599,842 +9765,6 @@
         <p14:creationId xmlns:p14="http://schemas.microsoft.com/office/powerpoint/2010/main" val="1383638834"/>
       </p:ext>
     </p:extLst>
-  </p:cSld>
-  <p:clrMapOvr>
-    <a:masterClrMapping/>
-  </p:clrMapOvr>
-  <p:timing>
-    <p:tnLst>
-      <p:par>
-        <p:cTn id="1" dur="indefinite" restart="never" nodeType="tmRoot">
-          <p:childTnLst>
-            <p:seq>
-              <p:cTn id="2" nodeType="mainSeq"/>
-              <p:prevCondLst>
-                <p:cond evt="onPrev" delay="0">
-                  <p:tgtEl>
-                    <p:sldTgt/>
-                  </p:tgtEl>
-                </p:cond>
-              </p:prevCondLst>
-              <p:nextCondLst>
-                <p:cond evt="onNext" delay="0">
-                  <p:tgtEl>
-                    <p:sldTgt/>
-                  </p:tgtEl>
-                </p:cond>
-              </p:nextCondLst>
-            </p:seq>
-          </p:childTnLst>
-        </p:cTn>
-      </p:par>
-    </p:tnLst>
-  </p:timing>
-</p:sld>
-</file>
-
-<file path=ppt/slides/slide25.xml><?xml version="1.0" encoding="utf-8"?>
-<p:sld xmlns:a="http://schemas.openxmlformats.org/drawingml/2006/main" xmlns:r="http://schemas.openxmlformats.org/officeDocument/2006/relationships" xmlns:p="http://schemas.openxmlformats.org/presentationml/2006/main" show="0">
-  <p:cSld>
-    <p:spTree>
-      <p:nvGrpSpPr>
-        <p:cNvPr id="1" name=""/>
-        <p:cNvGrpSpPr/>
-        <p:nvPr/>
-      </p:nvGrpSpPr>
-      <p:grpSpPr>
-        <a:xfrm>
-          <a:off x="0" y="0"/>
-          <a:ext cx="0" cy="0"/>
-          <a:chOff x="0" y="0"/>
-          <a:chExt cx="0" cy="0"/>
-        </a:xfrm>
-      </p:grpSpPr>
-      <p:sp>
-        <p:nvSpPr>
-          <p:cNvPr id="171" name="TextShape 1"/>
-          <p:cNvSpPr txBox="1"/>
-          <p:nvPr/>
-        </p:nvSpPr>
-        <p:spPr>
-          <a:xfrm>
-            <a:off x="2274422" y="60480"/>
-            <a:ext cx="8474400" cy="736200"/>
-          </a:xfrm>
-          <a:prstGeom prst="rect">
-            <a:avLst/>
-          </a:prstGeom>
-          <a:noFill/>
-          <a:ln>
-            <a:noFill/>
-          </a:ln>
-        </p:spPr>
-        <p:txBody>
-          <a:bodyPr lIns="92160" tIns="46080" rIns="92160" bIns="46080" anchor="ctr"/>
-          <a:lstStyle/>
-          <a:p>
-            <a:pPr>
-              <a:lnSpc>
-                <a:spcPct val="90000"/>
-              </a:lnSpc>
-            </a:pPr>
-            <a:r>
-              <a:rPr lang="en-US" sz="3200" b="1" spc="-1" dirty="0">
-                <a:solidFill>
-                  <a:srgbClr val="0332B7"/>
-                </a:solidFill>
-                <a:uFill>
-                  <a:solidFill>
-                    <a:srgbClr val="FFFFFF"/>
-                  </a:solidFill>
-                </a:uFill>
-                <a:latin typeface="Arial"/>
-                <a:ea typeface="Arial"/>
-              </a:rPr>
-              <a:t>Three super important HOFS</a:t>
-            </a:r>
-            <a:endParaRPr lang="en-US" sz="1400" spc="-1" dirty="0">
-              <a:solidFill>
-                <a:srgbClr val="000000"/>
-              </a:solidFill>
-              <a:uFill>
-                <a:solidFill>
-                  <a:srgbClr val="FFFFFF"/>
-                </a:solidFill>
-              </a:uFill>
-              <a:latin typeface="Arial"/>
-            </a:endParaRPr>
-          </a:p>
-        </p:txBody>
-      </p:sp>
-      <p:sp>
-        <p:nvSpPr>
-          <p:cNvPr id="172" name="CustomShape 2"/>
-          <p:cNvSpPr/>
-          <p:nvPr/>
-        </p:nvSpPr>
-        <p:spPr>
-          <a:xfrm>
-            <a:off x="2281080" y="1668600"/>
-            <a:ext cx="8372520" cy="522720"/>
-          </a:xfrm>
-          <a:prstGeom prst="rect">
-            <a:avLst/>
-          </a:prstGeom>
-          <a:noFill/>
-          <a:ln>
-            <a:noFill/>
-          </a:ln>
-        </p:spPr>
-        <p:style>
-          <a:lnRef idx="0">
-            <a:scrgbClr r="0" g="0" b="0"/>
-          </a:lnRef>
-          <a:fillRef idx="0">
-            <a:scrgbClr r="0" g="0" b="0"/>
-          </a:fillRef>
-          <a:effectRef idx="0">
-            <a:scrgbClr r="0" g="0" b="0"/>
-          </a:effectRef>
-          <a:fontRef idx="minor"/>
-        </p:style>
-        <p:txBody>
-          <a:bodyPr/>
-          <a:lstStyle/>
-          <a:p>
-            <a:pPr>
-              <a:lnSpc>
-                <a:spcPct val="100000"/>
-              </a:lnSpc>
-            </a:pPr>
-            <a:r>
-              <a:rPr lang="en-US" sz="2400" spc="-1" dirty="0">
-                <a:solidFill>
-                  <a:srgbClr val="000000"/>
-                </a:solidFill>
-                <a:uFill>
-                  <a:solidFill>
-                    <a:srgbClr val="FFFFFF"/>
-                  </a:solidFill>
-                </a:uFill>
-                <a:latin typeface="Source Code Pro" panose="020B0509030403020204" pitchFamily="49" charset="77"/>
-                <a:ea typeface="Courier New"/>
-              </a:rPr>
-              <a:t>list(map(</a:t>
-            </a:r>
-            <a:r>
-              <a:rPr lang="en-US" sz="2400" spc="-1" dirty="0" err="1">
-                <a:solidFill>
-                  <a:srgbClr val="000000"/>
-                </a:solidFill>
-                <a:uFill>
-                  <a:solidFill>
-                    <a:srgbClr val="FFFFFF"/>
-                  </a:solidFill>
-                </a:uFill>
-                <a:latin typeface="Source Code Pro" panose="020B0509030403020204" pitchFamily="49" charset="77"/>
-                <a:ea typeface="Courier New"/>
-              </a:rPr>
-              <a:t>function_to_apply</a:t>
-            </a:r>
-            <a:r>
-              <a:rPr lang="en-US" sz="2400" spc="-1" dirty="0">
-                <a:solidFill>
-                  <a:srgbClr val="000000"/>
-                </a:solidFill>
-                <a:uFill>
-                  <a:solidFill>
-                    <a:srgbClr val="FFFFFF"/>
-                  </a:solidFill>
-                </a:uFill>
-                <a:latin typeface="Source Code Pro" panose="020B0509030403020204" pitchFamily="49" charset="77"/>
-                <a:ea typeface="Courier New"/>
-              </a:rPr>
-              <a:t>, </a:t>
-            </a:r>
-            <a:r>
-              <a:rPr lang="en-US" sz="2400" spc="-1" dirty="0" err="1">
-                <a:solidFill>
-                  <a:srgbClr val="000000"/>
-                </a:solidFill>
-                <a:uFill>
-                  <a:solidFill>
-                    <a:srgbClr val="FFFFFF"/>
-                  </a:solidFill>
-                </a:uFill>
-                <a:latin typeface="Source Code Pro" panose="020B0509030403020204" pitchFamily="49" charset="77"/>
-                <a:ea typeface="Courier New"/>
-              </a:rPr>
-              <a:t>list_of_inputs</a:t>
-            </a:r>
-            <a:r>
-              <a:rPr lang="en-US" sz="2400" spc="-1" dirty="0">
-                <a:solidFill>
-                  <a:srgbClr val="000000"/>
-                </a:solidFill>
-                <a:uFill>
-                  <a:solidFill>
-                    <a:srgbClr val="FFFFFF"/>
-                  </a:solidFill>
-                </a:uFill>
-                <a:latin typeface="Source Code Pro" panose="020B0509030403020204" pitchFamily="49" charset="77"/>
-                <a:ea typeface="Courier New"/>
-              </a:rPr>
-              <a:t>))</a:t>
-            </a:r>
-            <a:endParaRPr lang="en-US" sz="2400" spc="-1" dirty="0">
-              <a:solidFill>
-                <a:srgbClr val="000000"/>
-              </a:solidFill>
-              <a:uFill>
-                <a:solidFill>
-                  <a:srgbClr val="FFFFFF"/>
-                </a:solidFill>
-              </a:uFill>
-              <a:latin typeface="Source Code Pro" panose="020B0509030403020204" pitchFamily="49" charset="77"/>
-            </a:endParaRPr>
-          </a:p>
-        </p:txBody>
-      </p:sp>
-      <p:sp>
-        <p:nvSpPr>
-          <p:cNvPr id="173" name="CustomShape 3"/>
-          <p:cNvSpPr/>
-          <p:nvPr/>
-        </p:nvSpPr>
-        <p:spPr>
-          <a:xfrm>
-            <a:off x="2209800" y="3200400"/>
-            <a:ext cx="7924680" cy="522720"/>
-          </a:xfrm>
-          <a:prstGeom prst="rect">
-            <a:avLst/>
-          </a:prstGeom>
-          <a:noFill/>
-          <a:ln>
-            <a:noFill/>
-          </a:ln>
-        </p:spPr>
-        <p:style>
-          <a:lnRef idx="0">
-            <a:scrgbClr r="0" g="0" b="0"/>
-          </a:lnRef>
-          <a:fillRef idx="0">
-            <a:scrgbClr r="0" g="0" b="0"/>
-          </a:fillRef>
-          <a:effectRef idx="0">
-            <a:scrgbClr r="0" g="0" b="0"/>
-          </a:effectRef>
-          <a:fontRef idx="minor"/>
-        </p:style>
-        <p:txBody>
-          <a:bodyPr/>
-          <a:lstStyle/>
-          <a:p>
-            <a:pPr>
-              <a:lnSpc>
-                <a:spcPct val="100000"/>
-              </a:lnSpc>
-            </a:pPr>
-            <a:r>
-              <a:rPr lang="en-US" sz="2400" spc="-1" dirty="0">
-                <a:solidFill>
-                  <a:srgbClr val="000000"/>
-                </a:solidFill>
-                <a:uFill>
-                  <a:solidFill>
-                    <a:srgbClr val="FFFFFF"/>
-                  </a:solidFill>
-                </a:uFill>
-                <a:latin typeface="Source Code Pro" panose="020B0509030403020204" pitchFamily="49" charset="77"/>
-                <a:ea typeface="Courier New"/>
-              </a:rPr>
-              <a:t>list(filter(condition, </a:t>
-            </a:r>
-            <a:r>
-              <a:rPr lang="en-US" sz="2400" spc="-1" dirty="0" err="1">
-                <a:solidFill>
-                  <a:srgbClr val="000000"/>
-                </a:solidFill>
-                <a:uFill>
-                  <a:solidFill>
-                    <a:srgbClr val="FFFFFF"/>
-                  </a:solidFill>
-                </a:uFill>
-                <a:latin typeface="Source Code Pro" panose="020B0509030403020204" pitchFamily="49" charset="77"/>
-                <a:ea typeface="Courier New"/>
-              </a:rPr>
-              <a:t>list_of_inputs</a:t>
-            </a:r>
-            <a:r>
-              <a:rPr lang="en-US" sz="2400" spc="-1" dirty="0">
-                <a:solidFill>
-                  <a:srgbClr val="000000"/>
-                </a:solidFill>
-                <a:uFill>
-                  <a:solidFill>
-                    <a:srgbClr val="FFFFFF"/>
-                  </a:solidFill>
-                </a:uFill>
-                <a:latin typeface="Source Code Pro" panose="020B0509030403020204" pitchFamily="49" charset="77"/>
-                <a:ea typeface="Courier New"/>
-              </a:rPr>
-              <a:t>))</a:t>
-            </a:r>
-            <a:endParaRPr lang="en-US" sz="2400" spc="-1" dirty="0">
-              <a:solidFill>
-                <a:srgbClr val="000000"/>
-              </a:solidFill>
-              <a:uFill>
-                <a:solidFill>
-                  <a:srgbClr val="FFFFFF"/>
-                </a:solidFill>
-              </a:uFill>
-              <a:latin typeface="Source Code Pro" panose="020B0509030403020204" pitchFamily="49" charset="77"/>
-            </a:endParaRPr>
-          </a:p>
-        </p:txBody>
-      </p:sp>
-      <p:sp>
-        <p:nvSpPr>
-          <p:cNvPr id="174" name="CustomShape 4"/>
-          <p:cNvSpPr/>
-          <p:nvPr/>
-        </p:nvSpPr>
-        <p:spPr>
-          <a:xfrm>
-            <a:off x="2286120" y="2057400"/>
-            <a:ext cx="6910920" cy="522720"/>
-          </a:xfrm>
-          <a:prstGeom prst="rect">
-            <a:avLst/>
-          </a:prstGeom>
-          <a:noFill/>
-          <a:ln>
-            <a:noFill/>
-          </a:ln>
-        </p:spPr>
-        <p:style>
-          <a:lnRef idx="0">
-            <a:scrgbClr r="0" g="0" b="0"/>
-          </a:lnRef>
-          <a:fillRef idx="0">
-            <a:scrgbClr r="0" g="0" b="0"/>
-          </a:fillRef>
-          <a:effectRef idx="0">
-            <a:scrgbClr r="0" g="0" b="0"/>
-          </a:effectRef>
-          <a:fontRef idx="minor"/>
-        </p:style>
-        <p:txBody>
-          <a:bodyPr/>
-          <a:lstStyle/>
-          <a:p>
-            <a:pPr>
-              <a:lnSpc>
-                <a:spcPct val="100000"/>
-              </a:lnSpc>
-            </a:pPr>
-            <a:r>
-              <a:rPr lang="en-US" sz="2800" spc="-1" dirty="0">
-                <a:solidFill>
-                  <a:srgbClr val="000000"/>
-                </a:solidFill>
-                <a:uFill>
-                  <a:solidFill>
-                    <a:srgbClr val="FFFFFF"/>
-                  </a:solidFill>
-                </a:uFill>
-                <a:latin typeface="Arial"/>
-                <a:ea typeface="Arial"/>
-              </a:rPr>
-              <a:t>Applies function to each element of the list</a:t>
-            </a:r>
-            <a:endParaRPr lang="en-US" spc="-1" dirty="0">
-              <a:solidFill>
-                <a:srgbClr val="000000"/>
-              </a:solidFill>
-              <a:uFill>
-                <a:solidFill>
-                  <a:srgbClr val="FFFFFF"/>
-                </a:solidFill>
-              </a:uFill>
-              <a:latin typeface="Arial"/>
-            </a:endParaRPr>
-          </a:p>
-        </p:txBody>
-      </p:sp>
-      <p:sp>
-        <p:nvSpPr>
-          <p:cNvPr id="175" name="CustomShape 5"/>
-          <p:cNvSpPr/>
-          <p:nvPr/>
-        </p:nvSpPr>
-        <p:spPr>
-          <a:xfrm>
-            <a:off x="2209800" y="3733920"/>
-            <a:ext cx="6371280" cy="953640"/>
-          </a:xfrm>
-          <a:prstGeom prst="rect">
-            <a:avLst/>
-          </a:prstGeom>
-          <a:noFill/>
-          <a:ln>
-            <a:noFill/>
-          </a:ln>
-        </p:spPr>
-        <p:style>
-          <a:lnRef idx="0">
-            <a:scrgbClr r="0" g="0" b="0"/>
-          </a:lnRef>
-          <a:fillRef idx="0">
-            <a:scrgbClr r="0" g="0" b="0"/>
-          </a:fillRef>
-          <a:effectRef idx="0">
-            <a:scrgbClr r="0" g="0" b="0"/>
-          </a:effectRef>
-          <a:fontRef idx="minor"/>
-        </p:style>
-        <p:txBody>
-          <a:bodyPr/>
-          <a:lstStyle/>
-          <a:p>
-            <a:pPr>
-              <a:lnSpc>
-                <a:spcPct val="100000"/>
-              </a:lnSpc>
-            </a:pPr>
-            <a:r>
-              <a:rPr lang="en-US" sz="2800" spc="-1" dirty="0">
-                <a:solidFill>
-                  <a:srgbClr val="000000"/>
-                </a:solidFill>
-                <a:uFill>
-                  <a:solidFill>
-                    <a:srgbClr val="FFFFFF"/>
-                  </a:solidFill>
-                </a:uFill>
-                <a:latin typeface="Arial"/>
-                <a:ea typeface="Arial"/>
-              </a:rPr>
-              <a:t>Returns a list of elements for which the condition is true</a:t>
-            </a:r>
-            <a:endParaRPr lang="en-US" spc="-1" dirty="0">
-              <a:solidFill>
-                <a:srgbClr val="000000"/>
-              </a:solidFill>
-              <a:uFill>
-                <a:solidFill>
-                  <a:srgbClr val="FFFFFF"/>
-                </a:solidFill>
-              </a:uFill>
-              <a:latin typeface="Arial"/>
-            </a:endParaRPr>
-          </a:p>
-        </p:txBody>
-      </p:sp>
-      <p:sp>
-        <p:nvSpPr>
-          <p:cNvPr id="176" name="CustomShape 6"/>
-          <p:cNvSpPr/>
-          <p:nvPr/>
-        </p:nvSpPr>
-        <p:spPr>
-          <a:xfrm>
-            <a:off x="2209800" y="5029200"/>
-            <a:ext cx="7238520" cy="522720"/>
-          </a:xfrm>
-          <a:prstGeom prst="rect">
-            <a:avLst/>
-          </a:prstGeom>
-          <a:noFill/>
-          <a:ln>
-            <a:noFill/>
-          </a:ln>
-        </p:spPr>
-        <p:style>
-          <a:lnRef idx="0">
-            <a:scrgbClr r="0" g="0" b="0"/>
-          </a:lnRef>
-          <a:fillRef idx="0">
-            <a:scrgbClr r="0" g="0" b="0"/>
-          </a:fillRef>
-          <a:effectRef idx="0">
-            <a:scrgbClr r="0" g="0" b="0"/>
-          </a:effectRef>
-          <a:fontRef idx="minor"/>
-        </p:style>
-        <p:txBody>
-          <a:bodyPr/>
-          <a:lstStyle/>
-          <a:p>
-            <a:pPr>
-              <a:lnSpc>
-                <a:spcPct val="100000"/>
-              </a:lnSpc>
-            </a:pPr>
-            <a:r>
-              <a:rPr lang="en-US" sz="2800" spc="-1" dirty="0">
-                <a:solidFill>
-                  <a:srgbClr val="000000"/>
-                </a:solidFill>
-                <a:uFill>
-                  <a:solidFill>
-                    <a:srgbClr val="FFFFFF"/>
-                  </a:solidFill>
-                </a:uFill>
-                <a:latin typeface="Source Code Pro" panose="020B0509030403020204" pitchFamily="49" charset="77"/>
-                <a:ea typeface="Courier New"/>
-              </a:rPr>
-              <a:t>reduce(function, </a:t>
-            </a:r>
-            <a:r>
-              <a:rPr lang="en-US" sz="2800" spc="-1" dirty="0" err="1">
-                <a:solidFill>
-                  <a:srgbClr val="000000"/>
-                </a:solidFill>
-                <a:uFill>
-                  <a:solidFill>
-                    <a:srgbClr val="FFFFFF"/>
-                  </a:solidFill>
-                </a:uFill>
-                <a:latin typeface="Source Code Pro" panose="020B0509030403020204" pitchFamily="49" charset="77"/>
-                <a:ea typeface="Courier New"/>
-              </a:rPr>
-              <a:t>list_of_inputs</a:t>
-            </a:r>
-            <a:r>
-              <a:rPr lang="en-US" sz="2800" spc="-1" dirty="0">
-                <a:solidFill>
-                  <a:srgbClr val="000000"/>
-                </a:solidFill>
-                <a:uFill>
-                  <a:solidFill>
-                    <a:srgbClr val="FFFFFF"/>
-                  </a:solidFill>
-                </a:uFill>
-                <a:latin typeface="Source Code Pro" panose="020B0509030403020204" pitchFamily="49" charset="77"/>
-                <a:ea typeface="Courier New"/>
-              </a:rPr>
-              <a:t>)</a:t>
-            </a:r>
-            <a:endParaRPr lang="en-US" spc="-1" dirty="0">
-              <a:solidFill>
-                <a:srgbClr val="000000"/>
-              </a:solidFill>
-              <a:uFill>
-                <a:solidFill>
-                  <a:srgbClr val="FFFFFF"/>
-                </a:solidFill>
-              </a:uFill>
-              <a:latin typeface="Source Code Pro" panose="020B0509030403020204" pitchFamily="49" charset="77"/>
-            </a:endParaRPr>
-          </a:p>
-        </p:txBody>
-      </p:sp>
-      <p:sp>
-        <p:nvSpPr>
-          <p:cNvPr id="177" name="CustomShape 7"/>
-          <p:cNvSpPr/>
-          <p:nvPr/>
-        </p:nvSpPr>
-        <p:spPr>
-          <a:xfrm>
-            <a:off x="2209800" y="5410080"/>
-            <a:ext cx="7429680" cy="522720"/>
-          </a:xfrm>
-          <a:prstGeom prst="rect">
-            <a:avLst/>
-          </a:prstGeom>
-          <a:noFill/>
-          <a:ln>
-            <a:noFill/>
-          </a:ln>
-        </p:spPr>
-        <p:style>
-          <a:lnRef idx="0">
-            <a:scrgbClr r="0" g="0" b="0"/>
-          </a:lnRef>
-          <a:fillRef idx="0">
-            <a:scrgbClr r="0" g="0" b="0"/>
-          </a:fillRef>
-          <a:effectRef idx="0">
-            <a:scrgbClr r="0" g="0" b="0"/>
-          </a:effectRef>
-          <a:fontRef idx="minor"/>
-        </p:style>
-        <p:txBody>
-          <a:bodyPr/>
-          <a:lstStyle/>
-          <a:p>
-            <a:pPr>
-              <a:lnSpc>
-                <a:spcPct val="100000"/>
-              </a:lnSpc>
-            </a:pPr>
-            <a:r>
-              <a:rPr lang="en-US" sz="2800" spc="-1" dirty="0">
-                <a:solidFill>
-                  <a:srgbClr val="000000"/>
-                </a:solidFill>
-                <a:uFill>
-                  <a:solidFill>
-                    <a:srgbClr val="FFFFFF"/>
-                  </a:solidFill>
-                </a:uFill>
-                <a:latin typeface="Arial"/>
-              </a:rPr>
-              <a:t>Applies the function, combining items of the list into a "single" value.</a:t>
-            </a:r>
-            <a:endParaRPr lang="en-US" spc="-1" dirty="0">
-              <a:solidFill>
-                <a:srgbClr val="000000"/>
-              </a:solidFill>
-              <a:uFill>
-                <a:solidFill>
-                  <a:srgbClr val="FFFFFF"/>
-                </a:solidFill>
-              </a:uFill>
-              <a:latin typeface="Arial"/>
-            </a:endParaRPr>
-          </a:p>
-        </p:txBody>
-      </p:sp>
-      <p:sp>
-        <p:nvSpPr>
-          <p:cNvPr id="178" name="TextShape 8"/>
-          <p:cNvSpPr txBox="1"/>
-          <p:nvPr/>
-        </p:nvSpPr>
-        <p:spPr>
-          <a:xfrm>
-            <a:off x="10134480" y="6553080"/>
-            <a:ext cx="533160" cy="304560"/>
-          </a:xfrm>
-          <a:prstGeom prst="rect">
-            <a:avLst/>
-          </a:prstGeom>
-          <a:noFill/>
-          <a:ln>
-            <a:noFill/>
-          </a:ln>
-        </p:spPr>
-        <p:txBody>
-          <a:bodyPr lIns="92160" tIns="46080" rIns="92160" bIns="46080" anchor="ctr"/>
-          <a:lstStyle/>
-          <a:p>
-            <a:pPr algn="r">
-              <a:lnSpc>
-                <a:spcPct val="100000"/>
-              </a:lnSpc>
-            </a:pPr>
-            <a:fld id="{713BEC69-ACC0-4745-91F6-6864BC87B08D}" type="slidenum">
-              <a:rPr lang="en-US" sz="1400" b="1" spc="-1">
-                <a:solidFill>
-                  <a:srgbClr val="FF9900"/>
-                </a:solidFill>
-                <a:uFill>
-                  <a:solidFill>
-                    <a:srgbClr val="FFFFFF"/>
-                  </a:solidFill>
-                </a:uFill>
-                <a:latin typeface="Times New Roman"/>
-                <a:ea typeface="Times New Roman"/>
-              </a:rPr>
-              <a:t>25</a:t>
-            </a:fld>
-            <a:endParaRPr lang="en-US" sz="1400" spc="-1">
-              <a:solidFill>
-                <a:srgbClr val="000000"/>
-              </a:solidFill>
-              <a:uFill>
-                <a:solidFill>
-                  <a:srgbClr val="FFFFFF"/>
-                </a:solidFill>
-              </a:uFill>
-              <a:latin typeface="Times New Roman"/>
-            </a:endParaRPr>
-          </a:p>
-        </p:txBody>
-      </p:sp>
-      <p:sp>
-        <p:nvSpPr>
-          <p:cNvPr id="179" name="CustomShape 9"/>
-          <p:cNvSpPr/>
-          <p:nvPr/>
-        </p:nvSpPr>
-        <p:spPr>
-          <a:xfrm>
-            <a:off x="1524000" y="6553080"/>
-            <a:ext cx="1523520" cy="304560"/>
-          </a:xfrm>
-          <a:prstGeom prst="rect">
-            <a:avLst/>
-          </a:prstGeom>
-          <a:noFill/>
-          <a:ln w="9360">
-            <a:noFill/>
-          </a:ln>
-        </p:spPr>
-        <p:style>
-          <a:lnRef idx="0">
-            <a:scrgbClr r="0" g="0" b="0"/>
-          </a:lnRef>
-          <a:fillRef idx="0">
-            <a:scrgbClr r="0" g="0" b="0"/>
-          </a:fillRef>
-          <a:effectRef idx="0">
-            <a:scrgbClr r="0" g="0" b="0"/>
-          </a:effectRef>
-          <a:fontRef idx="minor"/>
-        </p:style>
-        <p:txBody>
-          <a:bodyPr wrap="none" lIns="92160" tIns="46080" rIns="92160" bIns="46080" anchor="ctr"/>
-          <a:lstStyle/>
-          <a:p>
-            <a:pPr>
-              <a:lnSpc>
-                <a:spcPct val="100000"/>
-              </a:lnSpc>
-            </a:pPr>
-            <a:r>
-              <a:rPr lang="en-US" sz="1200" b="1" spc="-1" dirty="0">
-                <a:solidFill>
-                  <a:srgbClr val="FF9900"/>
-                </a:solidFill>
-                <a:uFill>
-                  <a:solidFill>
-                    <a:srgbClr val="FFFFFF"/>
-                  </a:solidFill>
-                </a:uFill>
-                <a:latin typeface="Times New Roman"/>
-                <a:ea typeface="ＭＳ Ｐゴシック"/>
-              </a:rPr>
-              <a:t>02/10/2020</a:t>
-            </a:r>
-            <a:endParaRPr lang="en-US" spc="-1" dirty="0">
-              <a:solidFill>
-                <a:srgbClr val="000000"/>
-              </a:solidFill>
-              <a:uFill>
-                <a:solidFill>
-                  <a:srgbClr val="FFFFFF"/>
-                </a:solidFill>
-              </a:uFill>
-              <a:latin typeface="Arial"/>
-            </a:endParaRPr>
-          </a:p>
-        </p:txBody>
-      </p:sp>
-      <p:sp>
-        <p:nvSpPr>
-          <p:cNvPr id="181" name="TextShape 11"/>
-          <p:cNvSpPr txBox="1"/>
-          <p:nvPr/>
-        </p:nvSpPr>
-        <p:spPr>
-          <a:xfrm>
-            <a:off x="2378640" y="1120680"/>
-            <a:ext cx="7171560" cy="602280"/>
-          </a:xfrm>
-          <a:prstGeom prst="rect">
-            <a:avLst/>
-          </a:prstGeom>
-          <a:noFill/>
-          <a:ln>
-            <a:noFill/>
-          </a:ln>
-        </p:spPr>
-        <p:txBody>
-          <a:bodyPr lIns="90000" tIns="45000" rIns="90000" bIns="45000"/>
-          <a:lstStyle/>
-          <a:p>
-            <a:r>
-              <a:rPr lang="en-US" spc="-1" dirty="0">
-                <a:solidFill>
-                  <a:srgbClr val="000000"/>
-                </a:solidFill>
-                <a:uFill>
-                  <a:solidFill>
-                    <a:srgbClr val="FFFFFF"/>
-                  </a:solidFill>
-                </a:uFill>
-                <a:latin typeface="Arial"/>
-              </a:rPr>
-              <a:t>* For the </a:t>
-            </a:r>
-            <a:r>
-              <a:rPr lang="en-US" spc="-1" dirty="0" err="1">
-                <a:solidFill>
-                  <a:srgbClr val="000000"/>
-                </a:solidFill>
-                <a:uFill>
-                  <a:solidFill>
-                    <a:srgbClr val="FFFFFF"/>
-                  </a:solidFill>
-                </a:uFill>
-                <a:latin typeface="Arial"/>
-              </a:rPr>
-              <a:t>builtin</a:t>
-            </a:r>
-            <a:r>
-              <a:rPr lang="en-US" spc="-1" dirty="0">
-                <a:solidFill>
-                  <a:srgbClr val="000000"/>
-                </a:solidFill>
-                <a:uFill>
-                  <a:solidFill>
-                    <a:srgbClr val="FFFFFF"/>
-                  </a:solidFill>
-                </a:uFill>
-                <a:latin typeface="Arial"/>
-              </a:rPr>
-              <a:t> filter/map, you need to then call list on it to get a list. If we define our own, we do not need to call list</a:t>
-            </a:r>
-          </a:p>
-        </p:txBody>
-      </p:sp>
-    </p:spTree>
   </p:cSld>
   <p:clrMapOvr>
     <a:masterClrMapping/>
@@ -10494,7 +9824,7 @@
         </p:nvSpPr>
         <p:spPr>
           <a:xfrm>
-            <a:off x="2281080" y="272353"/>
+            <a:off x="2274422" y="60480"/>
             <a:ext cx="8474400" cy="736200"/>
           </a:xfrm>
           <a:prstGeom prst="rect">
@@ -10527,7 +9857,7 @@
                 <a:latin typeface="Arial"/>
                 <a:ea typeface="Arial"/>
               </a:rPr>
-              <a:t>Today's Task: Acronym</a:t>
+              <a:t>Three super important HOFS</a:t>
             </a:r>
             <a:endParaRPr lang="en-US" sz="1400" spc="-1" dirty="0">
               <a:solidFill>
@@ -10551,7 +9881,7 @@
         </p:nvSpPr>
         <p:spPr>
           <a:xfrm>
-            <a:off x="2281080" y="999528"/>
+            <a:off x="2281080" y="1668600"/>
             <a:ext cx="8372520" cy="522720"/>
           </a:xfrm>
           <a:prstGeom prst="rect">
@@ -10583,6 +9913,81 @@
                 <a:spcPct val="100000"/>
               </a:lnSpc>
             </a:pPr>
+            <a:r>
+              <a:rPr lang="en-US" sz="2400" spc="-1" dirty="0">
+                <a:solidFill>
+                  <a:srgbClr val="000000"/>
+                </a:solidFill>
+                <a:uFill>
+                  <a:solidFill>
+                    <a:srgbClr val="FFFFFF"/>
+                  </a:solidFill>
+                </a:uFill>
+                <a:latin typeface="Source Code Pro" panose="020B0509030403020204" pitchFamily="49" charset="77"/>
+                <a:ea typeface="Courier New"/>
+              </a:rPr>
+              <a:t>list(map(</a:t>
+            </a:r>
+            <a:r>
+              <a:rPr lang="en-US" sz="2400" spc="-1" dirty="0" err="1">
+                <a:solidFill>
+                  <a:srgbClr val="000000"/>
+                </a:solidFill>
+                <a:uFill>
+                  <a:solidFill>
+                    <a:srgbClr val="FFFFFF"/>
+                  </a:solidFill>
+                </a:uFill>
+                <a:latin typeface="Source Code Pro" panose="020B0509030403020204" pitchFamily="49" charset="77"/>
+                <a:ea typeface="Courier New"/>
+              </a:rPr>
+              <a:t>function_to_apply</a:t>
+            </a:r>
+            <a:r>
+              <a:rPr lang="en-US" sz="2400" spc="-1" dirty="0">
+                <a:solidFill>
+                  <a:srgbClr val="000000"/>
+                </a:solidFill>
+                <a:uFill>
+                  <a:solidFill>
+                    <a:srgbClr val="FFFFFF"/>
+                  </a:solidFill>
+                </a:uFill>
+                <a:latin typeface="Source Code Pro" panose="020B0509030403020204" pitchFamily="49" charset="77"/>
+                <a:ea typeface="Courier New"/>
+              </a:rPr>
+              <a:t>, </a:t>
+            </a:r>
+            <a:r>
+              <a:rPr lang="en-US" sz="2400" spc="-1" dirty="0" err="1">
+                <a:solidFill>
+                  <a:srgbClr val="000000"/>
+                </a:solidFill>
+                <a:uFill>
+                  <a:solidFill>
+                    <a:srgbClr val="FFFFFF"/>
+                  </a:solidFill>
+                </a:uFill>
+                <a:latin typeface="Source Code Pro" panose="020B0509030403020204" pitchFamily="49" charset="77"/>
+                <a:ea typeface="Courier New"/>
+              </a:rPr>
+              <a:t>list_of_inputs</a:t>
+            </a:r>
+            <a:r>
+              <a:rPr lang="en-US" sz="2400" spc="-1" dirty="0">
+                <a:solidFill>
+                  <a:srgbClr val="000000"/>
+                </a:solidFill>
+                <a:uFill>
+                  <a:solidFill>
+                    <a:srgbClr val="FFFFFF"/>
+                  </a:solidFill>
+                </a:uFill>
+                <a:latin typeface="Source Code Pro" panose="020B0509030403020204" pitchFamily="49" charset="77"/>
+                <a:ea typeface="Courier New"/>
+              </a:rPr>
+              <a:t>))</a:t>
+            </a:r>
             <a:endParaRPr lang="en-US" sz="2400" spc="-1" dirty="0">
               <a:solidFill>
                 <a:srgbClr val="000000"/>
@@ -10595,6 +10000,42 @@
               <a:latin typeface="Source Code Pro" panose="020B0509030403020204" pitchFamily="49" charset="77"/>
             </a:endParaRPr>
           </a:p>
+        </p:txBody>
+      </p:sp>
+      <p:sp>
+        <p:nvSpPr>
+          <p:cNvPr id="173" name="CustomShape 3"/>
+          <p:cNvSpPr/>
+          <p:nvPr/>
+        </p:nvSpPr>
+        <p:spPr>
+          <a:xfrm>
+            <a:off x="2209800" y="3200400"/>
+            <a:ext cx="7924680" cy="522720"/>
+          </a:xfrm>
+          <a:prstGeom prst="rect">
+            <a:avLst/>
+          </a:prstGeom>
+          <a:noFill/>
+          <a:ln>
+            <a:noFill/>
+          </a:ln>
+        </p:spPr>
+        <p:style>
+          <a:lnRef idx="0">
+            <a:scrgbClr r="0" g="0" b="0"/>
+          </a:lnRef>
+          <a:fillRef idx="0">
+            <a:scrgbClr r="0" g="0" b="0"/>
+          </a:fillRef>
+          <a:effectRef idx="0">
+            <a:scrgbClr r="0" g="0" b="0"/>
+          </a:effectRef>
+          <a:fontRef idx="minor"/>
+        </p:style>
+        <p:txBody>
+          <a:bodyPr/>
+          <a:lstStyle/>
           <a:p>
             <a:pPr>
               <a:lnSpc>
@@ -10612,17 +10053,110 @@
                   </a:solidFill>
                 </a:uFill>
                 <a:latin typeface="Source Code Pro" panose="020B0509030403020204" pitchFamily="49" charset="77"/>
-              </a:rPr>
-              <a:t>Input: "The University of California at Berkeley"</a:t>
-            </a:r>
-          </a:p>
+                <a:ea typeface="Courier New"/>
+              </a:rPr>
+              <a:t>list(filter(condition, </a:t>
+            </a:r>
+            <a:r>
+              <a:rPr lang="en-US" sz="2400" spc="-1" dirty="0" err="1">
+                <a:solidFill>
+                  <a:srgbClr val="000000"/>
+                </a:solidFill>
+                <a:uFill>
+                  <a:solidFill>
+                    <a:srgbClr val="FFFFFF"/>
+                  </a:solidFill>
+                </a:uFill>
+                <a:latin typeface="Source Code Pro" panose="020B0509030403020204" pitchFamily="49" charset="77"/>
+                <a:ea typeface="Courier New"/>
+              </a:rPr>
+              <a:t>list_of_inputs</a:t>
+            </a:r>
+            <a:r>
+              <a:rPr lang="en-US" sz="2400" spc="-1" dirty="0">
+                <a:solidFill>
+                  <a:srgbClr val="000000"/>
+                </a:solidFill>
+                <a:uFill>
+                  <a:solidFill>
+                    <a:srgbClr val="FFFFFF"/>
+                  </a:solidFill>
+                </a:uFill>
+                <a:latin typeface="Source Code Pro" panose="020B0509030403020204" pitchFamily="49" charset="77"/>
+                <a:ea typeface="Courier New"/>
+              </a:rPr>
+              <a:t>))</a:t>
+            </a:r>
+            <a:endParaRPr lang="en-US" sz="2400" spc="-1" dirty="0">
+              <a:solidFill>
+                <a:srgbClr val="000000"/>
+              </a:solidFill>
+              <a:uFill>
+                <a:solidFill>
+                  <a:srgbClr val="FFFFFF"/>
+                </a:solidFill>
+              </a:uFill>
+              <a:latin typeface="Source Code Pro" panose="020B0509030403020204" pitchFamily="49" charset="77"/>
+            </a:endParaRPr>
+          </a:p>
+        </p:txBody>
+      </p:sp>
+      <p:sp>
+        <p:nvSpPr>
+          <p:cNvPr id="174" name="CustomShape 4"/>
+          <p:cNvSpPr/>
+          <p:nvPr/>
+        </p:nvSpPr>
+        <p:spPr>
+          <a:xfrm>
+            <a:off x="2286120" y="2057400"/>
+            <a:ext cx="6910920" cy="522720"/>
+          </a:xfrm>
+          <a:prstGeom prst="rect">
+            <a:avLst/>
+          </a:prstGeom>
+          <a:noFill/>
+          <a:ln>
+            <a:noFill/>
+          </a:ln>
+        </p:spPr>
+        <p:style>
+          <a:lnRef idx="0">
+            <a:scrgbClr r="0" g="0" b="0"/>
+          </a:lnRef>
+          <a:fillRef idx="0">
+            <a:scrgbClr r="0" g="0" b="0"/>
+          </a:fillRef>
+          <a:effectRef idx="0">
+            <a:scrgbClr r="0" g="0" b="0"/>
+          </a:effectRef>
+          <a:fontRef idx="minor"/>
+        </p:style>
+        <p:txBody>
+          <a:bodyPr/>
+          <a:lstStyle/>
           <a:p>
             <a:pPr>
               <a:lnSpc>
                 <a:spcPct val="100000"/>
               </a:lnSpc>
             </a:pPr>
-            <a:endParaRPr lang="en-US" sz="2400" spc="-1" dirty="0">
+            <a:r>
+              <a:rPr lang="en-US" sz="2800" spc="-1" dirty="0">
+                <a:solidFill>
+                  <a:srgbClr val="000000"/>
+                </a:solidFill>
+                <a:uFill>
+                  <a:solidFill>
+                    <a:srgbClr val="FFFFFF"/>
+                  </a:solidFill>
+                </a:uFill>
+                <a:latin typeface="Arial"/>
+                <a:ea typeface="Arial"/>
+              </a:rPr>
+              <a:t>Applies function to each element of the list</a:t>
+            </a:r>
+            <a:endParaRPr lang="en-US" spc="-1" dirty="0">
               <a:solidFill>
                 <a:srgbClr val="000000"/>
               </a:solidFill>
@@ -10631,9 +10165,45 @@
                   <a:srgbClr val="FFFFFF"/>
                 </a:solidFill>
               </a:uFill>
-              <a:latin typeface="Source Code Pro" panose="020B0509030403020204" pitchFamily="49" charset="77"/>
+              <a:latin typeface="Arial"/>
             </a:endParaRPr>
           </a:p>
+        </p:txBody>
+      </p:sp>
+      <p:sp>
+        <p:nvSpPr>
+          <p:cNvPr id="175" name="CustomShape 5"/>
+          <p:cNvSpPr/>
+          <p:nvPr/>
+        </p:nvSpPr>
+        <p:spPr>
+          <a:xfrm>
+            <a:off x="2209800" y="3733920"/>
+            <a:ext cx="6371280" cy="953640"/>
+          </a:xfrm>
+          <a:prstGeom prst="rect">
+            <a:avLst/>
+          </a:prstGeom>
+          <a:noFill/>
+          <a:ln>
+            <a:noFill/>
+          </a:ln>
+        </p:spPr>
+        <p:style>
+          <a:lnRef idx="0">
+            <a:scrgbClr r="0" g="0" b="0"/>
+          </a:lnRef>
+          <a:fillRef idx="0">
+            <a:scrgbClr r="0" g="0" b="0"/>
+          </a:fillRef>
+          <a:effectRef idx="0">
+            <a:scrgbClr r="0" g="0" b="0"/>
+          </a:effectRef>
+          <a:fontRef idx="minor"/>
+        </p:style>
+        <p:txBody>
+          <a:bodyPr/>
+          <a:lstStyle/>
           <a:p>
             <a:pPr>
               <a:lnSpc>
@@ -10641,27 +10211,120 @@
               </a:lnSpc>
             </a:pPr>
             <a:r>
-              <a:rPr lang="en-US" sz="2400" spc="-1" dirty="0">
-                <a:solidFill>
-                  <a:srgbClr val="000000"/>
-                </a:solidFill>
-                <a:uFill>
-                  <a:solidFill>
-                    <a:srgbClr val="FFFFFF"/>
-                  </a:solidFill>
-                </a:uFill>
-                <a:latin typeface="Source Code Pro" panose="020B0509030403020204" pitchFamily="49" charset="77"/>
-              </a:rPr>
-              <a:t>Output: "UCB"</a:t>
-            </a:r>
-          </a:p>
+              <a:rPr lang="en-US" sz="2800" spc="-1" dirty="0">
+                <a:solidFill>
+                  <a:srgbClr val="000000"/>
+                </a:solidFill>
+                <a:uFill>
+                  <a:solidFill>
+                    <a:srgbClr val="FFFFFF"/>
+                  </a:solidFill>
+                </a:uFill>
+                <a:latin typeface="Arial"/>
+                <a:ea typeface="Arial"/>
+              </a:rPr>
+              <a:t>Returns a list of elements for which the condition is true</a:t>
+            </a:r>
+            <a:endParaRPr lang="en-US" spc="-1" dirty="0">
+              <a:solidFill>
+                <a:srgbClr val="000000"/>
+              </a:solidFill>
+              <a:uFill>
+                <a:solidFill>
+                  <a:srgbClr val="FFFFFF"/>
+                </a:solidFill>
+              </a:uFill>
+              <a:latin typeface="Arial"/>
+            </a:endParaRPr>
+          </a:p>
+        </p:txBody>
+      </p:sp>
+      <p:sp>
+        <p:nvSpPr>
+          <p:cNvPr id="176" name="CustomShape 6"/>
+          <p:cNvSpPr/>
+          <p:nvPr/>
+        </p:nvSpPr>
+        <p:spPr>
+          <a:xfrm>
+            <a:off x="2209800" y="5029200"/>
+            <a:ext cx="7238520" cy="522720"/>
+          </a:xfrm>
+          <a:prstGeom prst="rect">
+            <a:avLst/>
+          </a:prstGeom>
+          <a:noFill/>
+          <a:ln>
+            <a:noFill/>
+          </a:ln>
+        </p:spPr>
+        <p:style>
+          <a:lnRef idx="0">
+            <a:scrgbClr r="0" g="0" b="0"/>
+          </a:lnRef>
+          <a:fillRef idx="0">
+            <a:scrgbClr r="0" g="0" b="0"/>
+          </a:fillRef>
+          <a:effectRef idx="0">
+            <a:scrgbClr r="0" g="0" b="0"/>
+          </a:effectRef>
+          <a:fontRef idx="minor"/>
+        </p:style>
+        <p:txBody>
+          <a:bodyPr/>
+          <a:lstStyle/>
           <a:p>
             <a:pPr>
               <a:lnSpc>
                 <a:spcPct val="100000"/>
               </a:lnSpc>
             </a:pPr>
-            <a:endParaRPr lang="en-US" sz="2400" spc="-1" dirty="0">
+            <a:r>
+              <a:rPr lang="en-US" sz="2800" spc="-1" dirty="0">
+                <a:solidFill>
+                  <a:srgbClr val="000000"/>
+                </a:solidFill>
+                <a:uFill>
+                  <a:solidFill>
+                    <a:srgbClr val="FFFFFF"/>
+                  </a:solidFill>
+                </a:uFill>
+                <a:latin typeface="Source Code Pro" panose="020B0509030403020204" pitchFamily="49" charset="77"/>
+                <a:ea typeface="Courier New"/>
+              </a:rPr>
+              <a:t>reduce(function, </a:t>
+            </a:r>
+            <a:r>
+              <a:rPr lang="en-US" sz="2800" spc="-1" dirty="0" err="1">
+                <a:solidFill>
+                  <a:srgbClr val="000000"/>
+                </a:solidFill>
+                <a:uFill>
+                  <a:solidFill>
+                    <a:srgbClr val="FFFFFF"/>
+                  </a:solidFill>
+                </a:uFill>
+                <a:latin typeface="Source Code Pro" panose="020B0509030403020204" pitchFamily="49" charset="77"/>
+                <a:ea typeface="Courier New"/>
+              </a:rPr>
+              <a:t>list_of_inputs</a:t>
+            </a:r>
+            <a:r>
+              <a:rPr lang="en-US" sz="2800" spc="-1" dirty="0">
+                <a:solidFill>
+                  <a:srgbClr val="000000"/>
+                </a:solidFill>
+                <a:uFill>
+                  <a:solidFill>
+                    <a:srgbClr val="FFFFFF"/>
+                  </a:solidFill>
+                </a:uFill>
+                <a:latin typeface="Source Code Pro" panose="020B0509030403020204" pitchFamily="49" charset="77"/>
+                <a:ea typeface="Courier New"/>
+              </a:rPr>
+              <a:t>)</a:t>
+            </a:r>
+            <a:endParaRPr lang="en-US" spc="-1" dirty="0">
               <a:solidFill>
                 <a:srgbClr val="000000"/>
               </a:solidFill>
@@ -10673,6 +10336,42 @@
               <a:latin typeface="Source Code Pro" panose="020B0509030403020204" pitchFamily="49" charset="77"/>
             </a:endParaRPr>
           </a:p>
+        </p:txBody>
+      </p:sp>
+      <p:sp>
+        <p:nvSpPr>
+          <p:cNvPr id="177" name="CustomShape 7"/>
+          <p:cNvSpPr/>
+          <p:nvPr/>
+        </p:nvSpPr>
+        <p:spPr>
+          <a:xfrm>
+            <a:off x="2209800" y="5410080"/>
+            <a:ext cx="7429680" cy="522720"/>
+          </a:xfrm>
+          <a:prstGeom prst="rect">
+            <a:avLst/>
+          </a:prstGeom>
+          <a:noFill/>
+          <a:ln>
+            <a:noFill/>
+          </a:ln>
+        </p:spPr>
+        <p:style>
+          <a:lnRef idx="0">
+            <a:scrgbClr r="0" g="0" b="0"/>
+          </a:lnRef>
+          <a:fillRef idx="0">
+            <a:scrgbClr r="0" g="0" b="0"/>
+          </a:fillRef>
+          <a:effectRef idx="0">
+            <a:scrgbClr r="0" g="0" b="0"/>
+          </a:effectRef>
+          <a:fontRef idx="minor"/>
+        </p:style>
+        <p:txBody>
+          <a:bodyPr/>
+          <a:lstStyle/>
           <a:p>
             <a:pPr>
               <a:lnSpc>
@@ -10680,40 +10379,30 @@
               </a:lnSpc>
             </a:pPr>
             <a:r>
-              <a:rPr lang="en-US" sz="2400" spc="-1" dirty="0">
-                <a:solidFill>
-                  <a:srgbClr val="000000"/>
-                </a:solidFill>
-                <a:uFill>
-                  <a:solidFill>
-                    <a:srgbClr val="FFFFFF"/>
-                  </a:solidFill>
-                </a:uFill>
-                <a:latin typeface="Source Code Pro" panose="020B0509030403020204" pitchFamily="49" charset="77"/>
-              </a:rPr>
-              <a:t>def acronym(sentence):</a:t>
-            </a:r>
-          </a:p>
-          <a:p>
-            <a:pPr>
-              <a:lnSpc>
-                <a:spcPct val="100000"/>
-              </a:lnSpc>
-            </a:pPr>
-            <a:r>
-              <a:rPr lang="en-US" sz="2400" spc="-1" dirty="0">
-                <a:solidFill>
-                  <a:srgbClr val="000000"/>
-                </a:solidFill>
-                <a:uFill>
-                  <a:solidFill>
-                    <a:srgbClr val="FFFFFF"/>
-                  </a:solidFill>
-                </a:uFill>
-                <a:latin typeface="Source Code Pro" panose="020B0509030403020204" pitchFamily="49" charset="77"/>
-              </a:rPr>
-              <a:t>	"""YOUR CODE HERE"""</a:t>
-            </a:r>
+              <a:rPr lang="en-US" sz="2800" spc="-1" dirty="0">
+                <a:solidFill>
+                  <a:srgbClr val="000000"/>
+                </a:solidFill>
+                <a:uFill>
+                  <a:solidFill>
+                    <a:srgbClr val="FFFFFF"/>
+                  </a:solidFill>
+                </a:uFill>
+                <a:latin typeface="Arial"/>
+              </a:rPr>
+              <a:t>Applies the function, combining items of the list into a "single" value.</a:t>
+            </a:r>
+            <a:endParaRPr lang="en-US" spc="-1" dirty="0">
+              <a:solidFill>
+                <a:srgbClr val="000000"/>
+              </a:solidFill>
+              <a:uFill>
+                <a:solidFill>
+                  <a:srgbClr val="FFFFFF"/>
+                </a:solidFill>
+              </a:uFill>
+              <a:latin typeface="Arial"/>
+            </a:endParaRPr>
           </a:p>
         </p:txBody>
       </p:sp>
@@ -10845,70 +10534,13 @@
       </p:sp>
       <p:sp>
         <p:nvSpPr>
-          <p:cNvPr id="180" name="TextShape 10"/>
-          <p:cNvSpPr txBox="1"/>
-          <p:nvPr/>
-        </p:nvSpPr>
-        <p:spPr>
-          <a:xfrm>
-            <a:off x="4572120" y="6553080"/>
-            <a:ext cx="2895120" cy="304560"/>
-          </a:xfrm>
-          <a:prstGeom prst="rect">
-            <a:avLst/>
-          </a:prstGeom>
-          <a:noFill/>
-          <a:ln>
-            <a:noFill/>
-          </a:ln>
-        </p:spPr>
-        <p:txBody>
-          <a:bodyPr lIns="92160" tIns="46080" rIns="92160" bIns="46080" anchor="ctr"/>
-          <a:lstStyle/>
-          <a:p>
-            <a:pPr algn="ctr">
-              <a:lnSpc>
-                <a:spcPct val="100000"/>
-              </a:lnSpc>
-            </a:pPr>
-            <a:r>
-              <a:rPr lang="en-US" sz="1200" b="1" spc="-1" dirty="0">
-                <a:solidFill>
-                  <a:srgbClr val="114FFB"/>
-                </a:solidFill>
-                <a:uFill>
-                  <a:solidFill>
-                    <a:srgbClr val="FFFFFF"/>
-                  </a:solidFill>
-                </a:uFill>
-                <a:latin typeface="Helvetica Neue"/>
-                <a:ea typeface="Helvetica Neue"/>
-              </a:rPr>
-              <a:t>UCB CS88 Fa20 L6</a:t>
-            </a:r>
-            <a:endParaRPr lang="en-US" sz="1200" spc="-1" dirty="0">
-              <a:solidFill>
-                <a:srgbClr val="000000"/>
-              </a:solidFill>
-              <a:uFill>
-                <a:solidFill>
-                  <a:srgbClr val="FFFFFF"/>
-                </a:solidFill>
-              </a:uFill>
-              <a:latin typeface="Times New Roman"/>
-            </a:endParaRPr>
-          </a:p>
-        </p:txBody>
-      </p:sp>
-      <p:sp>
-        <p:nvSpPr>
           <p:cNvPr id="181" name="TextShape 11"/>
           <p:cNvSpPr txBox="1"/>
           <p:nvPr/>
         </p:nvSpPr>
         <p:spPr>
           <a:xfrm>
-            <a:off x="2281080" y="5012456"/>
+            <a:off x="2378640" y="1120680"/>
             <a:ext cx="7171560" cy="602280"/>
           </a:xfrm>
           <a:prstGeom prst="rect">
@@ -10935,10 +10567,10 @@
                 </a:uFill>
                 <a:latin typeface="Arial"/>
               </a:rPr>
-              <a:t>P.S. Pedantry alert: This is really an </a:t>
-            </a:r>
-            <a:r>
-              <a:rPr lang="en-US" i="1" spc="-1" dirty="0">
+              <a:t>* For the </a:t>
+            </a:r>
+            <a:r>
+              <a:rPr lang="en-US" spc="-1" dirty="0" err="1">
                 <a:solidFill>
                   <a:srgbClr val="000000"/>
                 </a:solidFill>
@@ -10949,7 +10581,7 @@
                 </a:uFill>
                 <a:latin typeface="Arial"/>
               </a:rPr>
-              <a:t>initialism</a:t>
+              <a:t>builtin</a:t>
             </a:r>
             <a:r>
               <a:rPr lang="en-US" spc="-1" dirty="0">
@@ -10963,43 +10595,12 @@
                 </a:uFill>
                 <a:latin typeface="Arial"/>
               </a:rPr>
-              <a:t> but that's rather annoying to say and type. </a:t>
-            </a:r>
-            <a:r>
-              <a:rPr lang="en-US" spc="-1" dirty="0">
-                <a:solidFill>
-                  <a:srgbClr val="000000"/>
-                </a:solidFill>
-                <a:uFill>
-                  <a:solidFill>
-                    <a:srgbClr val="FFFFFF"/>
-                  </a:solidFill>
-                </a:uFill>
-                <a:latin typeface="Arial"/>
-                <a:sym typeface="Wingdings" pitchFamily="2" charset="2"/>
-              </a:rPr>
-              <a:t> (However, the code we write is the same, the difference is in how you pronounce the result.) The more you know!</a:t>
-            </a:r>
-            <a:endParaRPr lang="en-US" spc="-1" dirty="0">
-              <a:solidFill>
-                <a:srgbClr val="000000"/>
-              </a:solidFill>
-              <a:uFill>
-                <a:solidFill>
-                  <a:srgbClr val="FFFFFF"/>
-                </a:solidFill>
-              </a:uFill>
-              <a:latin typeface="Arial"/>
-            </a:endParaRPr>
+              <a:t> filter/map, you need to then call list on it to get a list. If we define our own, we do not need to call list</a:t>
+            </a:r>
           </a:p>
         </p:txBody>
       </p:sp>
     </p:spTree>
-    <p:extLst>
-      <p:ext uri="{BB962C8B-B14F-4D97-AF65-F5344CB8AC3E}">
-        <p14:creationId xmlns:p14="http://schemas.microsoft.com/office/powerpoint/2010/main" val="975984011"/>
-      </p:ext>
-    </p:extLst>
   </p:cSld>
   <p:clrMapOvr>
     <a:masterClrMapping/>
@@ -11092,7 +10693,7 @@
                 <a:latin typeface="Arial"/>
                 <a:ea typeface="Arial"/>
               </a:rPr>
-              <a:t>MAP</a:t>
+              <a:t>Today's Task: Acronym</a:t>
             </a:r>
             <a:endParaRPr lang="en-US" sz="1400" spc="-1" dirty="0">
               <a:solidFill>
@@ -11148,81 +10749,6 @@
                 <a:spcPct val="100000"/>
               </a:lnSpc>
             </a:pPr>
-            <a:r>
-              <a:rPr lang="en-US" sz="2400" spc="-1" dirty="0">
-                <a:solidFill>
-                  <a:srgbClr val="000000"/>
-                </a:solidFill>
-                <a:uFill>
-                  <a:solidFill>
-                    <a:srgbClr val="FFFFFF"/>
-                  </a:solidFill>
-                </a:uFill>
-                <a:latin typeface="Source Code Pro" panose="020B0509030403020204" pitchFamily="49" charset="77"/>
-                <a:ea typeface="Courier New"/>
-              </a:rPr>
-              <a:t>list(map(</a:t>
-            </a:r>
-            <a:r>
-              <a:rPr lang="en-US" sz="2400" spc="-1" dirty="0" err="1">
-                <a:solidFill>
-                  <a:srgbClr val="000000"/>
-                </a:solidFill>
-                <a:uFill>
-                  <a:solidFill>
-                    <a:srgbClr val="FFFFFF"/>
-                  </a:solidFill>
-                </a:uFill>
-                <a:latin typeface="Source Code Pro" panose="020B0509030403020204" pitchFamily="49" charset="77"/>
-                <a:ea typeface="Courier New"/>
-              </a:rPr>
-              <a:t>function_to_apply</a:t>
-            </a:r>
-            <a:r>
-              <a:rPr lang="en-US" sz="2400" spc="-1" dirty="0">
-                <a:solidFill>
-                  <a:srgbClr val="000000"/>
-                </a:solidFill>
-                <a:uFill>
-                  <a:solidFill>
-                    <a:srgbClr val="FFFFFF"/>
-                  </a:solidFill>
-                </a:uFill>
-                <a:latin typeface="Source Code Pro" panose="020B0509030403020204" pitchFamily="49" charset="77"/>
-                <a:ea typeface="Courier New"/>
-              </a:rPr>
-              <a:t>, </a:t>
-            </a:r>
-            <a:r>
-              <a:rPr lang="en-US" sz="2400" spc="-1" dirty="0" err="1">
-                <a:solidFill>
-                  <a:srgbClr val="000000"/>
-                </a:solidFill>
-                <a:uFill>
-                  <a:solidFill>
-                    <a:srgbClr val="FFFFFF"/>
-                  </a:solidFill>
-                </a:uFill>
-                <a:latin typeface="Source Code Pro" panose="020B0509030403020204" pitchFamily="49" charset="77"/>
-                <a:ea typeface="Courier New"/>
-              </a:rPr>
-              <a:t>list_of_inputs</a:t>
-            </a:r>
-            <a:r>
-              <a:rPr lang="en-US" sz="2400" spc="-1" dirty="0">
-                <a:solidFill>
-                  <a:srgbClr val="000000"/>
-                </a:solidFill>
-                <a:uFill>
-                  <a:solidFill>
-                    <a:srgbClr val="FFFFFF"/>
-                  </a:solidFill>
-                </a:uFill>
-                <a:latin typeface="Source Code Pro" panose="020B0509030403020204" pitchFamily="49" charset="77"/>
-                <a:ea typeface="Courier New"/>
-              </a:rPr>
-              <a:t>))</a:t>
-            </a:r>
             <a:endParaRPr lang="en-US" sz="2400" spc="-1" dirty="0">
               <a:solidFill>
                 <a:srgbClr val="000000"/>
@@ -11235,42 +10761,6 @@
               <a:latin typeface="Source Code Pro" panose="020B0509030403020204" pitchFamily="49" charset="77"/>
             </a:endParaRPr>
           </a:p>
-        </p:txBody>
-      </p:sp>
-      <p:sp>
-        <p:nvSpPr>
-          <p:cNvPr id="174" name="CustomShape 4"/>
-          <p:cNvSpPr/>
-          <p:nvPr/>
-        </p:nvSpPr>
-        <p:spPr>
-          <a:xfrm>
-            <a:off x="2286120" y="1634375"/>
-            <a:ext cx="6910920" cy="3177370"/>
-          </a:xfrm>
-          <a:prstGeom prst="rect">
-            <a:avLst/>
-          </a:prstGeom>
-          <a:noFill/>
-          <a:ln>
-            <a:noFill/>
-          </a:ln>
-        </p:spPr>
-        <p:style>
-          <a:lnRef idx="0">
-            <a:scrgbClr r="0" g="0" b="0"/>
-          </a:lnRef>
-          <a:fillRef idx="0">
-            <a:scrgbClr r="0" g="0" b="0"/>
-          </a:fillRef>
-          <a:effectRef idx="0">
-            <a:scrgbClr r="0" g="0" b="0"/>
-          </a:effectRef>
-          <a:fontRef idx="minor"/>
-        </p:style>
-        <p:txBody>
-          <a:bodyPr/>
-          <a:lstStyle/>
           <a:p>
             <a:pPr>
               <a:lnSpc>
@@ -11278,19 +10768,18 @@
               </a:lnSpc>
             </a:pPr>
             <a:r>
-              <a:rPr lang="en-US" sz="2800" spc="-1" dirty="0">
-                <a:solidFill>
-                  <a:srgbClr val="000000"/>
-                </a:solidFill>
-                <a:uFill>
-                  <a:solidFill>
-                    <a:srgbClr val="FFFFFF"/>
-                  </a:solidFill>
-                </a:uFill>
-                <a:latin typeface="Arial"/>
-                <a:ea typeface="Arial"/>
-              </a:rPr>
-              <a:t>Transform each of items by a function.</a:t>
+              <a:rPr lang="en-US" sz="2400" spc="-1" dirty="0">
+                <a:solidFill>
+                  <a:srgbClr val="000000"/>
+                </a:solidFill>
+                <a:uFill>
+                  <a:solidFill>
+                    <a:srgbClr val="FFFFFF"/>
+                  </a:solidFill>
+                </a:uFill>
+                <a:latin typeface="Source Code Pro" panose="020B0509030403020204" pitchFamily="49" charset="77"/>
+              </a:rPr>
+              <a:t>Input: "The University of California at Berkeley"</a:t>
             </a:r>
           </a:p>
           <a:p>
@@ -11299,35 +10788,17 @@
                 <a:spcPct val="100000"/>
               </a:lnSpc>
             </a:pPr>
-            <a:r>
-              <a:rPr lang="en-US" sz="2800" spc="-1" dirty="0">
-                <a:solidFill>
-                  <a:srgbClr val="000000"/>
-                </a:solidFill>
-                <a:uFill>
-                  <a:solidFill>
-                    <a:srgbClr val="FFFFFF"/>
-                  </a:solidFill>
-                </a:uFill>
-                <a:latin typeface="Arial"/>
-                <a:ea typeface="Arial"/>
-              </a:rPr>
-              <a:t>	e.g</a:t>
-            </a:r>
-            <a:r>
-              <a:rPr lang="en-US" sz="2800" spc="-1" dirty="0">
-                <a:solidFill>
-                  <a:srgbClr val="000000"/>
-                </a:solidFill>
-                <a:uFill>
-                  <a:solidFill>
-                    <a:srgbClr val="FFFFFF"/>
-                  </a:solidFill>
-                </a:uFill>
-                <a:ea typeface="Arial"/>
-              </a:rPr>
-              <a:t>. square()</a:t>
-            </a:r>
+            <a:endParaRPr lang="en-US" sz="2400" spc="-1" dirty="0">
+              <a:solidFill>
+                <a:srgbClr val="000000"/>
+              </a:solidFill>
+              <a:uFill>
+                <a:solidFill>
+                  <a:srgbClr val="FFFFFF"/>
+                </a:solidFill>
+              </a:uFill>
+              <a:latin typeface="Source Code Pro" panose="020B0509030403020204" pitchFamily="49" charset="77"/>
+            </a:endParaRPr>
           </a:p>
           <a:p>
             <a:pPr>
@@ -11336,66 +10807,18 @@
               </a:lnSpc>
             </a:pPr>
             <a:r>
-              <a:rPr lang="en-US" sz="2800" spc="-1" dirty="0">
-                <a:solidFill>
-                  <a:srgbClr val="000000"/>
-                </a:solidFill>
-                <a:uFill>
-                  <a:solidFill>
-                    <a:srgbClr val="FFFFFF"/>
-                  </a:solidFill>
-                </a:uFill>
-                <a:latin typeface="Arial"/>
-                <a:ea typeface="Arial"/>
-              </a:rPr>
-              <a:t>Inputs</a:t>
-            </a:r>
-            <a:r>
-              <a:rPr lang="en-US" sz="2800" spc="-1" dirty="0">
-                <a:solidFill>
-                  <a:srgbClr val="000000"/>
-                </a:solidFill>
-                <a:uFill>
-                  <a:solidFill>
-                    <a:srgbClr val="FFFFFF"/>
-                  </a:solidFill>
-                </a:uFill>
-                <a:latin typeface="Arial"/>
-                <a:ea typeface="Arial"/>
-                <a:sym typeface="Wingdings" pitchFamily="2" charset="2"/>
-              </a:rPr>
-              <a:t> (Domain):</a:t>
-            </a:r>
-            <a:br>
-              <a:rPr lang="en-US" sz="2800" spc="-1" dirty="0">
-                <a:solidFill>
-                  <a:srgbClr val="000000"/>
-                </a:solidFill>
-                <a:uFill>
-                  <a:solidFill>
-                    <a:srgbClr val="FFFFFF"/>
-                  </a:solidFill>
-                </a:uFill>
-                <a:latin typeface="Arial"/>
-                <a:ea typeface="Arial"/>
-                <a:sym typeface="Wingdings" pitchFamily="2" charset="2"/>
-              </a:rPr>
-            </a:br>
-            <a:r>
-              <a:rPr lang="en-US" sz="2800" spc="-1" dirty="0">
-                <a:solidFill>
-                  <a:srgbClr val="000000"/>
-                </a:solidFill>
-                <a:uFill>
-                  <a:solidFill>
-                    <a:srgbClr val="FFFFFF"/>
-                  </a:solidFill>
-                </a:uFill>
-                <a:latin typeface="Arial"/>
-                <a:ea typeface="Arial"/>
-                <a:sym typeface="Wingdings" pitchFamily="2" charset="2"/>
-              </a:rPr>
-              <a:t>	• Function</a:t>
+              <a:rPr lang="en-US" sz="2400" spc="-1" dirty="0">
+                <a:solidFill>
+                  <a:srgbClr val="000000"/>
+                </a:solidFill>
+                <a:uFill>
+                  <a:solidFill>
+                    <a:srgbClr val="FFFFFF"/>
+                  </a:solidFill>
+                </a:uFill>
+                <a:latin typeface="Source Code Pro" panose="020B0509030403020204" pitchFamily="49" charset="77"/>
+              </a:rPr>
+              <a:t>Output: "UCB"</a:t>
             </a:r>
           </a:p>
           <a:p>
@@ -11404,53 +10827,17 @@
                 <a:spcPct val="100000"/>
               </a:lnSpc>
             </a:pPr>
-            <a:r>
-              <a:rPr lang="en-US" sz="2800" spc="-1" dirty="0">
-                <a:solidFill>
-                  <a:srgbClr val="000000"/>
-                </a:solidFill>
-                <a:uFill>
-                  <a:solidFill>
-                    <a:srgbClr val="FFFFFF"/>
-                  </a:solidFill>
-                </a:uFill>
-                <a:latin typeface="Arial"/>
-                <a:ea typeface="Arial"/>
-                <a:sym typeface="Wingdings" pitchFamily="2" charset="2"/>
-              </a:rPr>
-              <a:t>	• Sequence</a:t>
-            </a:r>
-            <a:br>
-              <a:rPr lang="en-US" sz="2800" spc="-1" dirty="0">
-                <a:solidFill>
-                  <a:srgbClr val="000000"/>
-                </a:solidFill>
-                <a:uFill>
-                  <a:solidFill>
-                    <a:srgbClr val="FFFFFF"/>
-                  </a:solidFill>
-                </a:uFill>
-                <a:latin typeface="Arial"/>
-                <a:ea typeface="Arial"/>
-                <a:sym typeface="Wingdings" pitchFamily="2" charset="2"/>
-              </a:rPr>
-            </a:br>
-            <a:r>
-              <a:rPr lang="en-US" sz="2800" spc="-1" dirty="0">
-                <a:solidFill>
-                  <a:srgbClr val="000000"/>
-                </a:solidFill>
-                <a:uFill>
-                  <a:solidFill>
-                    <a:srgbClr val="FFFFFF"/>
-                  </a:solidFill>
-                </a:uFill>
-                <a:latin typeface="Arial"/>
-                <a:ea typeface="Arial"/>
-                <a:sym typeface="Wingdings" pitchFamily="2" charset="2"/>
-              </a:rPr>
-              <a:t>Output (Range):</a:t>
-            </a:r>
+            <a:endParaRPr lang="en-US" sz="2400" spc="-1" dirty="0">
+              <a:solidFill>
+                <a:srgbClr val="000000"/>
+              </a:solidFill>
+              <a:uFill>
+                <a:solidFill>
+                  <a:srgbClr val="FFFFFF"/>
+                </a:solidFill>
+              </a:uFill>
+              <a:latin typeface="Source Code Pro" panose="020B0509030403020204" pitchFamily="49" charset="77"/>
+            </a:endParaRPr>
           </a:p>
           <a:p>
             <a:pPr>
@@ -11459,20 +10846,18 @@
               </a:lnSpc>
             </a:pPr>
             <a:r>
-              <a:rPr lang="en-US" sz="2800" spc="-1" dirty="0">
-                <a:solidFill>
-                  <a:srgbClr val="000000"/>
-                </a:solidFill>
-                <a:uFill>
-                  <a:solidFill>
-                    <a:srgbClr val="FFFFFF"/>
-                  </a:solidFill>
-                </a:uFill>
-                <a:latin typeface="Arial"/>
-                <a:ea typeface="Arial"/>
-                <a:sym typeface="Wingdings" pitchFamily="2" charset="2"/>
-              </a:rPr>
-              <a:t>	• A sequence</a:t>
+              <a:rPr lang="en-US" sz="2400" spc="-1" dirty="0">
+                <a:solidFill>
+                  <a:srgbClr val="000000"/>
+                </a:solidFill>
+                <a:uFill>
+                  <a:solidFill>
+                    <a:srgbClr val="FFFFFF"/>
+                  </a:solidFill>
+                </a:uFill>
+                <a:latin typeface="Source Code Pro" panose="020B0509030403020204" pitchFamily="49" charset="77"/>
+              </a:rPr>
+              <a:t>def acronym(sentence):</a:t>
             </a:r>
           </a:p>
           <a:p>
@@ -11481,37 +10866,20 @@
                 <a:spcPct val="100000"/>
               </a:lnSpc>
             </a:pPr>
-            <a:endParaRPr lang="en-US" sz="2800" spc="-1" dirty="0">
-              <a:solidFill>
-                <a:srgbClr val="000000"/>
-              </a:solidFill>
-              <a:uFill>
-                <a:solidFill>
-                  <a:srgbClr val="FFFFFF"/>
-                </a:solidFill>
-              </a:uFill>
-              <a:latin typeface="Arial"/>
-              <a:ea typeface="Arial"/>
-              <a:sym typeface="Wingdings" pitchFamily="2" charset="2"/>
-            </a:endParaRPr>
-          </a:p>
-          <a:p>
-            <a:pPr>
-              <a:lnSpc>
-                <a:spcPct val="100000"/>
-              </a:lnSpc>
-            </a:pPr>
-            <a:endParaRPr lang="en-US" spc="-1" dirty="0">
-              <a:solidFill>
-                <a:srgbClr val="000000"/>
-              </a:solidFill>
-              <a:uFill>
-                <a:solidFill>
-                  <a:srgbClr val="FFFFFF"/>
-                </a:solidFill>
-              </a:uFill>
-              <a:latin typeface="Arial"/>
-            </a:endParaRPr>
+            <a:r>
+              <a:rPr lang="en-US" sz="2400" spc="-1" dirty="0">
+                <a:solidFill>
+                  <a:srgbClr val="000000"/>
+                </a:solidFill>
+                <a:uFill>
+                  <a:solidFill>
+                    <a:srgbClr val="FFFFFF"/>
+                  </a:solidFill>
+                </a:uFill>
+                <a:latin typeface="Source Code Pro" panose="020B0509030403020204" pitchFamily="49" charset="77"/>
+              </a:rPr>
+              <a:t>	"""YOUR CODE HERE"""</a:t>
+            </a:r>
           </a:p>
         </p:txBody>
       </p:sp>
@@ -11721,6 +11089,63 @@
           <a:bodyPr lIns="90000" tIns="45000" rIns="90000" bIns="45000"/>
           <a:lstStyle/>
           <a:p>
+            <a:r>
+              <a:rPr lang="en-US" spc="-1" dirty="0">
+                <a:solidFill>
+                  <a:srgbClr val="000000"/>
+                </a:solidFill>
+                <a:uFill>
+                  <a:solidFill>
+                    <a:srgbClr val="FFFFFF"/>
+                  </a:solidFill>
+                </a:uFill>
+                <a:latin typeface="Arial"/>
+              </a:rPr>
+              <a:t>P.S. Pedantry alert: This is really an </a:t>
+            </a:r>
+            <a:r>
+              <a:rPr lang="en-US" i="1" spc="-1" dirty="0">
+                <a:solidFill>
+                  <a:srgbClr val="000000"/>
+                </a:solidFill>
+                <a:uFill>
+                  <a:solidFill>
+                    <a:srgbClr val="FFFFFF"/>
+                  </a:solidFill>
+                </a:uFill>
+                <a:latin typeface="Arial"/>
+              </a:rPr>
+              <a:t>initialism</a:t>
+            </a:r>
+            <a:r>
+              <a:rPr lang="en-US" spc="-1" dirty="0">
+                <a:solidFill>
+                  <a:srgbClr val="000000"/>
+                </a:solidFill>
+                <a:uFill>
+                  <a:solidFill>
+                    <a:srgbClr val="FFFFFF"/>
+                  </a:solidFill>
+                </a:uFill>
+                <a:latin typeface="Arial"/>
+              </a:rPr>
+              <a:t> but that's rather annoying to say and type. </a:t>
+            </a:r>
+            <a:r>
+              <a:rPr lang="en-US" spc="-1" dirty="0">
+                <a:solidFill>
+                  <a:srgbClr val="000000"/>
+                </a:solidFill>
+                <a:uFill>
+                  <a:solidFill>
+                    <a:srgbClr val="FFFFFF"/>
+                  </a:solidFill>
+                </a:uFill>
+                <a:latin typeface="Arial"/>
+                <a:sym typeface="Wingdings" pitchFamily="2" charset="2"/>
+              </a:rPr>
+              <a:t> (However, the code we write is the same, the difference is in how you pronounce the result.) The more you know!</a:t>
+            </a:r>
             <a:endParaRPr lang="en-US" spc="-1" dirty="0">
               <a:solidFill>
                 <a:srgbClr val="000000"/>
@@ -11735,227 +11160,10 @@
           </a:p>
         </p:txBody>
       </p:sp>
-      <p:sp>
-        <p:nvSpPr>
-          <p:cNvPr id="14" name="TextShape 11">
-            <a:extLst>
-              <a:ext uri="{FF2B5EF4-FFF2-40B4-BE49-F238E27FC236}">
-                <a16:creationId xmlns:a16="http://schemas.microsoft.com/office/drawing/2014/main" id="{CD52A5B2-39FC-CD45-AEED-54BDCC1A8C5F}"/>
-              </a:ext>
-            </a:extLst>
-          </p:cNvPr>
-          <p:cNvSpPr txBox="1"/>
-          <p:nvPr/>
-        </p:nvSpPr>
-        <p:spPr>
-          <a:xfrm>
-            <a:off x="2378640" y="1120680"/>
-            <a:ext cx="7171560" cy="602280"/>
-          </a:xfrm>
-          <a:prstGeom prst="rect">
-            <a:avLst/>
-          </a:prstGeom>
-          <a:noFill/>
-          <a:ln>
-            <a:noFill/>
-          </a:ln>
-        </p:spPr>
-        <p:txBody>
-          <a:bodyPr lIns="90000" tIns="45000" rIns="90000" bIns="45000"/>
-          <a:lstStyle/>
-          <a:p>
-            <a:endParaRPr lang="en-US" spc="-1" dirty="0">
-              <a:solidFill>
-                <a:srgbClr val="000000"/>
-              </a:solidFill>
-              <a:uFill>
-                <a:solidFill>
-                  <a:srgbClr val="FFFFFF"/>
-                </a:solidFill>
-              </a:uFill>
-              <a:latin typeface="Arial"/>
-            </a:endParaRPr>
-          </a:p>
-        </p:txBody>
-      </p:sp>
-      <p:sp>
-        <p:nvSpPr>
-          <p:cNvPr id="5" name="Rectangle 4">
-            <a:extLst>
-              <a:ext uri="{FF2B5EF4-FFF2-40B4-BE49-F238E27FC236}">
-                <a16:creationId xmlns:a16="http://schemas.microsoft.com/office/drawing/2014/main" id="{D0E23900-24AC-C541-A848-5EDC8E5E8C5E}"/>
-              </a:ext>
-            </a:extLst>
-          </p:cNvPr>
-          <p:cNvSpPr/>
-          <p:nvPr/>
-        </p:nvSpPr>
-        <p:spPr>
-          <a:xfrm>
-            <a:off x="2281079" y="4876073"/>
-            <a:ext cx="7517126" cy="1200329"/>
-          </a:xfrm>
-          <a:prstGeom prst="rect">
-            <a:avLst/>
-          </a:prstGeom>
-        </p:spPr>
-        <p:txBody>
-          <a:bodyPr wrap="square">
-            <a:spAutoFit/>
-          </a:bodyPr>
-          <a:lstStyle/>
-          <a:p>
-            <a:r>
-              <a:rPr lang="en-US" dirty="0">
-                <a:solidFill>
-                  <a:srgbClr val="0000FF"/>
-                </a:solidFill>
-                <a:latin typeface=" SourceCodePro-Light" panose="020B0509030403020204" pitchFamily="49" charset="77"/>
-              </a:rPr>
-              <a:t>def</a:t>
-            </a:r>
-            <a:r>
-              <a:rPr lang="en-US" dirty="0">
-                <a:solidFill>
-                  <a:srgbClr val="000000"/>
-                </a:solidFill>
-                <a:latin typeface=" SourceCodePro-Light" panose="020B0509030403020204" pitchFamily="49" charset="77"/>
-              </a:rPr>
-              <a:t> </a:t>
-            </a:r>
-            <a:r>
-              <a:rPr lang="en-US" dirty="0">
-                <a:solidFill>
-                  <a:srgbClr val="795E26"/>
-                </a:solidFill>
-                <a:latin typeface=" SourceCodePro-Light" panose="020B0509030403020204" pitchFamily="49" charset="77"/>
-              </a:rPr>
-              <a:t>map</a:t>
-            </a:r>
-            <a:r>
-              <a:rPr lang="en-US" dirty="0">
-                <a:solidFill>
-                  <a:srgbClr val="000000"/>
-                </a:solidFill>
-                <a:latin typeface=" SourceCodePro-Light" panose="020B0509030403020204" pitchFamily="49" charset="77"/>
-              </a:rPr>
-              <a:t>(</a:t>
-            </a:r>
-            <a:r>
-              <a:rPr lang="en-US" dirty="0">
-                <a:solidFill>
-                  <a:srgbClr val="001080"/>
-                </a:solidFill>
-                <a:latin typeface=" SourceCodePro-Light" panose="020B0509030403020204" pitchFamily="49" charset="77"/>
-              </a:rPr>
-              <a:t>function</a:t>
-            </a:r>
-            <a:r>
-              <a:rPr lang="en-US" dirty="0">
-                <a:solidFill>
-                  <a:srgbClr val="000000"/>
-                </a:solidFill>
-                <a:latin typeface=" SourceCodePro-Light" panose="020B0509030403020204" pitchFamily="49" charset="77"/>
-              </a:rPr>
-              <a:t>, </a:t>
-            </a:r>
-            <a:r>
-              <a:rPr lang="en-US" dirty="0">
-                <a:solidFill>
-                  <a:srgbClr val="001080"/>
-                </a:solidFill>
-                <a:latin typeface=" SourceCodePro-Light" panose="020B0509030403020204" pitchFamily="49" charset="77"/>
-              </a:rPr>
-              <a:t>sequence</a:t>
-            </a:r>
-            <a:r>
-              <a:rPr lang="en-US" dirty="0">
-                <a:solidFill>
-                  <a:srgbClr val="000000"/>
-                </a:solidFill>
-                <a:latin typeface=" SourceCodePro-Light" panose="020B0509030403020204" pitchFamily="49" charset="77"/>
-              </a:rPr>
-              <a:t>):</a:t>
-            </a:r>
-          </a:p>
-          <a:p>
-            <a:r>
-              <a:rPr lang="en-US" dirty="0">
-                <a:solidFill>
-                  <a:srgbClr val="AF00DB"/>
-                </a:solidFill>
-                <a:latin typeface=" SourceCodePro-Light" panose="020B0509030403020204" pitchFamily="49" charset="77"/>
-              </a:rPr>
-              <a:t>    return</a:t>
-            </a:r>
-            <a:r>
-              <a:rPr lang="en-US" dirty="0">
-                <a:solidFill>
-                  <a:srgbClr val="000000"/>
-                </a:solidFill>
-                <a:latin typeface=" SourceCodePro-Light" panose="020B0509030403020204" pitchFamily="49" charset="77"/>
-              </a:rPr>
-              <a:t> [ function(item) </a:t>
-            </a:r>
-            <a:r>
-              <a:rPr lang="en-US" dirty="0">
-                <a:solidFill>
-                  <a:srgbClr val="AF00DB"/>
-                </a:solidFill>
-                <a:latin typeface=" SourceCodePro-Light" panose="020B0509030403020204" pitchFamily="49" charset="77"/>
-              </a:rPr>
-              <a:t>for</a:t>
-            </a:r>
-            <a:r>
-              <a:rPr lang="en-US" dirty="0">
-                <a:solidFill>
-                  <a:srgbClr val="000000"/>
-                </a:solidFill>
-                <a:latin typeface=" SourceCodePro-Light" panose="020B0509030403020204" pitchFamily="49" charset="77"/>
-              </a:rPr>
-              <a:t> item </a:t>
-            </a:r>
-            <a:r>
-              <a:rPr lang="en-US" dirty="0">
-                <a:solidFill>
-                  <a:srgbClr val="0000FF"/>
-                </a:solidFill>
-                <a:latin typeface=" SourceCodePro-Light" panose="020B0509030403020204" pitchFamily="49" charset="77"/>
-              </a:rPr>
-              <a:t>in</a:t>
-            </a:r>
-            <a:r>
-              <a:rPr lang="en-US" dirty="0">
-                <a:solidFill>
-                  <a:srgbClr val="000000"/>
-                </a:solidFill>
-                <a:latin typeface=" SourceCodePro-Light" panose="020B0509030403020204" pitchFamily="49" charset="77"/>
-              </a:rPr>
-              <a:t> sequence ]</a:t>
-            </a:r>
-          </a:p>
-          <a:p>
-            <a:br>
-              <a:rPr lang="en-US" dirty="0">
-                <a:solidFill>
-                  <a:srgbClr val="000000"/>
-                </a:solidFill>
-                <a:latin typeface=" SourceCodePro-Light" panose="020B0509030403020204" pitchFamily="49" charset="77"/>
-              </a:rPr>
-            </a:br>
-            <a:endParaRPr lang="en-US" dirty="0">
-              <a:solidFill>
-                <a:srgbClr val="000000"/>
-              </a:solidFill>
-              <a:latin typeface=" SourceCodePro-Light" panose="020B0509030403020204" pitchFamily="49" charset="77"/>
-            </a:endParaRPr>
-          </a:p>
-        </p:txBody>
-      </p:sp>
     </p:spTree>
     <p:extLst>
       <p:ext uri="{BB962C8B-B14F-4D97-AF65-F5344CB8AC3E}">
-        <p14:creationId xmlns:p14="http://schemas.microsoft.com/office/powerpoint/2010/main" val="718142365"/>
+        <p14:creationId xmlns:p14="http://schemas.microsoft.com/office/powerpoint/2010/main" val="975984011"/>
       </p:ext>
     </p:extLst>
   </p:cSld>
@@ -12050,7 +11258,7 @@
                 <a:latin typeface="Arial"/>
                 <a:ea typeface="Arial"/>
               </a:rPr>
-              <a:t>What does this do?</a:t>
+              <a:t>MAP</a:t>
             </a:r>
             <a:endParaRPr lang="en-US" sz="1400" spc="-1" dirty="0">
               <a:solidFill>
@@ -12119,10 +11327,10 @@
                 <a:latin typeface="Source Code Pro" panose="020B0509030403020204" pitchFamily="49" charset="77"/>
                 <a:ea typeface="Courier New"/>
               </a:rPr>
-              <a:t>list(map(capitalize, </a:t>
-            </a:r>
-            <a:br>
-              <a:rPr lang="en-US" sz="2400" spc="-1" dirty="0">
+              <a:t>list(map(</a:t>
+            </a:r>
+            <a:r>
+              <a:rPr lang="en-US" sz="2400" spc="-1" dirty="0" err="1">
                 <a:solidFill>
                   <a:srgbClr val="000000"/>
                 </a:solidFill>
@@ -12134,7 +11342,8 @@
                 <a:latin typeface="Source Code Pro" panose="020B0509030403020204" pitchFamily="49" charset="77"/>
                 <a:ea typeface="Courier New"/>
               </a:rPr>
-            </a:br>
+              <a:t>function_to_apply</a:t>
+            </a:r>
             <a:r>
               <a:rPr lang="en-US" sz="2400" spc="-1" dirty="0">
                 <a:solidFill>
@@ -12148,7 +11357,7 @@
                 <a:latin typeface="Source Code Pro" panose="020B0509030403020204" pitchFamily="49" charset="77"/>
                 <a:ea typeface="Courier New"/>
               </a:rPr>
-              <a:t>    ['</a:t>
+              <a:t>, </a:t>
             </a:r>
             <a:r>
               <a:rPr lang="en-US" sz="2400" spc="-1" dirty="0" err="1">
@@ -12163,7 +11372,7 @@
                 <a:latin typeface="Source Code Pro" panose="020B0509030403020204" pitchFamily="49" charset="77"/>
                 <a:ea typeface="Courier New"/>
               </a:rPr>
-              <a:t>michael</a:t>
+              <a:t>list_of_inputs</a:t>
             </a:r>
             <a:r>
               <a:rPr lang="en-US" sz="2400" spc="-1" dirty="0">
@@ -12178,132 +11387,7 @@
                 <a:latin typeface="Source Code Pro" panose="020B0509030403020204" pitchFamily="49" charset="77"/>
                 <a:ea typeface="Courier New"/>
               </a:rPr>
-              <a:t>', 'Alex', 'Srinath', '</a:t>
-            </a:r>
-            <a:r>
-              <a:rPr lang="en-US" sz="2400" spc="-1" dirty="0" err="1">
-                <a:solidFill>
-                  <a:srgbClr val="000000"/>
-                </a:solidFill>
-                <a:uFill>
-                  <a:solidFill>
-                    <a:srgbClr val="FFFFFF"/>
-                  </a:solidFill>
-                </a:uFill>
-                <a:latin typeface="Source Code Pro" panose="020B0509030403020204" pitchFamily="49" charset="77"/>
-                <a:ea typeface="Courier New"/>
-              </a:rPr>
-              <a:t>julia</a:t>
-            </a:r>
-            <a:r>
-              <a:rPr lang="en-US" sz="2400" spc="-1" dirty="0">
-                <a:solidFill>
-                  <a:srgbClr val="000000"/>
-                </a:solidFill>
-                <a:uFill>
-                  <a:solidFill>
-                    <a:srgbClr val="FFFFFF"/>
-                  </a:solidFill>
-                </a:uFill>
-                <a:latin typeface="Source Code Pro" panose="020B0509030403020204" pitchFamily="49" charset="77"/>
-                <a:ea typeface="Courier New"/>
-              </a:rPr>
-              <a:t>'] </a:t>
-            </a:r>
-          </a:p>
-          <a:p>
-            <a:pPr>
-              <a:lnSpc>
-                <a:spcPct val="100000"/>
-              </a:lnSpc>
-            </a:pPr>
-            <a:r>
-              <a:rPr lang="en-US" sz="2400" spc="-1" dirty="0">
-                <a:solidFill>
-                  <a:srgbClr val="000000"/>
-                </a:solidFill>
-                <a:uFill>
-                  <a:solidFill>
-                    <a:srgbClr val="FFFFFF"/>
-                  </a:solidFill>
-                </a:uFill>
-                <a:latin typeface="Source Code Pro" panose="020B0509030403020204" pitchFamily="49" charset="77"/>
-                <a:ea typeface="Courier New"/>
-              </a:rPr>
               <a:t>))</a:t>
-            </a:r>
-            <a:br>
-              <a:rPr lang="en-US" sz="2400" spc="-1" dirty="0">
-                <a:solidFill>
-                  <a:srgbClr val="000000"/>
-                </a:solidFill>
-                <a:uFill>
-                  <a:solidFill>
-                    <a:srgbClr val="FFFFFF"/>
-                  </a:solidFill>
-                </a:uFill>
-                <a:latin typeface="Source Code Pro" panose="020B0509030403020204" pitchFamily="49" charset="77"/>
-                <a:ea typeface="Courier New"/>
-              </a:rPr>
-            </a:br>
-            <a:br>
-              <a:rPr lang="en-US" sz="2400" spc="-1" dirty="0">
-                <a:solidFill>
-                  <a:srgbClr val="000000"/>
-                </a:solidFill>
-                <a:uFill>
-                  <a:solidFill>
-                    <a:srgbClr val="FFFFFF"/>
-                  </a:solidFill>
-                </a:uFill>
-                <a:latin typeface="Source Code Pro" panose="020B0509030403020204" pitchFamily="49" charset="77"/>
-                <a:ea typeface="Courier New"/>
-              </a:rPr>
-            </a:br>
-            <a:r>
-              <a:rPr lang="en-US" sz="2400" spc="-1" dirty="0">
-                <a:solidFill>
-                  <a:srgbClr val="000000"/>
-                </a:solidFill>
-                <a:uFill>
-                  <a:solidFill>
-                    <a:srgbClr val="FFFFFF"/>
-                  </a:solidFill>
-                </a:uFill>
-                <a:latin typeface="Source Code Pro" panose="020B0509030403020204" pitchFamily="49" charset="77"/>
-                <a:ea typeface="Courier New"/>
-              </a:rPr>
-              <a:t>Assume capitalize('</a:t>
-            </a:r>
-            <a:r>
-              <a:rPr lang="en-US" sz="2400" spc="-1" dirty="0" err="1">
-                <a:solidFill>
-                  <a:srgbClr val="000000"/>
-                </a:solidFill>
-                <a:uFill>
-                  <a:solidFill>
-                    <a:srgbClr val="FFFFFF"/>
-                  </a:solidFill>
-                </a:uFill>
-                <a:latin typeface="Source Code Pro" panose="020B0509030403020204" pitchFamily="49" charset="77"/>
-                <a:ea typeface="Courier New"/>
-              </a:rPr>
-              <a:t>michael</a:t>
-            </a:r>
-            <a:r>
-              <a:rPr lang="en-US" sz="2400" spc="-1" dirty="0">
-                <a:solidFill>
-                  <a:srgbClr val="000000"/>
-                </a:solidFill>
-                <a:uFill>
-                  <a:solidFill>
-                    <a:srgbClr val="FFFFFF"/>
-                  </a:solidFill>
-                </a:uFill>
-                <a:latin typeface="Source Code Pro" panose="020B0509030403020204" pitchFamily="49" charset="77"/>
-                <a:ea typeface="Courier New"/>
-              </a:rPr>
-              <a:t>') == 'Michael'</a:t>
             </a:r>
             <a:endParaRPr lang="en-US" sz="2400" spc="-1" dirty="0">
               <a:solidFill>
@@ -12327,8 +11411,8 @@
         </p:nvSpPr>
         <p:spPr>
           <a:xfrm>
-            <a:off x="1782792" y="3333775"/>
-            <a:ext cx="8807570" cy="3177370"/>
+            <a:off x="2286120" y="1634375"/>
+            <a:ext cx="6910920" cy="3177370"/>
           </a:xfrm>
           <a:prstGeom prst="rect">
             <a:avLst/>
@@ -12360,7 +11444,7 @@
               </a:lnSpc>
             </a:pPr>
             <a:r>
-              <a:rPr lang="en-US" sz="2600" spc="-1" dirty="0">
+              <a:rPr lang="en-US" sz="2800" spc="-1" dirty="0">
                 <a:solidFill>
                   <a:srgbClr val="000000"/>
                 </a:solidFill>
@@ -12372,95 +11456,8 @@
                 <a:latin typeface="Arial"/>
                 <a:ea typeface="Arial"/>
               </a:rPr>
-              <a:t>A) </a:t>
-            </a:r>
-            <a:r>
-              <a:rPr lang="en-US" sz="2600" spc="-1" dirty="0">
-                <a:solidFill>
-                  <a:srgbClr val="000000"/>
-                </a:solidFill>
-                <a:uFill>
-                  <a:solidFill>
-                    <a:srgbClr val="FFFFFF"/>
-                  </a:solidFill>
-                </a:uFill>
-                <a:latin typeface="Source Code Pro" panose="020B0509030403020204" pitchFamily="49" charset="77"/>
-                <a:ea typeface="Courier New"/>
-              </a:rPr>
-              <a:t>['</a:t>
-            </a:r>
-            <a:r>
-              <a:rPr lang="en-US" sz="2600" spc="-1" dirty="0" err="1">
-                <a:solidFill>
-                  <a:srgbClr val="000000"/>
-                </a:solidFill>
-                <a:uFill>
-                  <a:solidFill>
-                    <a:srgbClr val="FFFFFF"/>
-                  </a:solidFill>
-                </a:uFill>
-                <a:latin typeface="Source Code Pro" panose="020B0509030403020204" pitchFamily="49" charset="77"/>
-                <a:ea typeface="Courier New"/>
-              </a:rPr>
-              <a:t>michael</a:t>
-            </a:r>
-            <a:r>
-              <a:rPr lang="en-US" sz="2600" spc="-1" dirty="0">
-                <a:solidFill>
-                  <a:srgbClr val="000000"/>
-                </a:solidFill>
-                <a:uFill>
-                  <a:solidFill>
-                    <a:srgbClr val="FFFFFF"/>
-                  </a:solidFill>
-                </a:uFill>
-                <a:latin typeface="Source Code Pro" panose="020B0509030403020204" pitchFamily="49" charset="77"/>
-                <a:ea typeface="Courier New"/>
-              </a:rPr>
-              <a:t>', 'Alex', 'Srinath', '</a:t>
-            </a:r>
-            <a:r>
-              <a:rPr lang="en-US" sz="2600" spc="-1" dirty="0" err="1">
-                <a:solidFill>
-                  <a:srgbClr val="000000"/>
-                </a:solidFill>
-                <a:uFill>
-                  <a:solidFill>
-                    <a:srgbClr val="FFFFFF"/>
-                  </a:solidFill>
-                </a:uFill>
-                <a:latin typeface="Source Code Pro" panose="020B0509030403020204" pitchFamily="49" charset="77"/>
-                <a:ea typeface="Courier New"/>
-              </a:rPr>
-              <a:t>julia</a:t>
-            </a:r>
-            <a:r>
-              <a:rPr lang="en-US" sz="2600" spc="-1" dirty="0">
-                <a:solidFill>
-                  <a:srgbClr val="000000"/>
-                </a:solidFill>
-                <a:uFill>
-                  <a:solidFill>
-                    <a:srgbClr val="FFFFFF"/>
-                  </a:solidFill>
-                </a:uFill>
-                <a:latin typeface="Source Code Pro" panose="020B0509030403020204" pitchFamily="49" charset="77"/>
-                <a:ea typeface="Courier New"/>
-              </a:rPr>
-              <a:t>']</a:t>
-            </a:r>
-            <a:endParaRPr lang="en-US" sz="2600" spc="-1" dirty="0">
-              <a:solidFill>
-                <a:srgbClr val="000000"/>
-              </a:solidFill>
-              <a:uFill>
-                <a:solidFill>
-                  <a:srgbClr val="FFFFFF"/>
-                </a:solidFill>
-              </a:uFill>
-              <a:latin typeface="Arial"/>
-              <a:ea typeface="Arial"/>
-            </a:endParaRPr>
+              <a:t>Transform each of items by a function.</a:t>
+            </a:r>
           </a:p>
           <a:p>
             <a:pPr>
@@ -12469,7 +11466,7 @@
               </a:lnSpc>
             </a:pPr>
             <a:r>
-              <a:rPr lang="en-US" sz="2600" spc="-1" dirty="0">
+              <a:rPr lang="en-US" sz="2800" spc="-1" dirty="0">
                 <a:solidFill>
                   <a:srgbClr val="000000"/>
                 </a:solidFill>
@@ -12479,35 +11476,24 @@
                   </a:solidFill>
                 </a:uFill>
                 <a:latin typeface="Arial"/>
-              </a:rPr>
-              <a:t>B) </a:t>
-            </a:r>
-            <a:r>
-              <a:rPr lang="en-US" sz="2600" spc="-1" dirty="0">
-                <a:solidFill>
-                  <a:srgbClr val="000000"/>
-                </a:solidFill>
-                <a:uFill>
-                  <a:solidFill>
-                    <a:srgbClr val="FFFFFF"/>
-                  </a:solidFill>
-                </a:uFill>
-                <a:latin typeface="Source Code Pro" panose="020B0509030403020204" pitchFamily="49" charset="77"/>
-                <a:ea typeface="Courier New"/>
-              </a:rPr>
-              <a:t>['Michael', 'Alex', 'Srinath', 'Julia']</a:t>
-            </a:r>
-            <a:endParaRPr lang="en-US" sz="2600" spc="-1" dirty="0">
-              <a:solidFill>
-                <a:srgbClr val="000000"/>
-              </a:solidFill>
-              <a:uFill>
-                <a:solidFill>
-                  <a:srgbClr val="FFFFFF"/>
-                </a:solidFill>
-              </a:uFill>
-              <a:latin typeface="Arial"/>
-            </a:endParaRPr>
+                <a:ea typeface="Arial"/>
+              </a:rPr>
+              <a:t>	e.g</a:t>
+            </a:r>
+            <a:r>
+              <a:rPr lang="en-US" sz="2800" spc="-1" dirty="0">
+                <a:solidFill>
+                  <a:srgbClr val="000000"/>
+                </a:solidFill>
+                <a:uFill>
+                  <a:solidFill>
+                    <a:srgbClr val="FFFFFF"/>
+                  </a:solidFill>
+                </a:uFill>
+                <a:ea typeface="Arial"/>
+              </a:rPr>
+              <a:t>. square()</a:t>
+            </a:r>
           </a:p>
           <a:p>
             <a:pPr>
@@ -12516,7 +11502,7 @@
               </a:lnSpc>
             </a:pPr>
             <a:r>
-              <a:rPr lang="en-US" sz="2600" spc="-1" dirty="0">
+              <a:rPr lang="en-US" sz="2800" spc="-1" dirty="0">
                 <a:solidFill>
                   <a:srgbClr val="000000"/>
                 </a:solidFill>
@@ -12526,8 +11512,56 @@
                   </a:solidFill>
                 </a:uFill>
                 <a:latin typeface="Arial"/>
-              </a:rPr>
-              <a:t>C) []</a:t>
+                <a:ea typeface="Arial"/>
+              </a:rPr>
+              <a:t>Inputs</a:t>
+            </a:r>
+            <a:r>
+              <a:rPr lang="en-US" sz="2800" spc="-1" dirty="0">
+                <a:solidFill>
+                  <a:srgbClr val="000000"/>
+                </a:solidFill>
+                <a:uFill>
+                  <a:solidFill>
+                    <a:srgbClr val="FFFFFF"/>
+                  </a:solidFill>
+                </a:uFill>
+                <a:latin typeface="Arial"/>
+                <a:ea typeface="Arial"/>
+                <a:sym typeface="Wingdings" pitchFamily="2" charset="2"/>
+              </a:rPr>
+              <a:t> (Domain):</a:t>
+            </a:r>
+            <a:br>
+              <a:rPr lang="en-US" sz="2800" spc="-1" dirty="0">
+                <a:solidFill>
+                  <a:srgbClr val="000000"/>
+                </a:solidFill>
+                <a:uFill>
+                  <a:solidFill>
+                    <a:srgbClr val="FFFFFF"/>
+                  </a:solidFill>
+                </a:uFill>
+                <a:latin typeface="Arial"/>
+                <a:ea typeface="Arial"/>
+                <a:sym typeface="Wingdings" pitchFamily="2" charset="2"/>
+              </a:rPr>
+            </a:br>
+            <a:r>
+              <a:rPr lang="en-US" sz="2800" spc="-1" dirty="0">
+                <a:solidFill>
+                  <a:srgbClr val="000000"/>
+                </a:solidFill>
+                <a:uFill>
+                  <a:solidFill>
+                    <a:srgbClr val="FFFFFF"/>
+                  </a:solidFill>
+                </a:uFill>
+                <a:latin typeface="Arial"/>
+                <a:ea typeface="Arial"/>
+                <a:sym typeface="Wingdings" pitchFamily="2" charset="2"/>
+              </a:rPr>
+              <a:t>	• Function</a:t>
             </a:r>
           </a:p>
           <a:p>
@@ -12537,7 +11571,7 @@
               </a:lnSpc>
             </a:pPr>
             <a:r>
-              <a:rPr lang="en-US" sz="2600" spc="-1" dirty="0">
+              <a:rPr lang="en-US" sz="2800" spc="-1" dirty="0">
                 <a:solidFill>
                   <a:srgbClr val="000000"/>
                 </a:solidFill>
@@ -12547,8 +11581,41 @@
                   </a:solidFill>
                 </a:uFill>
                 <a:latin typeface="Arial"/>
-              </a:rPr>
-              <a:t>D) Error</a:t>
+                <a:ea typeface="Arial"/>
+                <a:sym typeface="Wingdings" pitchFamily="2" charset="2"/>
+              </a:rPr>
+              <a:t>	• Sequence</a:t>
+            </a:r>
+            <a:br>
+              <a:rPr lang="en-US" sz="2800" spc="-1" dirty="0">
+                <a:solidFill>
+                  <a:srgbClr val="000000"/>
+                </a:solidFill>
+                <a:uFill>
+                  <a:solidFill>
+                    <a:srgbClr val="FFFFFF"/>
+                  </a:solidFill>
+                </a:uFill>
+                <a:latin typeface="Arial"/>
+                <a:ea typeface="Arial"/>
+                <a:sym typeface="Wingdings" pitchFamily="2" charset="2"/>
+              </a:rPr>
+            </a:br>
+            <a:r>
+              <a:rPr lang="en-US" sz="2800" spc="-1" dirty="0">
+                <a:solidFill>
+                  <a:srgbClr val="000000"/>
+                </a:solidFill>
+                <a:uFill>
+                  <a:solidFill>
+                    <a:srgbClr val="FFFFFF"/>
+                  </a:solidFill>
+                </a:uFill>
+                <a:latin typeface="Arial"/>
+                <a:ea typeface="Arial"/>
+                <a:sym typeface="Wingdings" pitchFamily="2" charset="2"/>
+              </a:rPr>
+              <a:t>Output (Range):</a:t>
             </a:r>
           </a:p>
           <a:p>
@@ -12558,7 +11625,7 @@
               </a:lnSpc>
             </a:pPr>
             <a:r>
-              <a:rPr lang="en-US" sz="2600" spc="-1" dirty="0">
+              <a:rPr lang="en-US" sz="2800" spc="-1" dirty="0">
                 <a:solidFill>
                   <a:srgbClr val="000000"/>
                 </a:solidFill>
@@ -12568,9 +11635,49 @@
                   </a:solidFill>
                 </a:uFill>
                 <a:latin typeface="Arial"/>
-              </a:rPr>
-              <a:t>E) I'm lost.</a:t>
-            </a:r>
+                <a:ea typeface="Arial"/>
+                <a:sym typeface="Wingdings" pitchFamily="2" charset="2"/>
+              </a:rPr>
+              <a:t>	• A sequence</a:t>
+            </a:r>
+          </a:p>
+          <a:p>
+            <a:pPr>
+              <a:lnSpc>
+                <a:spcPct val="100000"/>
+              </a:lnSpc>
+            </a:pPr>
+            <a:endParaRPr lang="en-US" sz="2800" spc="-1" dirty="0">
+              <a:solidFill>
+                <a:srgbClr val="000000"/>
+              </a:solidFill>
+              <a:uFill>
+                <a:solidFill>
+                  <a:srgbClr val="FFFFFF"/>
+                </a:solidFill>
+              </a:uFill>
+              <a:latin typeface="Arial"/>
+              <a:ea typeface="Arial"/>
+              <a:sym typeface="Wingdings" pitchFamily="2" charset="2"/>
+            </a:endParaRPr>
+          </a:p>
+          <a:p>
+            <a:pPr>
+              <a:lnSpc>
+                <a:spcPct val="100000"/>
+              </a:lnSpc>
+            </a:pPr>
+            <a:endParaRPr lang="en-US" spc="-1" dirty="0">
+              <a:solidFill>
+                <a:srgbClr val="000000"/>
+              </a:solidFill>
+              <a:uFill>
+                <a:solidFill>
+                  <a:srgbClr val="FFFFFF"/>
+                </a:solidFill>
+              </a:uFill>
+              <a:latin typeface="Arial"/>
+            </a:endParaRPr>
           </a:p>
         </p:txBody>
       </p:sp>
@@ -12757,10 +11864,264 @@
           </a:p>
         </p:txBody>
       </p:sp>
+      <p:sp>
+        <p:nvSpPr>
+          <p:cNvPr id="181" name="TextShape 11"/>
+          <p:cNvSpPr txBox="1"/>
+          <p:nvPr/>
+        </p:nvSpPr>
+        <p:spPr>
+          <a:xfrm>
+            <a:off x="2281080" y="5012456"/>
+            <a:ext cx="7171560" cy="602280"/>
+          </a:xfrm>
+          <a:prstGeom prst="rect">
+            <a:avLst/>
+          </a:prstGeom>
+          <a:noFill/>
+          <a:ln>
+            <a:noFill/>
+          </a:ln>
+        </p:spPr>
+        <p:txBody>
+          <a:bodyPr lIns="90000" tIns="45000" rIns="90000" bIns="45000"/>
+          <a:lstStyle/>
+          <a:p>
+            <a:endParaRPr lang="en-US" spc="-1" dirty="0">
+              <a:solidFill>
+                <a:srgbClr val="000000"/>
+              </a:solidFill>
+              <a:uFill>
+                <a:solidFill>
+                  <a:srgbClr val="FFFFFF"/>
+                </a:solidFill>
+              </a:uFill>
+              <a:latin typeface="Arial"/>
+            </a:endParaRPr>
+          </a:p>
+        </p:txBody>
+      </p:sp>
+      <p:sp>
+        <p:nvSpPr>
+          <p:cNvPr id="14" name="TextShape 11">
+            <a:extLst>
+              <a:ext uri="{FF2B5EF4-FFF2-40B4-BE49-F238E27FC236}">
+                <a16:creationId xmlns:a16="http://schemas.microsoft.com/office/drawing/2014/main" id="{CD52A5B2-39FC-CD45-AEED-54BDCC1A8C5F}"/>
+              </a:ext>
+            </a:extLst>
+          </p:cNvPr>
+          <p:cNvSpPr txBox="1"/>
+          <p:nvPr/>
+        </p:nvSpPr>
+        <p:spPr>
+          <a:xfrm>
+            <a:off x="2378640" y="1120680"/>
+            <a:ext cx="7171560" cy="602280"/>
+          </a:xfrm>
+          <a:prstGeom prst="rect">
+            <a:avLst/>
+          </a:prstGeom>
+          <a:noFill/>
+          <a:ln>
+            <a:noFill/>
+          </a:ln>
+        </p:spPr>
+        <p:txBody>
+          <a:bodyPr lIns="90000" tIns="45000" rIns="90000" bIns="45000"/>
+          <a:lstStyle/>
+          <a:p>
+            <a:endParaRPr lang="en-US" spc="-1" dirty="0">
+              <a:solidFill>
+                <a:srgbClr val="000000"/>
+              </a:solidFill>
+              <a:uFill>
+                <a:solidFill>
+                  <a:srgbClr val="FFFFFF"/>
+                </a:solidFill>
+              </a:uFill>
+              <a:latin typeface="Arial"/>
+            </a:endParaRPr>
+          </a:p>
+        </p:txBody>
+      </p:sp>
+      <p:sp>
+        <p:nvSpPr>
+          <p:cNvPr id="5" name="Rectangle 4">
+            <a:extLst>
+              <a:ext uri="{FF2B5EF4-FFF2-40B4-BE49-F238E27FC236}">
+                <a16:creationId xmlns:a16="http://schemas.microsoft.com/office/drawing/2014/main" id="{D0E23900-24AC-C541-A848-5EDC8E5E8C5E}"/>
+              </a:ext>
+            </a:extLst>
+          </p:cNvPr>
+          <p:cNvSpPr/>
+          <p:nvPr/>
+        </p:nvSpPr>
+        <p:spPr>
+          <a:xfrm>
+            <a:off x="2281079" y="4876073"/>
+            <a:ext cx="7517126" cy="1200329"/>
+          </a:xfrm>
+          <a:prstGeom prst="rect">
+            <a:avLst/>
+          </a:prstGeom>
+        </p:spPr>
+        <p:txBody>
+          <a:bodyPr wrap="square">
+            <a:spAutoFit/>
+          </a:bodyPr>
+          <a:lstStyle/>
+          <a:p>
+            <a:r>
+              <a:rPr lang="en-US" dirty="0">
+                <a:solidFill>
+                  <a:srgbClr val="0000FF"/>
+                </a:solidFill>
+                <a:latin typeface=" SourceCodePro-Light" panose="020B0509030403020204" pitchFamily="49" charset="77"/>
+              </a:rPr>
+              <a:t>def</a:t>
+            </a:r>
+            <a:r>
+              <a:rPr lang="en-US" dirty="0">
+                <a:solidFill>
+                  <a:srgbClr val="000000"/>
+                </a:solidFill>
+                <a:latin typeface=" SourceCodePro-Light" panose="020B0509030403020204" pitchFamily="49" charset="77"/>
+              </a:rPr>
+              <a:t> </a:t>
+            </a:r>
+            <a:r>
+              <a:rPr lang="en-US" dirty="0">
+                <a:solidFill>
+                  <a:srgbClr val="795E26"/>
+                </a:solidFill>
+                <a:latin typeface=" SourceCodePro-Light" panose="020B0509030403020204" pitchFamily="49" charset="77"/>
+              </a:rPr>
+              <a:t>map</a:t>
+            </a:r>
+            <a:r>
+              <a:rPr lang="en-US" dirty="0">
+                <a:solidFill>
+                  <a:srgbClr val="000000"/>
+                </a:solidFill>
+                <a:latin typeface=" SourceCodePro-Light" panose="020B0509030403020204" pitchFamily="49" charset="77"/>
+              </a:rPr>
+              <a:t>(</a:t>
+            </a:r>
+            <a:r>
+              <a:rPr lang="en-US" dirty="0">
+                <a:solidFill>
+                  <a:srgbClr val="001080"/>
+                </a:solidFill>
+                <a:latin typeface=" SourceCodePro-Light" panose="020B0509030403020204" pitchFamily="49" charset="77"/>
+              </a:rPr>
+              <a:t>function</a:t>
+            </a:r>
+            <a:r>
+              <a:rPr lang="en-US" dirty="0">
+                <a:solidFill>
+                  <a:srgbClr val="000000"/>
+                </a:solidFill>
+                <a:latin typeface=" SourceCodePro-Light" panose="020B0509030403020204" pitchFamily="49" charset="77"/>
+              </a:rPr>
+              <a:t>, </a:t>
+            </a:r>
+            <a:r>
+              <a:rPr lang="en-US" dirty="0">
+                <a:solidFill>
+                  <a:srgbClr val="001080"/>
+                </a:solidFill>
+                <a:latin typeface=" SourceCodePro-Light" panose="020B0509030403020204" pitchFamily="49" charset="77"/>
+              </a:rPr>
+              <a:t>sequence</a:t>
+            </a:r>
+            <a:r>
+              <a:rPr lang="en-US" dirty="0">
+                <a:solidFill>
+                  <a:srgbClr val="000000"/>
+                </a:solidFill>
+                <a:latin typeface=" SourceCodePro-Light" panose="020B0509030403020204" pitchFamily="49" charset="77"/>
+              </a:rPr>
+              <a:t>):</a:t>
+            </a:r>
+          </a:p>
+          <a:p>
+            <a:r>
+              <a:rPr lang="en-US" dirty="0">
+                <a:solidFill>
+                  <a:srgbClr val="AF00DB"/>
+                </a:solidFill>
+                <a:latin typeface=" SourceCodePro-Light" panose="020B0509030403020204" pitchFamily="49" charset="77"/>
+              </a:rPr>
+              <a:t>    return</a:t>
+            </a:r>
+            <a:r>
+              <a:rPr lang="en-US" dirty="0">
+                <a:solidFill>
+                  <a:srgbClr val="000000"/>
+                </a:solidFill>
+                <a:latin typeface=" SourceCodePro-Light" panose="020B0509030403020204" pitchFamily="49" charset="77"/>
+              </a:rPr>
+              <a:t> [ function(item) </a:t>
+            </a:r>
+            <a:r>
+              <a:rPr lang="en-US" dirty="0">
+                <a:solidFill>
+                  <a:srgbClr val="AF00DB"/>
+                </a:solidFill>
+                <a:latin typeface=" SourceCodePro-Light" panose="020B0509030403020204" pitchFamily="49" charset="77"/>
+              </a:rPr>
+              <a:t>for</a:t>
+            </a:r>
+            <a:r>
+              <a:rPr lang="en-US" dirty="0">
+                <a:solidFill>
+                  <a:srgbClr val="000000"/>
+                </a:solidFill>
+                <a:latin typeface=" SourceCodePro-Light" panose="020B0509030403020204" pitchFamily="49" charset="77"/>
+              </a:rPr>
+              <a:t> item </a:t>
+            </a:r>
+            <a:r>
+              <a:rPr lang="en-US" dirty="0">
+                <a:solidFill>
+                  <a:srgbClr val="0000FF"/>
+                </a:solidFill>
+                <a:latin typeface=" SourceCodePro-Light" panose="020B0509030403020204" pitchFamily="49" charset="77"/>
+              </a:rPr>
+              <a:t>in</a:t>
+            </a:r>
+            <a:r>
+              <a:rPr lang="en-US" dirty="0">
+                <a:solidFill>
+                  <a:srgbClr val="000000"/>
+                </a:solidFill>
+                <a:latin typeface=" SourceCodePro-Light" panose="020B0509030403020204" pitchFamily="49" charset="77"/>
+              </a:rPr>
+              <a:t> sequence ]</a:t>
+            </a:r>
+          </a:p>
+          <a:p>
+            <a:br>
+              <a:rPr lang="en-US" dirty="0">
+                <a:solidFill>
+                  <a:srgbClr val="000000"/>
+                </a:solidFill>
+                <a:latin typeface=" SourceCodePro-Light" panose="020B0509030403020204" pitchFamily="49" charset="77"/>
+              </a:rPr>
+            </a:br>
+            <a:endParaRPr lang="en-US" dirty="0">
+              <a:solidFill>
+                <a:srgbClr val="000000"/>
+              </a:solidFill>
+              <a:latin typeface=" SourceCodePro-Light" panose="020B0509030403020204" pitchFamily="49" charset="77"/>
+            </a:endParaRPr>
+          </a:p>
+        </p:txBody>
+      </p:sp>
     </p:spTree>
     <p:extLst>
       <p:ext uri="{BB962C8B-B14F-4D97-AF65-F5344CB8AC3E}">
-        <p14:creationId xmlns:p14="http://schemas.microsoft.com/office/powerpoint/2010/main" val="169501304"/>
+        <p14:creationId xmlns:p14="http://schemas.microsoft.com/office/powerpoint/2010/main" val="718142365"/>
       </p:ext>
     </p:extLst>
   </p:cSld>
@@ -12855,7 +12216,7 @@
                 <a:latin typeface="Arial"/>
                 <a:ea typeface="Arial"/>
               </a:rPr>
-              <a:t>FILTER</a:t>
+              <a:t>What does this do?</a:t>
             </a:r>
             <a:endParaRPr lang="en-US" sz="1400" spc="-1" dirty="0">
               <a:solidFill>
@@ -12924,10 +12285,10 @@
                 <a:latin typeface="Source Code Pro" panose="020B0509030403020204" pitchFamily="49" charset="77"/>
                 <a:ea typeface="Courier New"/>
               </a:rPr>
-              <a:t>list(filter(function, </a:t>
-            </a:r>
-            <a:r>
-              <a:rPr lang="en-US" sz="2400" spc="-1" dirty="0" err="1">
+              <a:t>list(map(capitalize, </a:t>
+            </a:r>
+            <a:br>
+              <a:rPr lang="en-US" sz="2400" spc="-1" dirty="0">
                 <a:solidFill>
                   <a:srgbClr val="000000"/>
                 </a:solidFill>
@@ -12939,8 +12300,7 @@
                 <a:latin typeface="Source Code Pro" panose="020B0509030403020204" pitchFamily="49" charset="77"/>
                 <a:ea typeface="Courier New"/>
               </a:rPr>
-              <a:t>list_of_inputs</a:t>
-            </a:r>
+            </a:br>
             <a:r>
               <a:rPr lang="en-US" sz="2400" spc="-1" dirty="0">
                 <a:solidFill>
@@ -12954,7 +12314,162 @@
                 <a:latin typeface="Source Code Pro" panose="020B0509030403020204" pitchFamily="49" charset="77"/>
                 <a:ea typeface="Courier New"/>
               </a:rPr>
+              <a:t>    ['</a:t>
+            </a:r>
+            <a:r>
+              <a:rPr lang="en-US" sz="2400" spc="-1" dirty="0" err="1">
+                <a:solidFill>
+                  <a:srgbClr val="000000"/>
+                </a:solidFill>
+                <a:uFill>
+                  <a:solidFill>
+                    <a:srgbClr val="FFFFFF"/>
+                  </a:solidFill>
+                </a:uFill>
+                <a:latin typeface="Source Code Pro" panose="020B0509030403020204" pitchFamily="49" charset="77"/>
+                <a:ea typeface="Courier New"/>
+              </a:rPr>
+              <a:t>michael</a:t>
+            </a:r>
+            <a:r>
+              <a:rPr lang="en-US" sz="2400" spc="-1" dirty="0">
+                <a:solidFill>
+                  <a:srgbClr val="000000"/>
+                </a:solidFill>
+                <a:uFill>
+                  <a:solidFill>
+                    <a:srgbClr val="FFFFFF"/>
+                  </a:solidFill>
+                </a:uFill>
+                <a:latin typeface="Source Code Pro" panose="020B0509030403020204" pitchFamily="49" charset="77"/>
+                <a:ea typeface="Courier New"/>
+              </a:rPr>
+              <a:t>', 'Alex', 'Srinath', '</a:t>
+            </a:r>
+            <a:r>
+              <a:rPr lang="en-US" sz="2400" spc="-1" dirty="0" err="1">
+                <a:solidFill>
+                  <a:srgbClr val="000000"/>
+                </a:solidFill>
+                <a:uFill>
+                  <a:solidFill>
+                    <a:srgbClr val="FFFFFF"/>
+                  </a:solidFill>
+                </a:uFill>
+                <a:latin typeface="Source Code Pro" panose="020B0509030403020204" pitchFamily="49" charset="77"/>
+                <a:ea typeface="Courier New"/>
+              </a:rPr>
+              <a:t>julia</a:t>
+            </a:r>
+            <a:r>
+              <a:rPr lang="en-US" sz="2400" spc="-1" dirty="0">
+                <a:solidFill>
+                  <a:srgbClr val="000000"/>
+                </a:solidFill>
+                <a:uFill>
+                  <a:solidFill>
+                    <a:srgbClr val="FFFFFF"/>
+                  </a:solidFill>
+                </a:uFill>
+                <a:latin typeface="Source Code Pro" panose="020B0509030403020204" pitchFamily="49" charset="77"/>
+                <a:ea typeface="Courier New"/>
+              </a:rPr>
+              <a:t>'] </a:t>
+            </a:r>
+          </a:p>
+          <a:p>
+            <a:pPr>
+              <a:lnSpc>
+                <a:spcPct val="100000"/>
+              </a:lnSpc>
+            </a:pPr>
+            <a:r>
+              <a:rPr lang="en-US" sz="2400" spc="-1" dirty="0">
+                <a:solidFill>
+                  <a:srgbClr val="000000"/>
+                </a:solidFill>
+                <a:uFill>
+                  <a:solidFill>
+                    <a:srgbClr val="FFFFFF"/>
+                  </a:solidFill>
+                </a:uFill>
+                <a:latin typeface="Source Code Pro" panose="020B0509030403020204" pitchFamily="49" charset="77"/>
+                <a:ea typeface="Courier New"/>
+              </a:rPr>
               <a:t>))</a:t>
+            </a:r>
+            <a:br>
+              <a:rPr lang="en-US" sz="2400" spc="-1" dirty="0">
+                <a:solidFill>
+                  <a:srgbClr val="000000"/>
+                </a:solidFill>
+                <a:uFill>
+                  <a:solidFill>
+                    <a:srgbClr val="FFFFFF"/>
+                  </a:solidFill>
+                </a:uFill>
+                <a:latin typeface="Source Code Pro" panose="020B0509030403020204" pitchFamily="49" charset="77"/>
+                <a:ea typeface="Courier New"/>
+              </a:rPr>
+            </a:br>
+            <a:br>
+              <a:rPr lang="en-US" sz="2400" spc="-1" dirty="0">
+                <a:solidFill>
+                  <a:srgbClr val="000000"/>
+                </a:solidFill>
+                <a:uFill>
+                  <a:solidFill>
+                    <a:srgbClr val="FFFFFF"/>
+                  </a:solidFill>
+                </a:uFill>
+                <a:latin typeface="Source Code Pro" panose="020B0509030403020204" pitchFamily="49" charset="77"/>
+                <a:ea typeface="Courier New"/>
+              </a:rPr>
+            </a:br>
+            <a:r>
+              <a:rPr lang="en-US" sz="2400" spc="-1" dirty="0">
+                <a:solidFill>
+                  <a:srgbClr val="000000"/>
+                </a:solidFill>
+                <a:uFill>
+                  <a:solidFill>
+                    <a:srgbClr val="FFFFFF"/>
+                  </a:solidFill>
+                </a:uFill>
+                <a:latin typeface="Source Code Pro" panose="020B0509030403020204" pitchFamily="49" charset="77"/>
+                <a:ea typeface="Courier New"/>
+              </a:rPr>
+              <a:t>Assume capitalize('</a:t>
+            </a:r>
+            <a:r>
+              <a:rPr lang="en-US" sz="2400" spc="-1" dirty="0" err="1">
+                <a:solidFill>
+                  <a:srgbClr val="000000"/>
+                </a:solidFill>
+                <a:uFill>
+                  <a:solidFill>
+                    <a:srgbClr val="FFFFFF"/>
+                  </a:solidFill>
+                </a:uFill>
+                <a:latin typeface="Source Code Pro" panose="020B0509030403020204" pitchFamily="49" charset="77"/>
+                <a:ea typeface="Courier New"/>
+              </a:rPr>
+              <a:t>michael</a:t>
+            </a:r>
+            <a:r>
+              <a:rPr lang="en-US" sz="2400" spc="-1" dirty="0">
+                <a:solidFill>
+                  <a:srgbClr val="000000"/>
+                </a:solidFill>
+                <a:uFill>
+                  <a:solidFill>
+                    <a:srgbClr val="FFFFFF"/>
+                  </a:solidFill>
+                </a:uFill>
+                <a:latin typeface="Source Code Pro" panose="020B0509030403020204" pitchFamily="49" charset="77"/>
+                <a:ea typeface="Courier New"/>
+              </a:rPr>
+              <a:t>') == 'Michael'</a:t>
             </a:r>
             <a:endParaRPr lang="en-US" sz="2400" spc="-1" dirty="0">
               <a:solidFill>
@@ -12978,8 +12493,8 @@
         </p:nvSpPr>
         <p:spPr>
           <a:xfrm>
-            <a:off x="2286120" y="1634375"/>
-            <a:ext cx="6910920" cy="3177370"/>
+            <a:off x="1782792" y="3333775"/>
+            <a:ext cx="8807570" cy="3177370"/>
           </a:xfrm>
           <a:prstGeom prst="rect">
             <a:avLst/>
@@ -13011,7 +12526,7 @@
               </a:lnSpc>
             </a:pPr>
             <a:r>
-              <a:rPr lang="en-US" sz="2800" spc="-1" dirty="0">
+              <a:rPr lang="en-US" sz="2600" spc="-1" dirty="0">
                 <a:solidFill>
                   <a:srgbClr val="000000"/>
                 </a:solidFill>
@@ -13023,9 +12538,84 @@
                 <a:latin typeface="Arial"/>
                 <a:ea typeface="Arial"/>
               </a:rPr>
-              <a:t>*Keeps* each of item where the function is true.</a:t>
-            </a:r>
-            <a:endParaRPr lang="en-US" sz="2800" spc="-1" dirty="0">
+              <a:t>A) </a:t>
+            </a:r>
+            <a:r>
+              <a:rPr lang="en-US" sz="2600" spc="-1" dirty="0">
+                <a:solidFill>
+                  <a:srgbClr val="000000"/>
+                </a:solidFill>
+                <a:uFill>
+                  <a:solidFill>
+                    <a:srgbClr val="FFFFFF"/>
+                  </a:solidFill>
+                </a:uFill>
+                <a:latin typeface="Source Code Pro" panose="020B0509030403020204" pitchFamily="49" charset="77"/>
+                <a:ea typeface="Courier New"/>
+              </a:rPr>
+              <a:t>['</a:t>
+            </a:r>
+            <a:r>
+              <a:rPr lang="en-US" sz="2600" spc="-1" dirty="0" err="1">
+                <a:solidFill>
+                  <a:srgbClr val="000000"/>
+                </a:solidFill>
+                <a:uFill>
+                  <a:solidFill>
+                    <a:srgbClr val="FFFFFF"/>
+                  </a:solidFill>
+                </a:uFill>
+                <a:latin typeface="Source Code Pro" panose="020B0509030403020204" pitchFamily="49" charset="77"/>
+                <a:ea typeface="Courier New"/>
+              </a:rPr>
+              <a:t>michael</a:t>
+            </a:r>
+            <a:r>
+              <a:rPr lang="en-US" sz="2600" spc="-1" dirty="0">
+                <a:solidFill>
+                  <a:srgbClr val="000000"/>
+                </a:solidFill>
+                <a:uFill>
+                  <a:solidFill>
+                    <a:srgbClr val="FFFFFF"/>
+                  </a:solidFill>
+                </a:uFill>
+                <a:latin typeface="Source Code Pro" panose="020B0509030403020204" pitchFamily="49" charset="77"/>
+                <a:ea typeface="Courier New"/>
+              </a:rPr>
+              <a:t>', 'Alex', 'Srinath', '</a:t>
+            </a:r>
+            <a:r>
+              <a:rPr lang="en-US" sz="2600" spc="-1" dirty="0" err="1">
+                <a:solidFill>
+                  <a:srgbClr val="000000"/>
+                </a:solidFill>
+                <a:uFill>
+                  <a:solidFill>
+                    <a:srgbClr val="FFFFFF"/>
+                  </a:solidFill>
+                </a:uFill>
+                <a:latin typeface="Source Code Pro" panose="020B0509030403020204" pitchFamily="49" charset="77"/>
+                <a:ea typeface="Courier New"/>
+              </a:rPr>
+              <a:t>julia</a:t>
+            </a:r>
+            <a:r>
+              <a:rPr lang="en-US" sz="2600" spc="-1" dirty="0">
+                <a:solidFill>
+                  <a:srgbClr val="000000"/>
+                </a:solidFill>
+                <a:uFill>
+                  <a:solidFill>
+                    <a:srgbClr val="FFFFFF"/>
+                  </a:solidFill>
+                </a:uFill>
+                <a:latin typeface="Source Code Pro" panose="020B0509030403020204" pitchFamily="49" charset="77"/>
+                <a:ea typeface="Courier New"/>
+              </a:rPr>
+              <a:t>']</a:t>
+            </a:r>
+            <a:endParaRPr lang="en-US" sz="2600" spc="-1" dirty="0">
               <a:solidFill>
                 <a:srgbClr val="000000"/>
               </a:solidFill>
@@ -13034,6 +12624,7 @@
                   <a:srgbClr val="FFFFFF"/>
                 </a:solidFill>
               </a:uFill>
+              <a:latin typeface="Arial"/>
               <a:ea typeface="Arial"/>
             </a:endParaRPr>
           </a:p>
@@ -13044,7 +12635,7 @@
               </a:lnSpc>
             </a:pPr>
             <a:r>
-              <a:rPr lang="en-US" sz="2800" spc="-1" dirty="0">
+              <a:rPr lang="en-US" sz="2600" spc="-1" dirty="0">
                 <a:solidFill>
                   <a:srgbClr val="000000"/>
                 </a:solidFill>
@@ -13054,57 +12645,35 @@
                   </a:solidFill>
                 </a:uFill>
                 <a:latin typeface="Arial"/>
-                <a:ea typeface="Arial"/>
-              </a:rPr>
-              <a:t>Inputs</a:t>
-            </a:r>
-            <a:r>
-              <a:rPr lang="en-US" sz="2800" spc="-1" dirty="0">
-                <a:solidFill>
-                  <a:srgbClr val="000000"/>
-                </a:solidFill>
-                <a:uFill>
-                  <a:solidFill>
-                    <a:srgbClr val="FFFFFF"/>
-                  </a:solidFill>
-                </a:uFill>
-                <a:latin typeface="Arial"/>
-                <a:ea typeface="Arial"/>
-                <a:sym typeface="Wingdings" pitchFamily="2" charset="2"/>
-              </a:rPr>
-              <a:t> (Domain):</a:t>
-            </a:r>
-            <a:br>
-              <a:rPr lang="en-US" sz="2800" spc="-1" dirty="0">
-                <a:solidFill>
-                  <a:srgbClr val="000000"/>
-                </a:solidFill>
-                <a:uFill>
-                  <a:solidFill>
-                    <a:srgbClr val="FFFFFF"/>
-                  </a:solidFill>
-                </a:uFill>
-                <a:latin typeface="Arial"/>
-                <a:ea typeface="Arial"/>
-                <a:sym typeface="Wingdings" pitchFamily="2" charset="2"/>
-              </a:rPr>
-            </a:br>
-            <a:r>
-              <a:rPr lang="en-US" sz="2800" spc="-1" dirty="0">
-                <a:solidFill>
-                  <a:srgbClr val="000000"/>
-                </a:solidFill>
-                <a:uFill>
-                  <a:solidFill>
-                    <a:srgbClr val="FFFFFF"/>
-                  </a:solidFill>
-                </a:uFill>
-                <a:latin typeface="Arial"/>
-                <a:ea typeface="Arial"/>
-                <a:sym typeface="Wingdings" pitchFamily="2" charset="2"/>
-              </a:rPr>
-              <a:t>	• Function</a:t>
-            </a:r>
+              </a:rPr>
+              <a:t>B) </a:t>
+            </a:r>
+            <a:r>
+              <a:rPr lang="en-US" sz="2600" spc="-1" dirty="0">
+                <a:solidFill>
+                  <a:srgbClr val="000000"/>
+                </a:solidFill>
+                <a:uFill>
+                  <a:solidFill>
+                    <a:srgbClr val="FFFFFF"/>
+                  </a:solidFill>
+                </a:uFill>
+                <a:latin typeface="Source Code Pro" panose="020B0509030403020204" pitchFamily="49" charset="77"/>
+                <a:ea typeface="Courier New"/>
+              </a:rPr>
+              <a:t>['Michael', 'Alex', 'Srinath', 'Julia']</a:t>
+            </a:r>
+            <a:endParaRPr lang="en-US" sz="2600" spc="-1" dirty="0">
+              <a:solidFill>
+                <a:srgbClr val="000000"/>
+              </a:solidFill>
+              <a:uFill>
+                <a:solidFill>
+                  <a:srgbClr val="FFFFFF"/>
+                </a:solidFill>
+              </a:uFill>
+              <a:latin typeface="Arial"/>
+            </a:endParaRPr>
           </a:p>
           <a:p>
             <a:pPr>
@@ -13113,7 +12682,7 @@
               </a:lnSpc>
             </a:pPr>
             <a:r>
-              <a:rPr lang="en-US" sz="2800" spc="-1" dirty="0">
+              <a:rPr lang="en-US" sz="2600" spc="-1" dirty="0">
                 <a:solidFill>
                   <a:srgbClr val="000000"/>
                 </a:solidFill>
@@ -13123,41 +12692,8 @@
                   </a:solidFill>
                 </a:uFill>
                 <a:latin typeface="Arial"/>
-                <a:ea typeface="Arial"/>
-                <a:sym typeface="Wingdings" pitchFamily="2" charset="2"/>
-              </a:rPr>
-              <a:t>	• Sequence</a:t>
-            </a:r>
-            <a:br>
-              <a:rPr lang="en-US" sz="2800" spc="-1" dirty="0">
-                <a:solidFill>
-                  <a:srgbClr val="000000"/>
-                </a:solidFill>
-                <a:uFill>
-                  <a:solidFill>
-                    <a:srgbClr val="FFFFFF"/>
-                  </a:solidFill>
-                </a:uFill>
-                <a:latin typeface="Arial"/>
-                <a:ea typeface="Arial"/>
-                <a:sym typeface="Wingdings" pitchFamily="2" charset="2"/>
-              </a:rPr>
-            </a:br>
-            <a:r>
-              <a:rPr lang="en-US" sz="2800" spc="-1" dirty="0">
-                <a:solidFill>
-                  <a:srgbClr val="000000"/>
-                </a:solidFill>
-                <a:uFill>
-                  <a:solidFill>
-                    <a:srgbClr val="FFFFFF"/>
-                  </a:solidFill>
-                </a:uFill>
-                <a:latin typeface="Arial"/>
-                <a:ea typeface="Arial"/>
-                <a:sym typeface="Wingdings" pitchFamily="2" charset="2"/>
-              </a:rPr>
-              <a:t>Output (Range):</a:t>
+              </a:rPr>
+              <a:t>C) []</a:t>
             </a:r>
           </a:p>
           <a:p>
@@ -13167,7 +12703,7 @@
               </a:lnSpc>
             </a:pPr>
             <a:r>
-              <a:rPr lang="en-US" sz="2800" spc="-1" dirty="0">
+              <a:rPr lang="en-US" sz="2600" spc="-1" dirty="0">
                 <a:solidFill>
                   <a:srgbClr val="000000"/>
                 </a:solidFill>
@@ -13177,10 +12713,8 @@
                   </a:solidFill>
                 </a:uFill>
                 <a:latin typeface="Arial"/>
-                <a:ea typeface="Arial"/>
-                <a:sym typeface="Wingdings" pitchFamily="2" charset="2"/>
-              </a:rPr>
-              <a:t>	• A sequence</a:t>
+              </a:rPr>
+              <a:t>D) Error</a:t>
             </a:r>
           </a:p>
           <a:p>
@@ -13189,37 +12723,20 @@
                 <a:spcPct val="100000"/>
               </a:lnSpc>
             </a:pPr>
-            <a:endParaRPr lang="en-US" sz="2800" spc="-1" dirty="0">
-              <a:solidFill>
-                <a:srgbClr val="000000"/>
-              </a:solidFill>
-              <a:uFill>
-                <a:solidFill>
-                  <a:srgbClr val="FFFFFF"/>
-                </a:solidFill>
-              </a:uFill>
-              <a:latin typeface="Arial"/>
-              <a:ea typeface="Arial"/>
-              <a:sym typeface="Wingdings" pitchFamily="2" charset="2"/>
-            </a:endParaRPr>
-          </a:p>
-          <a:p>
-            <a:pPr>
-              <a:lnSpc>
-                <a:spcPct val="100000"/>
-              </a:lnSpc>
-            </a:pPr>
-            <a:endParaRPr lang="en-US" spc="-1" dirty="0">
-              <a:solidFill>
-                <a:srgbClr val="000000"/>
-              </a:solidFill>
-              <a:uFill>
-                <a:solidFill>
-                  <a:srgbClr val="FFFFFF"/>
-                </a:solidFill>
-              </a:uFill>
-              <a:latin typeface="Arial"/>
-            </a:endParaRPr>
+            <a:r>
+              <a:rPr lang="en-US" sz="2600" spc="-1" dirty="0">
+                <a:solidFill>
+                  <a:srgbClr val="000000"/>
+                </a:solidFill>
+                <a:uFill>
+                  <a:solidFill>
+                    <a:srgbClr val="FFFFFF"/>
+                  </a:solidFill>
+                </a:uFill>
+                <a:latin typeface="Arial"/>
+              </a:rPr>
+              <a:t>E) I'm lost.</a:t>
+            </a:r>
           </a:p>
         </p:txBody>
       </p:sp>
@@ -13406,239 +12923,10 @@
           </a:p>
         </p:txBody>
       </p:sp>
-      <p:sp>
-        <p:nvSpPr>
-          <p:cNvPr id="181" name="TextShape 11"/>
-          <p:cNvSpPr txBox="1"/>
-          <p:nvPr/>
-        </p:nvSpPr>
-        <p:spPr>
-          <a:xfrm>
-            <a:off x="2281080" y="5012456"/>
-            <a:ext cx="7171560" cy="602280"/>
-          </a:xfrm>
-          <a:prstGeom prst="rect">
-            <a:avLst/>
-          </a:prstGeom>
-          <a:noFill/>
-          <a:ln>
-            <a:noFill/>
-          </a:ln>
-        </p:spPr>
-        <p:txBody>
-          <a:bodyPr lIns="90000" tIns="45000" rIns="90000" bIns="45000"/>
-          <a:lstStyle/>
-          <a:p>
-            <a:endParaRPr lang="en-US" spc="-1" dirty="0">
-              <a:solidFill>
-                <a:srgbClr val="000000"/>
-              </a:solidFill>
-              <a:uFill>
-                <a:solidFill>
-                  <a:srgbClr val="FFFFFF"/>
-                </a:solidFill>
-              </a:uFill>
-              <a:latin typeface="Arial"/>
-            </a:endParaRPr>
-          </a:p>
-        </p:txBody>
-      </p:sp>
-      <p:sp>
-        <p:nvSpPr>
-          <p:cNvPr id="2" name="Rectangle 1">
-            <a:extLst>
-              <a:ext uri="{FF2B5EF4-FFF2-40B4-BE49-F238E27FC236}">
-                <a16:creationId xmlns:a16="http://schemas.microsoft.com/office/drawing/2014/main" id="{D2751185-0159-7645-BAEC-59FF9A798C28}"/>
-              </a:ext>
-            </a:extLst>
-          </p:cNvPr>
-          <p:cNvSpPr/>
-          <p:nvPr/>
-        </p:nvSpPr>
-        <p:spPr>
-          <a:xfrm>
-            <a:off x="2025804" y="4697556"/>
-            <a:ext cx="8372520" cy="1200329"/>
-          </a:xfrm>
-          <a:prstGeom prst="rect">
-            <a:avLst/>
-          </a:prstGeom>
-        </p:spPr>
-        <p:txBody>
-          <a:bodyPr wrap="square">
-            <a:spAutoFit/>
-          </a:bodyPr>
-          <a:lstStyle/>
-          <a:p>
-            <a:r>
-              <a:rPr lang="en-US" dirty="0">
-                <a:solidFill>
-                  <a:srgbClr val="0000FF"/>
-                </a:solidFill>
-                <a:latin typeface=" SourceCodePro-Light" panose="020B0509030403020204" pitchFamily="49" charset="77"/>
-              </a:rPr>
-              <a:t>def</a:t>
-            </a:r>
-            <a:r>
-              <a:rPr lang="en-US" dirty="0">
-                <a:solidFill>
-                  <a:srgbClr val="000000"/>
-                </a:solidFill>
-                <a:latin typeface=" SourceCodePro-Light" panose="020B0509030403020204" pitchFamily="49" charset="77"/>
-              </a:rPr>
-              <a:t> </a:t>
-            </a:r>
-            <a:r>
-              <a:rPr lang="en-US" dirty="0">
-                <a:solidFill>
-                  <a:srgbClr val="795E26"/>
-                </a:solidFill>
-                <a:latin typeface=" SourceCodePro-Light" panose="020B0509030403020204" pitchFamily="49" charset="77"/>
-              </a:rPr>
-              <a:t>filter</a:t>
-            </a:r>
-            <a:r>
-              <a:rPr lang="en-US" dirty="0">
-                <a:solidFill>
-                  <a:srgbClr val="000000"/>
-                </a:solidFill>
-                <a:latin typeface=" SourceCodePro-Light" panose="020B0509030403020204" pitchFamily="49" charset="77"/>
-              </a:rPr>
-              <a:t>(</a:t>
-            </a:r>
-            <a:r>
-              <a:rPr lang="en-US" dirty="0">
-                <a:solidFill>
-                  <a:srgbClr val="001080"/>
-                </a:solidFill>
-                <a:latin typeface=" SourceCodePro-Light" panose="020B0509030403020204" pitchFamily="49" charset="77"/>
-              </a:rPr>
-              <a:t>function</a:t>
-            </a:r>
-            <a:r>
-              <a:rPr lang="en-US" dirty="0">
-                <a:solidFill>
-                  <a:srgbClr val="000000"/>
-                </a:solidFill>
-                <a:latin typeface=" SourceCodePro-Light" panose="020B0509030403020204" pitchFamily="49" charset="77"/>
-              </a:rPr>
-              <a:t>, </a:t>
-            </a:r>
-            <a:r>
-              <a:rPr lang="en-US" dirty="0">
-                <a:solidFill>
-                  <a:srgbClr val="001080"/>
-                </a:solidFill>
-                <a:latin typeface=" SourceCodePro-Light" panose="020B0509030403020204" pitchFamily="49" charset="77"/>
-              </a:rPr>
-              <a:t>sequence</a:t>
-            </a:r>
-            <a:r>
-              <a:rPr lang="en-US" dirty="0">
-                <a:solidFill>
-                  <a:srgbClr val="000000"/>
-                </a:solidFill>
-                <a:latin typeface=" SourceCodePro-Light" panose="020B0509030403020204" pitchFamily="49" charset="77"/>
-              </a:rPr>
-              <a:t>):</a:t>
-            </a:r>
-          </a:p>
-          <a:p>
-            <a:r>
-              <a:rPr lang="en-US" dirty="0">
-                <a:solidFill>
-                  <a:srgbClr val="AF00DB"/>
-                </a:solidFill>
-                <a:latin typeface=" SourceCodePro-Light" panose="020B0509030403020204" pitchFamily="49" charset="77"/>
-              </a:rPr>
-              <a:t>    return</a:t>
-            </a:r>
-            <a:r>
-              <a:rPr lang="en-US" dirty="0">
-                <a:solidFill>
-                  <a:srgbClr val="000000"/>
-                </a:solidFill>
-                <a:latin typeface=" SourceCodePro-Light" panose="020B0509030403020204" pitchFamily="49" charset="77"/>
-              </a:rPr>
-              <a:t> [ item </a:t>
-            </a:r>
-            <a:r>
-              <a:rPr lang="en-US" dirty="0">
-                <a:solidFill>
-                  <a:srgbClr val="AF00DB"/>
-                </a:solidFill>
-                <a:latin typeface=" SourceCodePro-Light" panose="020B0509030403020204" pitchFamily="49" charset="77"/>
-              </a:rPr>
-              <a:t>for</a:t>
-            </a:r>
-            <a:r>
-              <a:rPr lang="en-US" dirty="0">
-                <a:solidFill>
-                  <a:srgbClr val="000000"/>
-                </a:solidFill>
-                <a:latin typeface=" SourceCodePro-Light" panose="020B0509030403020204" pitchFamily="49" charset="77"/>
-              </a:rPr>
-              <a:t> item </a:t>
-            </a:r>
-            <a:r>
-              <a:rPr lang="en-US" dirty="0">
-                <a:solidFill>
-                  <a:srgbClr val="0000FF"/>
-                </a:solidFill>
-                <a:latin typeface=" SourceCodePro-Light" panose="020B0509030403020204" pitchFamily="49" charset="77"/>
-              </a:rPr>
-              <a:t>in</a:t>
-            </a:r>
-            <a:r>
-              <a:rPr lang="en-US" dirty="0">
-                <a:solidFill>
-                  <a:srgbClr val="000000"/>
-                </a:solidFill>
-                <a:latin typeface=" SourceCodePro-Light" panose="020B0509030403020204" pitchFamily="49" charset="77"/>
-              </a:rPr>
-              <a:t> sequence </a:t>
-            </a:r>
-            <a:r>
-              <a:rPr lang="en-US" dirty="0">
-                <a:solidFill>
-                  <a:srgbClr val="AF00DB"/>
-                </a:solidFill>
-                <a:latin typeface=" SourceCodePro-Light" panose="020B0509030403020204" pitchFamily="49" charset="77"/>
-              </a:rPr>
-              <a:t>if</a:t>
-            </a:r>
-            <a:r>
-              <a:rPr lang="en-US" dirty="0">
-                <a:solidFill>
-                  <a:srgbClr val="000000"/>
-                </a:solidFill>
-                <a:latin typeface=" SourceCodePro-Light" panose="020B0509030403020204" pitchFamily="49" charset="77"/>
-              </a:rPr>
-              <a:t> function(item) ]</a:t>
-            </a:r>
-          </a:p>
-          <a:p>
-            <a:br>
-              <a:rPr lang="en-US" dirty="0">
-                <a:solidFill>
-                  <a:srgbClr val="000000"/>
-                </a:solidFill>
-                <a:latin typeface=" SourceCodePro-Light" panose="020B0509030403020204" pitchFamily="49" charset="77"/>
-              </a:rPr>
-            </a:br>
-            <a:endParaRPr lang="en-US" dirty="0">
-              <a:solidFill>
-                <a:srgbClr val="000000"/>
-              </a:solidFill>
-              <a:latin typeface=" SourceCodePro-Light" panose="020B0509030403020204" pitchFamily="49" charset="77"/>
-            </a:endParaRPr>
-          </a:p>
-        </p:txBody>
-      </p:sp>
     </p:spTree>
     <p:extLst>
       <p:ext uri="{BB962C8B-B14F-4D97-AF65-F5344CB8AC3E}">
-        <p14:creationId xmlns:p14="http://schemas.microsoft.com/office/powerpoint/2010/main" val="3062258734"/>
+        <p14:creationId xmlns:p14="http://schemas.microsoft.com/office/powerpoint/2010/main" val="169501304"/>
       </p:ext>
     </p:extLst>
   </p:cSld>
@@ -13697,7 +12985,7 @@
           <p:cNvPr id="2" name="Title 1">
             <a:extLst>
               <a:ext uri="{FF2B5EF4-FFF2-40B4-BE49-F238E27FC236}">
-                <a16:creationId xmlns:a16="http://schemas.microsoft.com/office/drawing/2014/main" id="{0BB61CF6-E75A-F049-BC84-985FBDA000BE}"/>
+                <a16:creationId xmlns:a16="http://schemas.microsoft.com/office/drawing/2014/main" id="{AD95F21E-904C-8B3E-6E14-665385758533}"/>
               </a:ext>
             </a:extLst>
           </p:cNvPr>
@@ -13705,7 +12993,7 @@
             <a:spLocks noGrp="1"/>
           </p:cNvSpPr>
           <p:nvPr>
-            <p:ph type="ctrTitle"/>
+            <p:ph type="title"/>
           </p:nvPr>
         </p:nvSpPr>
         <p:spPr/>
@@ -13715,17 +13003,17 @@
           <a:p>
             <a:r>
               <a:rPr lang="en-US" dirty="0"/>
-              <a:t>List Comprehensions</a:t>
+              <a:t>Computing In the News</a:t>
             </a:r>
           </a:p>
         </p:txBody>
       </p:sp>
       <p:sp>
         <p:nvSpPr>
-          <p:cNvPr id="5" name="Subtitle 4">
+          <p:cNvPr id="3" name="Content Placeholder 2">
             <a:extLst>
               <a:ext uri="{FF2B5EF4-FFF2-40B4-BE49-F238E27FC236}">
-                <a16:creationId xmlns:a16="http://schemas.microsoft.com/office/drawing/2014/main" id="{2240BFF0-18C1-CB42-A1F0-2C80E4A500FE}"/>
+                <a16:creationId xmlns:a16="http://schemas.microsoft.com/office/drawing/2014/main" id="{AA95EA81-339E-70B4-3008-2315FA2D8B0D}"/>
               </a:ext>
             </a:extLst>
           </p:cNvPr>
@@ -13733,55 +13021,235 @@
             <a:spLocks noGrp="1"/>
           </p:cNvSpPr>
           <p:nvPr>
-            <p:ph type="subTitle" idx="1"/>
+            <p:ph idx="1"/>
           </p:nvPr>
         </p:nvSpPr>
-        <p:spPr/>
+        <p:spPr>
+          <a:xfrm>
+            <a:off x="533400" y="1066800"/>
+            <a:ext cx="8699810" cy="5334000"/>
+          </a:xfrm>
+        </p:spPr>
         <p:txBody>
           <a:bodyPr/>
           <a:lstStyle/>
           <a:p>
-            <a:endParaRPr lang="en-US"/>
+            <a:pPr marL="0" indent="0">
+              <a:buNone/>
+            </a:pPr>
+            <a:r>
+              <a:rPr lang="en-US" sz="2200" b="1" i="0" u="none" strike="noStrike" dirty="0">
+                <a:solidFill>
+                  <a:srgbClr val="005985"/>
+                </a:solidFill>
+                <a:effectLst/>
+                <a:latin typeface="verdana" panose="020B0604030504040204" pitchFamily="34" charset="0"/>
+                <a:hlinkClick r:id="rId2"/>
+              </a:rPr>
+              <a:t>Chinese Game Company Appoints Humanoid Robot as CEO</a:t>
+            </a:r>
+            <a:r>
+              <a:rPr lang="en-US" sz="2200" b="0" i="0" u="none" strike="noStrike" dirty="0">
+                <a:solidFill>
+                  <a:srgbClr val="005985"/>
+                </a:solidFill>
+                <a:effectLst/>
+                <a:latin typeface="verdana" panose="020B0604030504040204" pitchFamily="34" charset="0"/>
+                <a:hlinkClick r:id="rId2"/>
+              </a:rPr>
+              <a:t>  </a:t>
+            </a:r>
+            <a:r>
+              <a:rPr lang="en-US" sz="2200" b="1" i="1" u="none" strike="noStrike" dirty="0">
+                <a:solidFill>
+                  <a:srgbClr val="030303"/>
+                </a:solidFill>
+                <a:effectLst/>
+                <a:latin typeface="verdana" panose="020B0604030504040204" pitchFamily="34" charset="0"/>
+                <a:hlinkClick r:id="rId2"/>
+              </a:rPr>
+              <a:t>Interesting Engineering</a:t>
+            </a:r>
+            <a:br>
+              <a:rPr lang="en-US" sz="2200" b="0" i="1" u="none" strike="noStrike" dirty="0">
+                <a:solidFill>
+                  <a:srgbClr val="666666"/>
+                </a:solidFill>
+                <a:effectLst/>
+                <a:latin typeface="verdana" panose="020B0604030504040204" pitchFamily="34" charset="0"/>
+              </a:rPr>
+            </a:br>
+            <a:r>
+              <a:rPr lang="en-US" sz="2200" b="0" i="1" u="none" strike="noStrike" dirty="0" err="1">
+                <a:solidFill>
+                  <a:srgbClr val="666666"/>
+                </a:solidFill>
+                <a:effectLst/>
+                <a:latin typeface="verdana" panose="020B0604030504040204" pitchFamily="34" charset="0"/>
+              </a:rPr>
+              <a:t>Nergis</a:t>
+            </a:r>
+            <a:r>
+              <a:rPr lang="en-US" sz="2200" b="0" i="1" u="none" strike="noStrike" dirty="0">
+                <a:solidFill>
+                  <a:srgbClr val="666666"/>
+                </a:solidFill>
+                <a:effectLst/>
+                <a:latin typeface="verdana" panose="020B0604030504040204" pitchFamily="34" charset="0"/>
+              </a:rPr>
+              <a:t> </a:t>
+            </a:r>
+            <a:r>
+              <a:rPr lang="en-US" sz="2200" b="0" i="1" u="none" strike="noStrike" dirty="0" err="1">
+                <a:solidFill>
+                  <a:srgbClr val="666666"/>
+                </a:solidFill>
+                <a:effectLst/>
+                <a:latin typeface="verdana" panose="020B0604030504040204" pitchFamily="34" charset="0"/>
+              </a:rPr>
+              <a:t>Firtina</a:t>
+            </a:r>
+            <a:r>
+              <a:rPr lang="en-US" sz="2200" i="1" dirty="0">
+                <a:solidFill>
+                  <a:srgbClr val="666666"/>
+                </a:solidFill>
+                <a:latin typeface="verdana" panose="020B0604030504040204" pitchFamily="34" charset="0"/>
+              </a:rPr>
+              <a:t> </a:t>
+            </a:r>
+            <a:r>
+              <a:rPr lang="en-US" sz="2200" b="0" i="1" u="none" strike="noStrike" dirty="0">
+                <a:solidFill>
+                  <a:srgbClr val="666666"/>
+                </a:solidFill>
+                <a:effectLst/>
+                <a:latin typeface="verdana" panose="020B0604030504040204" pitchFamily="34" charset="0"/>
+              </a:rPr>
+              <a:t>September 1, 2022</a:t>
+            </a:r>
+            <a:br>
+              <a:rPr lang="en-US" sz="2200" b="0" i="0" u="none" strike="noStrike" dirty="0">
+                <a:solidFill>
+                  <a:srgbClr val="030303"/>
+                </a:solidFill>
+                <a:effectLst/>
+                <a:latin typeface="verdana" panose="020B0604030504040204" pitchFamily="34" charset="0"/>
+              </a:rPr>
+            </a:br>
+            <a:br>
+              <a:rPr lang="en-US" sz="2200" b="0" i="0" u="none" strike="noStrike" dirty="0">
+                <a:solidFill>
+                  <a:srgbClr val="030303"/>
+                </a:solidFill>
+                <a:effectLst/>
+                <a:latin typeface="verdana" panose="020B0604030504040204" pitchFamily="34" charset="0"/>
+              </a:rPr>
+            </a:br>
+            <a:r>
+              <a:rPr lang="en-US" sz="2200" b="0" i="0" u="none" strike="noStrike" dirty="0">
+                <a:solidFill>
+                  <a:srgbClr val="000000"/>
+                </a:solidFill>
+                <a:effectLst/>
+                <a:latin typeface="verdana" panose="020B0604030504040204" pitchFamily="34" charset="0"/>
+              </a:rPr>
+              <a:t>Chinese mobile game company </a:t>
+            </a:r>
+            <a:r>
+              <a:rPr lang="en-US" sz="2200" b="0" i="0" u="none" strike="noStrike" dirty="0" err="1">
+                <a:solidFill>
+                  <a:srgbClr val="000000"/>
+                </a:solidFill>
+                <a:effectLst/>
+                <a:latin typeface="verdana" panose="020B0604030504040204" pitchFamily="34" charset="0"/>
+              </a:rPr>
+              <a:t>NetDragon</a:t>
+            </a:r>
+            <a:r>
+              <a:rPr lang="en-US" sz="2200" b="0" i="0" u="none" strike="noStrike" dirty="0">
+                <a:solidFill>
+                  <a:srgbClr val="000000"/>
+                </a:solidFill>
+                <a:effectLst/>
+                <a:latin typeface="verdana" panose="020B0604030504040204" pitchFamily="34" charset="0"/>
+              </a:rPr>
+              <a:t> </a:t>
+            </a:r>
+            <a:r>
+              <a:rPr lang="en-US" sz="2200" b="0" i="0" u="none" strike="noStrike" dirty="0" err="1">
+                <a:solidFill>
+                  <a:srgbClr val="000000"/>
+                </a:solidFill>
+                <a:effectLst/>
+                <a:latin typeface="verdana" panose="020B0604030504040204" pitchFamily="34" charset="0"/>
+              </a:rPr>
+              <a:t>Websoft</a:t>
+            </a:r>
+            <a:r>
+              <a:rPr lang="en-US" sz="2200" b="0" i="0" u="none" strike="noStrike" dirty="0">
+                <a:solidFill>
+                  <a:srgbClr val="000000"/>
+                </a:solidFill>
+                <a:effectLst/>
+                <a:latin typeface="verdana" panose="020B0604030504040204" pitchFamily="34" charset="0"/>
+              </a:rPr>
+              <a:t> has appointed an artificial intelligence (AI)-supported virtual human named Tang Yu as its CEO. The company said Ms. Tang Yu will serve as a real-time data center and analytics tool for the company's board, support decision-making during daily operations, and promote a fair working environment for employees. </a:t>
+            </a:r>
+            <a:r>
+              <a:rPr lang="en-US" sz="2200" b="0" i="0" u="none" strike="noStrike" dirty="0" err="1">
+                <a:solidFill>
+                  <a:srgbClr val="000000"/>
+                </a:solidFill>
+                <a:effectLst/>
+                <a:latin typeface="verdana" panose="020B0604030504040204" pitchFamily="34" charset="0"/>
+              </a:rPr>
+              <a:t>NetDragon</a:t>
+            </a:r>
+            <a:r>
+              <a:rPr lang="en-US" sz="2200" b="0" i="0" u="none" strike="noStrike" dirty="0">
+                <a:solidFill>
+                  <a:srgbClr val="000000"/>
+                </a:solidFill>
+                <a:effectLst/>
+                <a:latin typeface="verdana" panose="020B0604030504040204" pitchFamily="34" charset="0"/>
+              </a:rPr>
+              <a:t> founder </a:t>
+            </a:r>
+            <a:r>
+              <a:rPr lang="en-US" sz="2200" b="0" i="0" u="none" strike="noStrike" dirty="0" err="1">
+                <a:solidFill>
+                  <a:srgbClr val="000000"/>
+                </a:solidFill>
+                <a:effectLst/>
+                <a:latin typeface="verdana" panose="020B0604030504040204" pitchFamily="34" charset="0"/>
+              </a:rPr>
+              <a:t>Dejian</a:t>
+            </a:r>
+            <a:r>
+              <a:rPr lang="en-US" sz="2200" b="0" i="0" u="none" strike="noStrike" dirty="0">
+                <a:solidFill>
+                  <a:srgbClr val="000000"/>
+                </a:solidFill>
+                <a:effectLst/>
+                <a:latin typeface="verdana" panose="020B0604030504040204" pitchFamily="34" charset="0"/>
+              </a:rPr>
+              <a:t> Liu said, "We believe AI is the future of corporate management, and our appointment of Ms. Tang Yu represents our commitment to truly embrace the use of AI to transform the way we operate our business and ultimately drive our future strategic growth.”</a:t>
+            </a:r>
+            <a:endParaRPr lang="en-US" sz="2200" dirty="0"/>
           </a:p>
         </p:txBody>
       </p:sp>
     </p:spTree>
     <p:extLst>
       <p:ext uri="{BB962C8B-B14F-4D97-AF65-F5344CB8AC3E}">
-        <p14:creationId xmlns:p14="http://schemas.microsoft.com/office/powerpoint/2010/main" val="1292393584"/>
+        <p14:creationId xmlns:p14="http://schemas.microsoft.com/office/powerpoint/2010/main" val="459563534"/>
       </p:ext>
     </p:extLst>
   </p:cSld>
   <p:clrMapOvr>
     <a:masterClrMapping/>
   </p:clrMapOvr>
-  <p:timing>
-    <p:tnLst>
-      <p:par>
-        <p:cTn id="1" dur="indefinite" restart="never" nodeType="tmRoot">
-          <p:childTnLst>
-            <p:seq>
-              <p:cTn id="2" nodeType="mainSeq"/>
-              <p:prevCondLst>
-                <p:cond evt="onPrev" delay="0">
-                  <p:tgtEl>
-                    <p:sldTgt/>
-                  </p:tgtEl>
-                </p:cond>
-              </p:prevCondLst>
-              <p:nextCondLst>
-                <p:cond evt="onNext" delay="0">
-                  <p:tgtEl>
-                    <p:sldTgt/>
-                  </p:tgtEl>
-                </p:cond>
-              </p:nextCondLst>
-            </p:seq>
-          </p:childTnLst>
-        </p:cTn>
-      </p:par>
-    </p:tnLst>
-  </p:timing>
 </p:sld>
 </file>
 
@@ -13843,7 +13311,7 @@
                 <a:latin typeface="Arial"/>
                 <a:ea typeface="Arial"/>
               </a:rPr>
-              <a:t>What does this do?</a:t>
+              <a:t>FILTER</a:t>
             </a:r>
             <a:endParaRPr lang="en-US" sz="1400" spc="-1" dirty="0">
               <a:solidFill>
@@ -13912,7 +13380,7 @@
                 <a:latin typeface="Source Code Pro" panose="020B0509030403020204" pitchFamily="49" charset="77"/>
                 <a:ea typeface="Courier New"/>
               </a:rPr>
-              <a:t>list(filter(</a:t>
+              <a:t>list(filter(function, </a:t>
             </a:r>
             <a:r>
               <a:rPr lang="en-US" sz="2400" spc="-1" dirty="0" err="1">
@@ -13927,7 +13395,7 @@
                 <a:latin typeface="Source Code Pro" panose="020B0509030403020204" pitchFamily="49" charset="77"/>
                 <a:ea typeface="Courier New"/>
               </a:rPr>
-              <a:t>return_false</a:t>
+              <a:t>list_of_inputs</a:t>
             </a:r>
             <a:r>
               <a:rPr lang="en-US" sz="2400" spc="-1" dirty="0">
@@ -13942,131 +13410,7 @@
                 <a:latin typeface="Source Code Pro" panose="020B0509030403020204" pitchFamily="49" charset="77"/>
                 <a:ea typeface="Courier New"/>
               </a:rPr>
-              <a:t>, </a:t>
-            </a:r>
-            <a:br>
-              <a:rPr lang="en-US" sz="2400" spc="-1" dirty="0">
-                <a:solidFill>
-                  <a:srgbClr val="000000"/>
-                </a:solidFill>
-                <a:uFill>
-                  <a:solidFill>
-                    <a:srgbClr val="FFFFFF"/>
-                  </a:solidFill>
-                </a:uFill>
-                <a:latin typeface="Source Code Pro" panose="020B0509030403020204" pitchFamily="49" charset="77"/>
-                <a:ea typeface="Courier New"/>
-              </a:rPr>
-            </a:br>
-            <a:r>
-              <a:rPr lang="en-US" sz="2400" spc="-1" dirty="0">
-                <a:solidFill>
-                  <a:srgbClr val="000000"/>
-                </a:solidFill>
-                <a:uFill>
-                  <a:solidFill>
-                    <a:srgbClr val="FFFFFF"/>
-                  </a:solidFill>
-                </a:uFill>
-                <a:latin typeface="Source Code Pro" panose="020B0509030403020204" pitchFamily="49" charset="77"/>
-                <a:ea typeface="Courier New"/>
-              </a:rPr>
-              <a:t>    range(100) </a:t>
-            </a:r>
-          </a:p>
-          <a:p>
-            <a:pPr>
-              <a:lnSpc>
-                <a:spcPct val="100000"/>
-              </a:lnSpc>
-            </a:pPr>
-            <a:r>
-              <a:rPr lang="en-US" sz="2400" spc="-1" dirty="0">
-                <a:solidFill>
-                  <a:srgbClr val="000000"/>
-                </a:solidFill>
-                <a:uFill>
-                  <a:solidFill>
-                    <a:srgbClr val="FFFFFF"/>
-                  </a:solidFill>
-                </a:uFill>
-                <a:latin typeface="Source Code Pro" panose="020B0509030403020204" pitchFamily="49" charset="77"/>
-                <a:ea typeface="Courier New"/>
-              </a:rPr>
               <a:t>))</a:t>
-            </a:r>
-            <a:br>
-              <a:rPr lang="en-US" sz="2400" spc="-1" dirty="0">
-                <a:solidFill>
-                  <a:srgbClr val="000000"/>
-                </a:solidFill>
-                <a:uFill>
-                  <a:solidFill>
-                    <a:srgbClr val="FFFFFF"/>
-                  </a:solidFill>
-                </a:uFill>
-                <a:latin typeface="Source Code Pro" panose="020B0509030403020204" pitchFamily="49" charset="77"/>
-                <a:ea typeface="Courier New"/>
-              </a:rPr>
-            </a:br>
-            <a:br>
-              <a:rPr lang="en-US" sz="2400" spc="-1" dirty="0">
-                <a:solidFill>
-                  <a:srgbClr val="000000"/>
-                </a:solidFill>
-                <a:uFill>
-                  <a:solidFill>
-                    <a:srgbClr val="FFFFFF"/>
-                  </a:solidFill>
-                </a:uFill>
-                <a:latin typeface="Source Code Pro" panose="020B0509030403020204" pitchFamily="49" charset="77"/>
-                <a:ea typeface="Courier New"/>
-              </a:rPr>
-            </a:br>
-            <a:r>
-              <a:rPr lang="en-US" sz="2400" spc="-1" dirty="0">
-                <a:solidFill>
-                  <a:srgbClr val="000000"/>
-                </a:solidFill>
-                <a:uFill>
-                  <a:solidFill>
-                    <a:srgbClr val="FFFFFF"/>
-                  </a:solidFill>
-                </a:uFill>
-                <a:latin typeface="Source Code Pro" panose="020B0509030403020204" pitchFamily="49" charset="77"/>
-                <a:ea typeface="Courier New"/>
-              </a:rPr>
-              <a:t>Assume </a:t>
-            </a:r>
-            <a:r>
-              <a:rPr lang="en-US" sz="2400" spc="-1" dirty="0" err="1">
-                <a:solidFill>
-                  <a:srgbClr val="000000"/>
-                </a:solidFill>
-                <a:uFill>
-                  <a:solidFill>
-                    <a:srgbClr val="FFFFFF"/>
-                  </a:solidFill>
-                </a:uFill>
-                <a:latin typeface="Source Code Pro" panose="020B0509030403020204" pitchFamily="49" charset="77"/>
-                <a:ea typeface="Courier New"/>
-              </a:rPr>
-              <a:t>return_false</a:t>
-            </a:r>
-            <a:r>
-              <a:rPr lang="en-US" sz="2400" spc="-1" dirty="0">
-                <a:solidFill>
-                  <a:srgbClr val="000000"/>
-                </a:solidFill>
-                <a:uFill>
-                  <a:solidFill>
-                    <a:srgbClr val="FFFFFF"/>
-                  </a:solidFill>
-                </a:uFill>
-                <a:latin typeface="Source Code Pro" panose="020B0509030403020204" pitchFamily="49" charset="77"/>
-                <a:ea typeface="Courier New"/>
-              </a:rPr>
-              <a:t>(42) == False</a:t>
             </a:r>
             <a:endParaRPr lang="en-US" sz="2400" spc="-1" dirty="0">
               <a:solidFill>
@@ -14090,8 +13434,8 @@
         </p:nvSpPr>
         <p:spPr>
           <a:xfrm>
-            <a:off x="1782792" y="3333775"/>
-            <a:ext cx="8807570" cy="3177370"/>
+            <a:off x="2286120" y="1634375"/>
+            <a:ext cx="6910920" cy="3177370"/>
           </a:xfrm>
           <a:prstGeom prst="rect">
             <a:avLst/>
@@ -14123,7 +13467,7 @@
               </a:lnSpc>
             </a:pPr>
             <a:r>
-              <a:rPr lang="en-US" sz="2600" spc="-1" dirty="0">
+              <a:rPr lang="en-US" sz="2800" spc="-1" dirty="0">
                 <a:solidFill>
                   <a:srgbClr val="000000"/>
                 </a:solidFill>
@@ -14135,24 +13479,9 @@
                 <a:latin typeface="Arial"/>
                 <a:ea typeface="Arial"/>
               </a:rPr>
-              <a:t>A) </a:t>
-            </a:r>
-            <a:r>
-              <a:rPr lang="en-US" sz="2600" spc="-1" dirty="0">
-                <a:solidFill>
-                  <a:srgbClr val="000000"/>
-                </a:solidFill>
-                <a:uFill>
-                  <a:solidFill>
-                    <a:srgbClr val="FFFFFF"/>
-                  </a:solidFill>
-                </a:uFill>
-                <a:latin typeface="Source Code Pro" panose="020B0509030403020204" pitchFamily="49" charset="77"/>
-                <a:ea typeface="Courier New"/>
-              </a:rPr>
-              <a:t>range(0, 100) # A standard range object</a:t>
-            </a:r>
-            <a:endParaRPr lang="en-US" sz="2600" spc="-1" dirty="0">
+              <a:t>*Keeps* each of item where the function is true.</a:t>
+            </a:r>
+            <a:endParaRPr lang="en-US" sz="2800" spc="-1" dirty="0">
               <a:solidFill>
                 <a:srgbClr val="000000"/>
               </a:solidFill>
@@ -14161,7 +13490,6 @@
                   <a:srgbClr val="FFFFFF"/>
                 </a:solidFill>
               </a:uFill>
-              <a:latin typeface="Arial"/>
               <a:ea typeface="Arial"/>
             </a:endParaRPr>
           </a:p>
@@ -14172,7 +13500,7 @@
               </a:lnSpc>
             </a:pPr>
             <a:r>
-              <a:rPr lang="en-US" sz="2600" spc="-1" dirty="0">
+              <a:rPr lang="en-US" sz="2800" spc="-1" dirty="0">
                 <a:solidFill>
                   <a:srgbClr val="000000"/>
                 </a:solidFill>
@@ -14182,35 +13510,57 @@
                   </a:solidFill>
                 </a:uFill>
                 <a:latin typeface="Arial"/>
-              </a:rPr>
-              <a:t>B) </a:t>
-            </a:r>
-            <a:r>
-              <a:rPr lang="en-US" sz="2600" spc="-1" dirty="0">
-                <a:solidFill>
-                  <a:srgbClr val="000000"/>
-                </a:solidFill>
-                <a:uFill>
-                  <a:solidFill>
-                    <a:srgbClr val="FFFFFF"/>
-                  </a:solidFill>
-                </a:uFill>
-                <a:latin typeface="Source Code Pro" panose="020B0509030403020204" pitchFamily="49" charset="77"/>
-                <a:ea typeface="Courier New"/>
-              </a:rPr>
-              <a:t>[0, 1, 2, … 96, 97, 98, 99]</a:t>
-            </a:r>
-            <a:endParaRPr lang="en-US" sz="2600" spc="-1" dirty="0">
-              <a:solidFill>
-                <a:srgbClr val="000000"/>
-              </a:solidFill>
-              <a:uFill>
-                <a:solidFill>
-                  <a:srgbClr val="FFFFFF"/>
-                </a:solidFill>
-              </a:uFill>
-              <a:latin typeface="Arial"/>
-            </a:endParaRPr>
+                <a:ea typeface="Arial"/>
+              </a:rPr>
+              <a:t>Inputs</a:t>
+            </a:r>
+            <a:r>
+              <a:rPr lang="en-US" sz="2800" spc="-1" dirty="0">
+                <a:solidFill>
+                  <a:srgbClr val="000000"/>
+                </a:solidFill>
+                <a:uFill>
+                  <a:solidFill>
+                    <a:srgbClr val="FFFFFF"/>
+                  </a:solidFill>
+                </a:uFill>
+                <a:latin typeface="Arial"/>
+                <a:ea typeface="Arial"/>
+                <a:sym typeface="Wingdings" pitchFamily="2" charset="2"/>
+              </a:rPr>
+              <a:t> (Domain):</a:t>
+            </a:r>
+            <a:br>
+              <a:rPr lang="en-US" sz="2800" spc="-1" dirty="0">
+                <a:solidFill>
+                  <a:srgbClr val="000000"/>
+                </a:solidFill>
+                <a:uFill>
+                  <a:solidFill>
+                    <a:srgbClr val="FFFFFF"/>
+                  </a:solidFill>
+                </a:uFill>
+                <a:latin typeface="Arial"/>
+                <a:ea typeface="Arial"/>
+                <a:sym typeface="Wingdings" pitchFamily="2" charset="2"/>
+              </a:rPr>
+            </a:br>
+            <a:r>
+              <a:rPr lang="en-US" sz="2800" spc="-1" dirty="0">
+                <a:solidFill>
+                  <a:srgbClr val="000000"/>
+                </a:solidFill>
+                <a:uFill>
+                  <a:solidFill>
+                    <a:srgbClr val="FFFFFF"/>
+                  </a:solidFill>
+                </a:uFill>
+                <a:latin typeface="Arial"/>
+                <a:ea typeface="Arial"/>
+                <a:sym typeface="Wingdings" pitchFamily="2" charset="2"/>
+              </a:rPr>
+              <a:t>	• Function</a:t>
+            </a:r>
           </a:p>
           <a:p>
             <a:pPr>
@@ -14219,7 +13569,7 @@
               </a:lnSpc>
             </a:pPr>
             <a:r>
-              <a:rPr lang="en-US" sz="2600" spc="-1" dirty="0">
+              <a:rPr lang="en-US" sz="2800" spc="-1" dirty="0">
                 <a:solidFill>
                   <a:srgbClr val="000000"/>
                 </a:solidFill>
@@ -14229,8 +13579,41 @@
                   </a:solidFill>
                 </a:uFill>
                 <a:latin typeface="Arial"/>
-              </a:rPr>
-              <a:t>C) [ ]</a:t>
+                <a:ea typeface="Arial"/>
+                <a:sym typeface="Wingdings" pitchFamily="2" charset="2"/>
+              </a:rPr>
+              <a:t>	• Sequence</a:t>
+            </a:r>
+            <a:br>
+              <a:rPr lang="en-US" sz="2800" spc="-1" dirty="0">
+                <a:solidFill>
+                  <a:srgbClr val="000000"/>
+                </a:solidFill>
+                <a:uFill>
+                  <a:solidFill>
+                    <a:srgbClr val="FFFFFF"/>
+                  </a:solidFill>
+                </a:uFill>
+                <a:latin typeface="Arial"/>
+                <a:ea typeface="Arial"/>
+                <a:sym typeface="Wingdings" pitchFamily="2" charset="2"/>
+              </a:rPr>
+            </a:br>
+            <a:r>
+              <a:rPr lang="en-US" sz="2800" spc="-1" dirty="0">
+                <a:solidFill>
+                  <a:srgbClr val="000000"/>
+                </a:solidFill>
+                <a:uFill>
+                  <a:solidFill>
+                    <a:srgbClr val="FFFFFF"/>
+                  </a:solidFill>
+                </a:uFill>
+                <a:latin typeface="Arial"/>
+                <a:ea typeface="Arial"/>
+                <a:sym typeface="Wingdings" pitchFamily="2" charset="2"/>
+              </a:rPr>
+              <a:t>Output (Range):</a:t>
             </a:r>
           </a:p>
           <a:p>
@@ -14240,7 +13623,7 @@
               </a:lnSpc>
             </a:pPr>
             <a:r>
-              <a:rPr lang="en-US" sz="2600" spc="-1" dirty="0">
+              <a:rPr lang="en-US" sz="2800" spc="-1" dirty="0">
                 <a:solidFill>
                   <a:srgbClr val="000000"/>
                 </a:solidFill>
@@ -14250,8 +13633,10 @@
                   </a:solidFill>
                 </a:uFill>
                 <a:latin typeface="Arial"/>
-              </a:rPr>
-              <a:t>D) Error</a:t>
+                <a:ea typeface="Arial"/>
+                <a:sym typeface="Wingdings" pitchFamily="2" charset="2"/>
+              </a:rPr>
+              <a:t>	• A sequence</a:t>
             </a:r>
           </a:p>
           <a:p>
@@ -14260,20 +13645,37 @@
                 <a:spcPct val="100000"/>
               </a:lnSpc>
             </a:pPr>
-            <a:r>
-              <a:rPr lang="en-US" sz="2600" spc="-1" dirty="0">
-                <a:solidFill>
-                  <a:srgbClr val="000000"/>
-                </a:solidFill>
-                <a:uFill>
-                  <a:solidFill>
-                    <a:srgbClr val="FFFFFF"/>
-                  </a:solidFill>
-                </a:uFill>
-                <a:latin typeface="Arial"/>
-              </a:rPr>
-              <a:t>E) I'm lost.</a:t>
-            </a:r>
+            <a:endParaRPr lang="en-US" sz="2800" spc="-1" dirty="0">
+              <a:solidFill>
+                <a:srgbClr val="000000"/>
+              </a:solidFill>
+              <a:uFill>
+                <a:solidFill>
+                  <a:srgbClr val="FFFFFF"/>
+                </a:solidFill>
+              </a:uFill>
+              <a:latin typeface="Arial"/>
+              <a:ea typeface="Arial"/>
+              <a:sym typeface="Wingdings" pitchFamily="2" charset="2"/>
+            </a:endParaRPr>
+          </a:p>
+          <a:p>
+            <a:pPr>
+              <a:lnSpc>
+                <a:spcPct val="100000"/>
+              </a:lnSpc>
+            </a:pPr>
+            <a:endParaRPr lang="en-US" spc="-1" dirty="0">
+              <a:solidFill>
+                <a:srgbClr val="000000"/>
+              </a:solidFill>
+              <a:uFill>
+                <a:solidFill>
+                  <a:srgbClr val="FFFFFF"/>
+                </a:solidFill>
+              </a:uFill>
+              <a:latin typeface="Arial"/>
+            </a:endParaRPr>
           </a:p>
         </p:txBody>
       </p:sp>
@@ -14460,10 +13862,239 @@
           </a:p>
         </p:txBody>
       </p:sp>
+      <p:sp>
+        <p:nvSpPr>
+          <p:cNvPr id="181" name="TextShape 11"/>
+          <p:cNvSpPr txBox="1"/>
+          <p:nvPr/>
+        </p:nvSpPr>
+        <p:spPr>
+          <a:xfrm>
+            <a:off x="2281080" y="5012456"/>
+            <a:ext cx="7171560" cy="602280"/>
+          </a:xfrm>
+          <a:prstGeom prst="rect">
+            <a:avLst/>
+          </a:prstGeom>
+          <a:noFill/>
+          <a:ln>
+            <a:noFill/>
+          </a:ln>
+        </p:spPr>
+        <p:txBody>
+          <a:bodyPr lIns="90000" tIns="45000" rIns="90000" bIns="45000"/>
+          <a:lstStyle/>
+          <a:p>
+            <a:endParaRPr lang="en-US" spc="-1" dirty="0">
+              <a:solidFill>
+                <a:srgbClr val="000000"/>
+              </a:solidFill>
+              <a:uFill>
+                <a:solidFill>
+                  <a:srgbClr val="FFFFFF"/>
+                </a:solidFill>
+              </a:uFill>
+              <a:latin typeface="Arial"/>
+            </a:endParaRPr>
+          </a:p>
+        </p:txBody>
+      </p:sp>
+      <p:sp>
+        <p:nvSpPr>
+          <p:cNvPr id="2" name="Rectangle 1">
+            <a:extLst>
+              <a:ext uri="{FF2B5EF4-FFF2-40B4-BE49-F238E27FC236}">
+                <a16:creationId xmlns:a16="http://schemas.microsoft.com/office/drawing/2014/main" id="{D2751185-0159-7645-BAEC-59FF9A798C28}"/>
+              </a:ext>
+            </a:extLst>
+          </p:cNvPr>
+          <p:cNvSpPr/>
+          <p:nvPr/>
+        </p:nvSpPr>
+        <p:spPr>
+          <a:xfrm>
+            <a:off x="2025804" y="4697556"/>
+            <a:ext cx="8372520" cy="1200329"/>
+          </a:xfrm>
+          <a:prstGeom prst="rect">
+            <a:avLst/>
+          </a:prstGeom>
+        </p:spPr>
+        <p:txBody>
+          <a:bodyPr wrap="square">
+            <a:spAutoFit/>
+          </a:bodyPr>
+          <a:lstStyle/>
+          <a:p>
+            <a:r>
+              <a:rPr lang="en-US" dirty="0">
+                <a:solidFill>
+                  <a:srgbClr val="0000FF"/>
+                </a:solidFill>
+                <a:latin typeface=" SourceCodePro-Light" panose="020B0509030403020204" pitchFamily="49" charset="77"/>
+              </a:rPr>
+              <a:t>def</a:t>
+            </a:r>
+            <a:r>
+              <a:rPr lang="en-US" dirty="0">
+                <a:solidFill>
+                  <a:srgbClr val="000000"/>
+                </a:solidFill>
+                <a:latin typeface=" SourceCodePro-Light" panose="020B0509030403020204" pitchFamily="49" charset="77"/>
+              </a:rPr>
+              <a:t> </a:t>
+            </a:r>
+            <a:r>
+              <a:rPr lang="en-US" dirty="0">
+                <a:solidFill>
+                  <a:srgbClr val="795E26"/>
+                </a:solidFill>
+                <a:latin typeface=" SourceCodePro-Light" panose="020B0509030403020204" pitchFamily="49" charset="77"/>
+              </a:rPr>
+              <a:t>filter</a:t>
+            </a:r>
+            <a:r>
+              <a:rPr lang="en-US" dirty="0">
+                <a:solidFill>
+                  <a:srgbClr val="000000"/>
+                </a:solidFill>
+                <a:latin typeface=" SourceCodePro-Light" panose="020B0509030403020204" pitchFamily="49" charset="77"/>
+              </a:rPr>
+              <a:t>(</a:t>
+            </a:r>
+            <a:r>
+              <a:rPr lang="en-US" dirty="0">
+                <a:solidFill>
+                  <a:srgbClr val="001080"/>
+                </a:solidFill>
+                <a:latin typeface=" SourceCodePro-Light" panose="020B0509030403020204" pitchFamily="49" charset="77"/>
+              </a:rPr>
+              <a:t>function</a:t>
+            </a:r>
+            <a:r>
+              <a:rPr lang="en-US" dirty="0">
+                <a:solidFill>
+                  <a:srgbClr val="000000"/>
+                </a:solidFill>
+                <a:latin typeface=" SourceCodePro-Light" panose="020B0509030403020204" pitchFamily="49" charset="77"/>
+              </a:rPr>
+              <a:t>, </a:t>
+            </a:r>
+            <a:r>
+              <a:rPr lang="en-US" dirty="0">
+                <a:solidFill>
+                  <a:srgbClr val="001080"/>
+                </a:solidFill>
+                <a:latin typeface=" SourceCodePro-Light" panose="020B0509030403020204" pitchFamily="49" charset="77"/>
+              </a:rPr>
+              <a:t>sequence</a:t>
+            </a:r>
+            <a:r>
+              <a:rPr lang="en-US" dirty="0">
+                <a:solidFill>
+                  <a:srgbClr val="000000"/>
+                </a:solidFill>
+                <a:latin typeface=" SourceCodePro-Light" panose="020B0509030403020204" pitchFamily="49" charset="77"/>
+              </a:rPr>
+              <a:t>):</a:t>
+            </a:r>
+          </a:p>
+          <a:p>
+            <a:r>
+              <a:rPr lang="en-US" dirty="0">
+                <a:solidFill>
+                  <a:srgbClr val="AF00DB"/>
+                </a:solidFill>
+                <a:latin typeface=" SourceCodePro-Light" panose="020B0509030403020204" pitchFamily="49" charset="77"/>
+              </a:rPr>
+              <a:t>    return</a:t>
+            </a:r>
+            <a:r>
+              <a:rPr lang="en-US" dirty="0">
+                <a:solidFill>
+                  <a:srgbClr val="000000"/>
+                </a:solidFill>
+                <a:latin typeface=" SourceCodePro-Light" panose="020B0509030403020204" pitchFamily="49" charset="77"/>
+              </a:rPr>
+              <a:t> [ item </a:t>
+            </a:r>
+            <a:r>
+              <a:rPr lang="en-US" dirty="0">
+                <a:solidFill>
+                  <a:srgbClr val="AF00DB"/>
+                </a:solidFill>
+                <a:latin typeface=" SourceCodePro-Light" panose="020B0509030403020204" pitchFamily="49" charset="77"/>
+              </a:rPr>
+              <a:t>for</a:t>
+            </a:r>
+            <a:r>
+              <a:rPr lang="en-US" dirty="0">
+                <a:solidFill>
+                  <a:srgbClr val="000000"/>
+                </a:solidFill>
+                <a:latin typeface=" SourceCodePro-Light" panose="020B0509030403020204" pitchFamily="49" charset="77"/>
+              </a:rPr>
+              <a:t> item </a:t>
+            </a:r>
+            <a:r>
+              <a:rPr lang="en-US" dirty="0">
+                <a:solidFill>
+                  <a:srgbClr val="0000FF"/>
+                </a:solidFill>
+                <a:latin typeface=" SourceCodePro-Light" panose="020B0509030403020204" pitchFamily="49" charset="77"/>
+              </a:rPr>
+              <a:t>in</a:t>
+            </a:r>
+            <a:r>
+              <a:rPr lang="en-US" dirty="0">
+                <a:solidFill>
+                  <a:srgbClr val="000000"/>
+                </a:solidFill>
+                <a:latin typeface=" SourceCodePro-Light" panose="020B0509030403020204" pitchFamily="49" charset="77"/>
+              </a:rPr>
+              <a:t> sequence </a:t>
+            </a:r>
+            <a:r>
+              <a:rPr lang="en-US" dirty="0">
+                <a:solidFill>
+                  <a:srgbClr val="AF00DB"/>
+                </a:solidFill>
+                <a:latin typeface=" SourceCodePro-Light" panose="020B0509030403020204" pitchFamily="49" charset="77"/>
+              </a:rPr>
+              <a:t>if</a:t>
+            </a:r>
+            <a:r>
+              <a:rPr lang="en-US" dirty="0">
+                <a:solidFill>
+                  <a:srgbClr val="000000"/>
+                </a:solidFill>
+                <a:latin typeface=" SourceCodePro-Light" panose="020B0509030403020204" pitchFamily="49" charset="77"/>
+              </a:rPr>
+              <a:t> function(item) ]</a:t>
+            </a:r>
+          </a:p>
+          <a:p>
+            <a:br>
+              <a:rPr lang="en-US" dirty="0">
+                <a:solidFill>
+                  <a:srgbClr val="000000"/>
+                </a:solidFill>
+                <a:latin typeface=" SourceCodePro-Light" panose="020B0509030403020204" pitchFamily="49" charset="77"/>
+              </a:rPr>
+            </a:br>
+            <a:endParaRPr lang="en-US" dirty="0">
+              <a:solidFill>
+                <a:srgbClr val="000000"/>
+              </a:solidFill>
+              <a:latin typeface=" SourceCodePro-Light" panose="020B0509030403020204" pitchFamily="49" charset="77"/>
+            </a:endParaRPr>
+          </a:p>
+        </p:txBody>
+      </p:sp>
     </p:spTree>
     <p:extLst>
       <p:ext uri="{BB962C8B-B14F-4D97-AF65-F5344CB8AC3E}">
-        <p14:creationId xmlns:p14="http://schemas.microsoft.com/office/powerpoint/2010/main" val="1031151941"/>
+        <p14:creationId xmlns:p14="http://schemas.microsoft.com/office/powerpoint/2010/main" val="3062258734"/>
       </p:ext>
     </p:extLst>
   </p:cSld>
@@ -14558,7 +14189,7 @@
                 <a:latin typeface="Arial"/>
                 <a:ea typeface="Arial"/>
               </a:rPr>
-              <a:t>REDUCE</a:t>
+              <a:t>What does this do?</a:t>
             </a:r>
             <a:endParaRPr lang="en-US" sz="1400" spc="-1" dirty="0">
               <a:solidFill>
@@ -14627,7 +14258,7 @@
                 <a:latin typeface="Source Code Pro" panose="020B0509030403020204" pitchFamily="49" charset="77"/>
                 <a:ea typeface="Courier New"/>
               </a:rPr>
-              <a:t>reduce(function, </a:t>
+              <a:t>list(filter(</a:t>
             </a:r>
             <a:r>
               <a:rPr lang="en-US" sz="2400" spc="-1" dirty="0" err="1">
@@ -14642,7 +14273,7 @@
                 <a:latin typeface="Source Code Pro" panose="020B0509030403020204" pitchFamily="49" charset="77"/>
                 <a:ea typeface="Courier New"/>
               </a:rPr>
-              <a:t>list_of_inputs</a:t>
+              <a:t>return_false</a:t>
             </a:r>
             <a:r>
               <a:rPr lang="en-US" sz="2400" spc="-1" dirty="0">
@@ -14657,7 +14288,131 @@
                 <a:latin typeface="Source Code Pro" panose="020B0509030403020204" pitchFamily="49" charset="77"/>
                 <a:ea typeface="Courier New"/>
               </a:rPr>
-              <a:t>)</a:t>
+              <a:t>, </a:t>
+            </a:r>
+            <a:br>
+              <a:rPr lang="en-US" sz="2400" spc="-1" dirty="0">
+                <a:solidFill>
+                  <a:srgbClr val="000000"/>
+                </a:solidFill>
+                <a:uFill>
+                  <a:solidFill>
+                    <a:srgbClr val="FFFFFF"/>
+                  </a:solidFill>
+                </a:uFill>
+                <a:latin typeface="Source Code Pro" panose="020B0509030403020204" pitchFamily="49" charset="77"/>
+                <a:ea typeface="Courier New"/>
+              </a:rPr>
+            </a:br>
+            <a:r>
+              <a:rPr lang="en-US" sz="2400" spc="-1" dirty="0">
+                <a:solidFill>
+                  <a:srgbClr val="000000"/>
+                </a:solidFill>
+                <a:uFill>
+                  <a:solidFill>
+                    <a:srgbClr val="FFFFFF"/>
+                  </a:solidFill>
+                </a:uFill>
+                <a:latin typeface="Source Code Pro" panose="020B0509030403020204" pitchFamily="49" charset="77"/>
+                <a:ea typeface="Courier New"/>
+              </a:rPr>
+              <a:t>    range(100) </a:t>
+            </a:r>
+          </a:p>
+          <a:p>
+            <a:pPr>
+              <a:lnSpc>
+                <a:spcPct val="100000"/>
+              </a:lnSpc>
+            </a:pPr>
+            <a:r>
+              <a:rPr lang="en-US" sz="2400" spc="-1" dirty="0">
+                <a:solidFill>
+                  <a:srgbClr val="000000"/>
+                </a:solidFill>
+                <a:uFill>
+                  <a:solidFill>
+                    <a:srgbClr val="FFFFFF"/>
+                  </a:solidFill>
+                </a:uFill>
+                <a:latin typeface="Source Code Pro" panose="020B0509030403020204" pitchFamily="49" charset="77"/>
+                <a:ea typeface="Courier New"/>
+              </a:rPr>
+              <a:t>))</a:t>
+            </a:r>
+            <a:br>
+              <a:rPr lang="en-US" sz="2400" spc="-1" dirty="0">
+                <a:solidFill>
+                  <a:srgbClr val="000000"/>
+                </a:solidFill>
+                <a:uFill>
+                  <a:solidFill>
+                    <a:srgbClr val="FFFFFF"/>
+                  </a:solidFill>
+                </a:uFill>
+                <a:latin typeface="Source Code Pro" panose="020B0509030403020204" pitchFamily="49" charset="77"/>
+                <a:ea typeface="Courier New"/>
+              </a:rPr>
+            </a:br>
+            <a:br>
+              <a:rPr lang="en-US" sz="2400" spc="-1" dirty="0">
+                <a:solidFill>
+                  <a:srgbClr val="000000"/>
+                </a:solidFill>
+                <a:uFill>
+                  <a:solidFill>
+                    <a:srgbClr val="FFFFFF"/>
+                  </a:solidFill>
+                </a:uFill>
+                <a:latin typeface="Source Code Pro" panose="020B0509030403020204" pitchFamily="49" charset="77"/>
+                <a:ea typeface="Courier New"/>
+              </a:rPr>
+            </a:br>
+            <a:r>
+              <a:rPr lang="en-US" sz="2400" spc="-1" dirty="0">
+                <a:solidFill>
+                  <a:srgbClr val="000000"/>
+                </a:solidFill>
+                <a:uFill>
+                  <a:solidFill>
+                    <a:srgbClr val="FFFFFF"/>
+                  </a:solidFill>
+                </a:uFill>
+                <a:latin typeface="Source Code Pro" panose="020B0509030403020204" pitchFamily="49" charset="77"/>
+                <a:ea typeface="Courier New"/>
+              </a:rPr>
+              <a:t>Assume </a:t>
+            </a:r>
+            <a:r>
+              <a:rPr lang="en-US" sz="2400" spc="-1" dirty="0" err="1">
+                <a:solidFill>
+                  <a:srgbClr val="000000"/>
+                </a:solidFill>
+                <a:uFill>
+                  <a:solidFill>
+                    <a:srgbClr val="FFFFFF"/>
+                  </a:solidFill>
+                </a:uFill>
+                <a:latin typeface="Source Code Pro" panose="020B0509030403020204" pitchFamily="49" charset="77"/>
+                <a:ea typeface="Courier New"/>
+              </a:rPr>
+              <a:t>return_false</a:t>
+            </a:r>
+            <a:r>
+              <a:rPr lang="en-US" sz="2400" spc="-1" dirty="0">
+                <a:solidFill>
+                  <a:srgbClr val="000000"/>
+                </a:solidFill>
+                <a:uFill>
+                  <a:solidFill>
+                    <a:srgbClr val="FFFFFF"/>
+                  </a:solidFill>
+                </a:uFill>
+                <a:latin typeface="Source Code Pro" panose="020B0509030403020204" pitchFamily="49" charset="77"/>
+                <a:ea typeface="Courier New"/>
+              </a:rPr>
+              <a:t>(42) == False</a:t>
             </a:r>
             <a:endParaRPr lang="en-US" sz="2400" spc="-1" dirty="0">
               <a:solidFill>
@@ -14681,8 +14436,8 @@
         </p:nvSpPr>
         <p:spPr>
           <a:xfrm>
-            <a:off x="2005548" y="1455959"/>
-            <a:ext cx="8372520" cy="3177370"/>
+            <a:off x="1782792" y="3333775"/>
+            <a:ext cx="8807570" cy="3177370"/>
           </a:xfrm>
           <a:prstGeom prst="rect">
             <a:avLst/>
@@ -14726,22 +14481,7 @@
                 <a:latin typeface="Arial"/>
                 <a:ea typeface="Arial"/>
               </a:rPr>
-              <a:t>Successively </a:t>
-            </a:r>
-            <a:r>
-              <a:rPr lang="en-US" sz="2600" b="1" spc="-1" dirty="0">
-                <a:solidFill>
-                  <a:srgbClr val="000000"/>
-                </a:solidFill>
-                <a:uFill>
-                  <a:solidFill>
-                    <a:srgbClr val="FFFFFF"/>
-                  </a:solidFill>
-                </a:uFill>
-                <a:latin typeface="Arial"/>
-                <a:ea typeface="Arial"/>
-              </a:rPr>
-              <a:t>combine </a:t>
+              <a:t>A) </a:t>
             </a:r>
             <a:r>
               <a:rPr lang="en-US" sz="2600" spc="-1" dirty="0">
@@ -14753,11 +14493,23 @@
                     <a:srgbClr val="FFFFFF"/>
                   </a:solidFill>
                 </a:uFill>
-                <a:latin typeface="Arial"/>
-                <a:ea typeface="Arial"/>
-              </a:rPr>
-              <a:t>items of our sequence</a:t>
-            </a:r>
+                <a:latin typeface="Source Code Pro" panose="020B0509030403020204" pitchFamily="49" charset="77"/>
+                <a:ea typeface="Courier New"/>
+              </a:rPr>
+              <a:t>range(0, 100) # A standard range object</a:t>
+            </a:r>
+            <a:endParaRPr lang="en-US" sz="2600" spc="-1" dirty="0">
+              <a:solidFill>
+                <a:srgbClr val="000000"/>
+              </a:solidFill>
+              <a:uFill>
+                <a:solidFill>
+                  <a:srgbClr val="FFFFFF"/>
+                </a:solidFill>
+              </a:uFill>
+              <a:latin typeface="Arial"/>
+              <a:ea typeface="Arial"/>
+            </a:endParaRPr>
           </a:p>
           <a:p>
             <a:pPr>
@@ -14776,9 +14528,23 @@
                   </a:solidFill>
                 </a:uFill>
                 <a:latin typeface="Arial"/>
-                <a:ea typeface="Arial"/>
-              </a:rPr>
-              <a:t>	• function: add(), takes 2 inputs gives us 1 value. </a:t>
+              </a:rPr>
+              <a:t>B) </a:t>
+            </a:r>
+            <a:r>
+              <a:rPr lang="en-US" sz="2600" spc="-1" dirty="0">
+                <a:solidFill>
+                  <a:srgbClr val="000000"/>
+                </a:solidFill>
+                <a:uFill>
+                  <a:solidFill>
+                    <a:srgbClr val="FFFFFF"/>
+                  </a:solidFill>
+                </a:uFill>
+                <a:latin typeface="Source Code Pro" panose="020B0509030403020204" pitchFamily="49" charset="77"/>
+                <a:ea typeface="Courier New"/>
+              </a:rPr>
+              <a:t>[0, 1, 2, … 96, 97, 98, 99]</a:t>
             </a:r>
             <a:endParaRPr lang="en-US" sz="2600" spc="-1" dirty="0">
               <a:solidFill>
@@ -14789,7 +14555,7 @@
                   <a:srgbClr val="FFFFFF"/>
                 </a:solidFill>
               </a:uFill>
-              <a:ea typeface="Arial"/>
+              <a:latin typeface="Arial"/>
             </a:endParaRPr>
           </a:p>
           <a:p>
@@ -14809,56 +14575,8 @@
                   </a:solidFill>
                 </a:uFill>
                 <a:latin typeface="Arial"/>
-                <a:ea typeface="Arial"/>
-              </a:rPr>
-              <a:t>Inputs</a:t>
-            </a:r>
-            <a:r>
-              <a:rPr lang="en-US" sz="2600" spc="-1" dirty="0">
-                <a:solidFill>
-                  <a:srgbClr val="000000"/>
-                </a:solidFill>
-                <a:uFill>
-                  <a:solidFill>
-                    <a:srgbClr val="FFFFFF"/>
-                  </a:solidFill>
-                </a:uFill>
-                <a:latin typeface="Arial"/>
-                <a:ea typeface="Arial"/>
-                <a:sym typeface="Wingdings" pitchFamily="2" charset="2"/>
-              </a:rPr>
-              <a:t> (Domain):</a:t>
-            </a:r>
-            <a:br>
-              <a:rPr lang="en-US" sz="2600" spc="-1" dirty="0">
-                <a:solidFill>
-                  <a:srgbClr val="000000"/>
-                </a:solidFill>
-                <a:uFill>
-                  <a:solidFill>
-                    <a:srgbClr val="FFFFFF"/>
-                  </a:solidFill>
-                </a:uFill>
-                <a:latin typeface="Arial"/>
-                <a:ea typeface="Arial"/>
-                <a:sym typeface="Wingdings" pitchFamily="2" charset="2"/>
-              </a:rPr>
-            </a:br>
-            <a:r>
-              <a:rPr lang="en-US" sz="2600" spc="-1" dirty="0">
-                <a:solidFill>
-                  <a:srgbClr val="000000"/>
-                </a:solidFill>
-                <a:uFill>
-                  <a:solidFill>
-                    <a:srgbClr val="FFFFFF"/>
-                  </a:solidFill>
-                </a:uFill>
-                <a:latin typeface="Arial"/>
-                <a:ea typeface="Arial"/>
-                <a:sym typeface="Wingdings" pitchFamily="2" charset="2"/>
-              </a:rPr>
-              <a:t>	• Function, with 2 inputs</a:t>
+              </a:rPr>
+              <a:t>C) [ ]</a:t>
             </a:r>
           </a:p>
           <a:p>
@@ -14878,41 +14596,8 @@
                   </a:solidFill>
                 </a:uFill>
                 <a:latin typeface="Arial"/>
-                <a:ea typeface="Arial"/>
-                <a:sym typeface="Wingdings" pitchFamily="2" charset="2"/>
-              </a:rPr>
-              <a:t>	• Sequence</a:t>
-            </a:r>
-            <a:br>
-              <a:rPr lang="en-US" sz="2600" spc="-1" dirty="0">
-                <a:solidFill>
-                  <a:srgbClr val="000000"/>
-                </a:solidFill>
-                <a:uFill>
-                  <a:solidFill>
-                    <a:srgbClr val="FFFFFF"/>
-                  </a:solidFill>
-                </a:uFill>
-                <a:latin typeface="Arial"/>
-                <a:ea typeface="Arial"/>
-                <a:sym typeface="Wingdings" pitchFamily="2" charset="2"/>
-              </a:rPr>
-            </a:br>
-            <a:r>
-              <a:rPr lang="en-US" sz="2600" spc="-1" dirty="0">
-                <a:solidFill>
-                  <a:srgbClr val="000000"/>
-                </a:solidFill>
-                <a:uFill>
-                  <a:solidFill>
-                    <a:srgbClr val="FFFFFF"/>
-                  </a:solidFill>
-                </a:uFill>
-                <a:latin typeface="Arial"/>
-                <a:ea typeface="Arial"/>
-                <a:sym typeface="Wingdings" pitchFamily="2" charset="2"/>
-              </a:rPr>
-              <a:t>Output (Range):</a:t>
+              </a:rPr>
+              <a:t>D) Error</a:t>
             </a:r>
           </a:p>
           <a:p>
@@ -14932,49 +14617,9 @@
                   </a:solidFill>
                 </a:uFill>
                 <a:latin typeface="Arial"/>
-                <a:ea typeface="Arial"/>
-                <a:sym typeface="Wingdings" pitchFamily="2" charset="2"/>
-              </a:rPr>
-              <a:t>	• An item, specifically, the output of our function.</a:t>
-            </a:r>
-          </a:p>
-          <a:p>
-            <a:pPr>
-              <a:lnSpc>
-                <a:spcPct val="100000"/>
-              </a:lnSpc>
-            </a:pPr>
-            <a:endParaRPr lang="en-US" sz="2600" spc="-1" dirty="0">
-              <a:solidFill>
-                <a:srgbClr val="000000"/>
-              </a:solidFill>
-              <a:uFill>
-                <a:solidFill>
-                  <a:srgbClr val="FFFFFF"/>
-                </a:solidFill>
-              </a:uFill>
-              <a:latin typeface="Arial"/>
-              <a:ea typeface="Arial"/>
-              <a:sym typeface="Wingdings" pitchFamily="2" charset="2"/>
-            </a:endParaRPr>
-          </a:p>
-          <a:p>
-            <a:pPr>
-              <a:lnSpc>
-                <a:spcPct val="100000"/>
-              </a:lnSpc>
-            </a:pPr>
-            <a:endParaRPr lang="en-US" sz="2600" spc="-1" dirty="0">
-              <a:solidFill>
-                <a:srgbClr val="000000"/>
-              </a:solidFill>
-              <a:uFill>
-                <a:solidFill>
-                  <a:srgbClr val="FFFFFF"/>
-                </a:solidFill>
-              </a:uFill>
-              <a:latin typeface="Arial"/>
-            </a:endParaRPr>
+              </a:rPr>
+              <a:t>E) I'm lost.</a:t>
+            </a:r>
           </a:p>
         </p:txBody>
       </p:sp>
@@ -15161,319 +14806,10 @@
           </a:p>
         </p:txBody>
       </p:sp>
-      <p:sp>
-        <p:nvSpPr>
-          <p:cNvPr id="181" name="TextShape 11"/>
-          <p:cNvSpPr txBox="1"/>
-          <p:nvPr/>
-        </p:nvSpPr>
-        <p:spPr>
-          <a:xfrm>
-            <a:off x="2281080" y="5012456"/>
-            <a:ext cx="7171560" cy="602280"/>
-          </a:xfrm>
-          <a:prstGeom prst="rect">
-            <a:avLst/>
-          </a:prstGeom>
-          <a:noFill/>
-          <a:ln>
-            <a:noFill/>
-          </a:ln>
-        </p:spPr>
-        <p:txBody>
-          <a:bodyPr lIns="90000" tIns="45000" rIns="90000" bIns="45000"/>
-          <a:lstStyle/>
-          <a:p>
-            <a:endParaRPr lang="en-US" spc="-1" dirty="0">
-              <a:solidFill>
-                <a:srgbClr val="000000"/>
-              </a:solidFill>
-              <a:uFill>
-                <a:solidFill>
-                  <a:srgbClr val="FFFFFF"/>
-                </a:solidFill>
-              </a:uFill>
-              <a:latin typeface="Arial"/>
-            </a:endParaRPr>
-          </a:p>
-        </p:txBody>
-      </p:sp>
-      <p:sp>
-        <p:nvSpPr>
-          <p:cNvPr id="4" name="Rectangle 3">
-            <a:extLst>
-              <a:ext uri="{FF2B5EF4-FFF2-40B4-BE49-F238E27FC236}">
-                <a16:creationId xmlns:a16="http://schemas.microsoft.com/office/drawing/2014/main" id="{DB3BA0DD-C671-564E-8D6D-0143E2712244}"/>
-              </a:ext>
-            </a:extLst>
-          </p:cNvPr>
-          <p:cNvSpPr/>
-          <p:nvPr/>
-        </p:nvSpPr>
-        <p:spPr>
-          <a:xfrm>
-            <a:off x="2179200" y="4493067"/>
-            <a:ext cx="8474400" cy="1477328"/>
-          </a:xfrm>
-          <a:prstGeom prst="rect">
-            <a:avLst/>
-          </a:prstGeom>
-        </p:spPr>
-        <p:txBody>
-          <a:bodyPr wrap="square">
-            <a:spAutoFit/>
-          </a:bodyPr>
-          <a:lstStyle/>
-          <a:p>
-            <a:r>
-              <a:rPr lang="en-US" dirty="0">
-                <a:solidFill>
-                  <a:srgbClr val="0000FF"/>
-                </a:solidFill>
-                <a:latin typeface=" SourceCodePro-Light" panose="020B0509030403020204" pitchFamily="49" charset="77"/>
-              </a:rPr>
-              <a:t>def</a:t>
-            </a:r>
-            <a:r>
-              <a:rPr lang="en-US" dirty="0">
-                <a:solidFill>
-                  <a:srgbClr val="000000"/>
-                </a:solidFill>
-                <a:latin typeface=" SourceCodePro-Light" panose="020B0509030403020204" pitchFamily="49" charset="77"/>
-              </a:rPr>
-              <a:t> </a:t>
-            </a:r>
-            <a:r>
-              <a:rPr lang="en-US" dirty="0">
-                <a:solidFill>
-                  <a:srgbClr val="001080"/>
-                </a:solidFill>
-                <a:latin typeface=" SourceCodePro-Light" panose="020B0509030403020204" pitchFamily="49" charset="77"/>
-              </a:rPr>
-              <a:t>reduce</a:t>
-            </a:r>
-            <a:r>
-              <a:rPr lang="en-US" dirty="0">
-                <a:solidFill>
-                  <a:srgbClr val="000000"/>
-                </a:solidFill>
-                <a:latin typeface=" SourceCodePro-Light" panose="020B0509030403020204" pitchFamily="49" charset="77"/>
-              </a:rPr>
-              <a:t>(</a:t>
-            </a:r>
-            <a:r>
-              <a:rPr lang="en-US" dirty="0">
-                <a:solidFill>
-                  <a:srgbClr val="001080"/>
-                </a:solidFill>
-                <a:latin typeface=" SourceCodePro-Light" panose="020B0509030403020204" pitchFamily="49" charset="77"/>
-              </a:rPr>
-              <a:t>function</a:t>
-            </a:r>
-            <a:r>
-              <a:rPr lang="en-US" dirty="0">
-                <a:solidFill>
-                  <a:srgbClr val="000000"/>
-                </a:solidFill>
-                <a:latin typeface=" SourceCodePro-Light" panose="020B0509030403020204" pitchFamily="49" charset="77"/>
-              </a:rPr>
-              <a:t>, </a:t>
-            </a:r>
-            <a:r>
-              <a:rPr lang="en-US" dirty="0">
-                <a:solidFill>
-                  <a:srgbClr val="001080"/>
-                </a:solidFill>
-                <a:latin typeface=" SourceCodePro-Light" panose="020B0509030403020204" pitchFamily="49" charset="77"/>
-              </a:rPr>
-              <a:t>sequence</a:t>
-            </a:r>
-            <a:r>
-              <a:rPr lang="en-US" dirty="0">
-                <a:solidFill>
-                  <a:srgbClr val="000000"/>
-                </a:solidFill>
-                <a:latin typeface=" SourceCodePro-Light" panose="020B0509030403020204" pitchFamily="49" charset="77"/>
-              </a:rPr>
-              <a:t>):</a:t>
-            </a:r>
-          </a:p>
-          <a:p>
-            <a:r>
-              <a:rPr lang="en-US" dirty="0">
-                <a:solidFill>
-                  <a:srgbClr val="000000"/>
-                </a:solidFill>
-                <a:latin typeface=" SourceCodePro-Light" panose="020B0509030403020204" pitchFamily="49" charset="77"/>
-              </a:rPr>
-              <a:t>    result = function(sequence[</a:t>
-            </a:r>
-            <a:r>
-              <a:rPr lang="en-US" dirty="0">
-                <a:solidFill>
-                  <a:srgbClr val="098658"/>
-                </a:solidFill>
-                <a:latin typeface=" SourceCodePro-Light" panose="020B0509030403020204" pitchFamily="49" charset="77"/>
-              </a:rPr>
-              <a:t>0</a:t>
-            </a:r>
-            <a:r>
-              <a:rPr lang="en-US" dirty="0">
-                <a:solidFill>
-                  <a:srgbClr val="000000"/>
-                </a:solidFill>
-                <a:latin typeface=" SourceCodePro-Light" panose="020B0509030403020204" pitchFamily="49" charset="77"/>
-              </a:rPr>
-              <a:t>], sequence[</a:t>
-            </a:r>
-            <a:r>
-              <a:rPr lang="en-US" dirty="0">
-                <a:solidFill>
-                  <a:srgbClr val="098658"/>
-                </a:solidFill>
-                <a:latin typeface=" SourceCodePro-Light" panose="020B0509030403020204" pitchFamily="49" charset="77"/>
-              </a:rPr>
-              <a:t>1</a:t>
-            </a:r>
-            <a:r>
-              <a:rPr lang="en-US" dirty="0">
-                <a:solidFill>
-                  <a:srgbClr val="000000"/>
-                </a:solidFill>
-                <a:latin typeface=" SourceCodePro-Light" panose="020B0509030403020204" pitchFamily="49" charset="77"/>
-              </a:rPr>
-              <a:t>])</a:t>
-            </a:r>
-          </a:p>
-          <a:p>
-            <a:r>
-              <a:rPr lang="en-US" dirty="0">
-                <a:solidFill>
-                  <a:srgbClr val="AF00DB"/>
-                </a:solidFill>
-                <a:latin typeface=" SourceCodePro-Light" panose="020B0509030403020204" pitchFamily="49" charset="77"/>
-              </a:rPr>
-              <a:t>    for</a:t>
-            </a:r>
-            <a:r>
-              <a:rPr lang="en-US" dirty="0">
-                <a:solidFill>
-                  <a:srgbClr val="000000"/>
-                </a:solidFill>
-                <a:latin typeface=" SourceCodePro-Light" panose="020B0509030403020204" pitchFamily="49" charset="77"/>
-              </a:rPr>
-              <a:t> index </a:t>
-            </a:r>
-            <a:r>
-              <a:rPr lang="en-US" dirty="0">
-                <a:solidFill>
-                  <a:srgbClr val="0000FF"/>
-                </a:solidFill>
-                <a:latin typeface=" SourceCodePro-Light" panose="020B0509030403020204" pitchFamily="49" charset="77"/>
-              </a:rPr>
-              <a:t>in</a:t>
-            </a:r>
-            <a:r>
-              <a:rPr lang="en-US" dirty="0">
-                <a:solidFill>
-                  <a:srgbClr val="000000"/>
-                </a:solidFill>
-                <a:latin typeface=" SourceCodePro-Light" panose="020B0509030403020204" pitchFamily="49" charset="77"/>
-              </a:rPr>
-              <a:t> </a:t>
-            </a:r>
-            <a:r>
-              <a:rPr lang="en-US" dirty="0">
-                <a:solidFill>
-                  <a:srgbClr val="795E26"/>
-                </a:solidFill>
-                <a:latin typeface=" SourceCodePro-Light" panose="020B0509030403020204" pitchFamily="49" charset="77"/>
-              </a:rPr>
-              <a:t>range</a:t>
-            </a:r>
-            <a:r>
-              <a:rPr lang="en-US" dirty="0">
-                <a:solidFill>
-                  <a:srgbClr val="000000"/>
-                </a:solidFill>
-                <a:latin typeface=" SourceCodePro-Light" panose="020B0509030403020204" pitchFamily="49" charset="77"/>
-              </a:rPr>
-              <a:t>(</a:t>
-            </a:r>
-            <a:r>
-              <a:rPr lang="en-US" dirty="0">
-                <a:solidFill>
-                  <a:srgbClr val="098658"/>
-                </a:solidFill>
-                <a:latin typeface=" SourceCodePro-Light" panose="020B0509030403020204" pitchFamily="49" charset="77"/>
-              </a:rPr>
-              <a:t>2</a:t>
-            </a:r>
-            <a:r>
-              <a:rPr lang="en-US" dirty="0">
-                <a:solidFill>
-                  <a:srgbClr val="000000"/>
-                </a:solidFill>
-                <a:latin typeface=" SourceCodePro-Light" panose="020B0509030403020204" pitchFamily="49" charset="77"/>
-              </a:rPr>
-              <a:t>, </a:t>
-            </a:r>
-            <a:r>
-              <a:rPr lang="en-US" dirty="0" err="1">
-                <a:solidFill>
-                  <a:srgbClr val="795E26"/>
-                </a:solidFill>
-                <a:latin typeface=" SourceCodePro-Light" panose="020B0509030403020204" pitchFamily="49" charset="77"/>
-              </a:rPr>
-              <a:t>len</a:t>
-            </a:r>
-            <a:r>
-              <a:rPr lang="en-US" dirty="0">
-                <a:solidFill>
-                  <a:srgbClr val="000000"/>
-                </a:solidFill>
-                <a:latin typeface=" SourceCodePro-Light" panose="020B0509030403020204" pitchFamily="49" charset="77"/>
-              </a:rPr>
-              <a:t>(sequence)):</a:t>
-            </a:r>
-          </a:p>
-          <a:p>
-            <a:r>
-              <a:rPr lang="en-US" dirty="0">
-                <a:solidFill>
-                  <a:srgbClr val="000000"/>
-                </a:solidFill>
-                <a:latin typeface=" SourceCodePro-Light" panose="020B0509030403020204" pitchFamily="49" charset="77"/>
-              </a:rPr>
-              <a:t>        result = function(result, sequence[index])</a:t>
-            </a:r>
-          </a:p>
-          <a:p>
-            <a:r>
-              <a:rPr lang="en-US" dirty="0">
-                <a:solidFill>
-                  <a:srgbClr val="AF00DB"/>
-                </a:solidFill>
-                <a:latin typeface=" SourceCodePro-Light" panose="020B0509030403020204" pitchFamily="49" charset="77"/>
-              </a:rPr>
-              <a:t>    return</a:t>
-            </a:r>
-            <a:r>
-              <a:rPr lang="en-US" dirty="0">
-                <a:solidFill>
-                  <a:srgbClr val="000000"/>
-                </a:solidFill>
-                <a:latin typeface=" SourceCodePro-Light" panose="020B0509030403020204" pitchFamily="49" charset="77"/>
-              </a:rPr>
-              <a:t> result</a:t>
-            </a:r>
-          </a:p>
-        </p:txBody>
-      </p:sp>
     </p:spTree>
     <p:extLst>
       <p:ext uri="{BB962C8B-B14F-4D97-AF65-F5344CB8AC3E}">
-        <p14:creationId xmlns:p14="http://schemas.microsoft.com/office/powerpoint/2010/main" val="171068300"/>
+        <p14:creationId xmlns:p14="http://schemas.microsoft.com/office/powerpoint/2010/main" val="1031151941"/>
       </p:ext>
     </p:extLst>
   </p:cSld>
@@ -15529,6 +14865,1016 @@
       </p:grpSpPr>
       <p:sp>
         <p:nvSpPr>
+          <p:cNvPr id="171" name="TextShape 1"/>
+          <p:cNvSpPr txBox="1"/>
+          <p:nvPr/>
+        </p:nvSpPr>
+        <p:spPr>
+          <a:xfrm>
+            <a:off x="2281080" y="272353"/>
+            <a:ext cx="8474400" cy="736200"/>
+          </a:xfrm>
+          <a:prstGeom prst="rect">
+            <a:avLst/>
+          </a:prstGeom>
+          <a:noFill/>
+          <a:ln>
+            <a:noFill/>
+          </a:ln>
+        </p:spPr>
+        <p:txBody>
+          <a:bodyPr lIns="92160" tIns="46080" rIns="92160" bIns="46080" anchor="ctr"/>
+          <a:lstStyle/>
+          <a:p>
+            <a:pPr>
+              <a:lnSpc>
+                <a:spcPct val="90000"/>
+              </a:lnSpc>
+            </a:pPr>
+            <a:r>
+              <a:rPr lang="en-US" sz="3200" b="1" spc="-1" dirty="0">
+                <a:solidFill>
+                  <a:srgbClr val="0332B7"/>
+                </a:solidFill>
+                <a:uFill>
+                  <a:solidFill>
+                    <a:srgbClr val="FFFFFF"/>
+                  </a:solidFill>
+                </a:uFill>
+                <a:latin typeface="Arial"/>
+                <a:ea typeface="Arial"/>
+              </a:rPr>
+              <a:t>REDUCE</a:t>
+            </a:r>
+            <a:endParaRPr lang="en-US" sz="1400" spc="-1" dirty="0">
+              <a:solidFill>
+                <a:srgbClr val="000000"/>
+              </a:solidFill>
+              <a:uFill>
+                <a:solidFill>
+                  <a:srgbClr val="FFFFFF"/>
+                </a:solidFill>
+              </a:uFill>
+              <a:latin typeface="Arial"/>
+            </a:endParaRPr>
+          </a:p>
+        </p:txBody>
+      </p:sp>
+      <p:sp>
+        <p:nvSpPr>
+          <p:cNvPr id="172" name="CustomShape 2"/>
+          <p:cNvSpPr/>
+          <p:nvPr/>
+        </p:nvSpPr>
+        <p:spPr>
+          <a:xfrm>
+            <a:off x="2281080" y="999528"/>
+            <a:ext cx="8372520" cy="522720"/>
+          </a:xfrm>
+          <a:prstGeom prst="rect">
+            <a:avLst/>
+          </a:prstGeom>
+          <a:noFill/>
+          <a:ln>
+            <a:noFill/>
+          </a:ln>
+        </p:spPr>
+        <p:style>
+          <a:lnRef idx="0">
+            <a:scrgbClr r="0" g="0" b="0"/>
+          </a:lnRef>
+          <a:fillRef idx="0">
+            <a:scrgbClr r="0" g="0" b="0"/>
+          </a:fillRef>
+          <a:effectRef idx="0">
+            <a:scrgbClr r="0" g="0" b="0"/>
+          </a:effectRef>
+          <a:fontRef idx="minor"/>
+        </p:style>
+        <p:txBody>
+          <a:bodyPr/>
+          <a:lstStyle/>
+          <a:p>
+            <a:pPr>
+              <a:lnSpc>
+                <a:spcPct val="100000"/>
+              </a:lnSpc>
+            </a:pPr>
+            <a:r>
+              <a:rPr lang="en-US" sz="2400" spc="-1" dirty="0">
+                <a:solidFill>
+                  <a:srgbClr val="000000"/>
+                </a:solidFill>
+                <a:uFill>
+                  <a:solidFill>
+                    <a:srgbClr val="FFFFFF"/>
+                  </a:solidFill>
+                </a:uFill>
+                <a:latin typeface="Source Code Pro" panose="020B0509030403020204" pitchFamily="49" charset="77"/>
+                <a:ea typeface="Courier New"/>
+              </a:rPr>
+              <a:t>reduce(function, </a:t>
+            </a:r>
+            <a:r>
+              <a:rPr lang="en-US" sz="2400" spc="-1" dirty="0" err="1">
+                <a:solidFill>
+                  <a:srgbClr val="000000"/>
+                </a:solidFill>
+                <a:uFill>
+                  <a:solidFill>
+                    <a:srgbClr val="FFFFFF"/>
+                  </a:solidFill>
+                </a:uFill>
+                <a:latin typeface="Source Code Pro" panose="020B0509030403020204" pitchFamily="49" charset="77"/>
+                <a:ea typeface="Courier New"/>
+              </a:rPr>
+              <a:t>list_of_inputs</a:t>
+            </a:r>
+            <a:r>
+              <a:rPr lang="en-US" sz="2400" spc="-1" dirty="0">
+                <a:solidFill>
+                  <a:srgbClr val="000000"/>
+                </a:solidFill>
+                <a:uFill>
+                  <a:solidFill>
+                    <a:srgbClr val="FFFFFF"/>
+                  </a:solidFill>
+                </a:uFill>
+                <a:latin typeface="Source Code Pro" panose="020B0509030403020204" pitchFamily="49" charset="77"/>
+                <a:ea typeface="Courier New"/>
+              </a:rPr>
+              <a:t>)</a:t>
+            </a:r>
+            <a:endParaRPr lang="en-US" sz="2400" spc="-1" dirty="0">
+              <a:solidFill>
+                <a:srgbClr val="000000"/>
+              </a:solidFill>
+              <a:uFill>
+                <a:solidFill>
+                  <a:srgbClr val="FFFFFF"/>
+                </a:solidFill>
+              </a:uFill>
+              <a:latin typeface="Source Code Pro" panose="020B0509030403020204" pitchFamily="49" charset="77"/>
+            </a:endParaRPr>
+          </a:p>
+        </p:txBody>
+      </p:sp>
+      <p:sp>
+        <p:nvSpPr>
+          <p:cNvPr id="174" name="CustomShape 4"/>
+          <p:cNvSpPr/>
+          <p:nvPr/>
+        </p:nvSpPr>
+        <p:spPr>
+          <a:xfrm>
+            <a:off x="2005548" y="1455959"/>
+            <a:ext cx="8372520" cy="3177370"/>
+          </a:xfrm>
+          <a:prstGeom prst="rect">
+            <a:avLst/>
+          </a:prstGeom>
+          <a:noFill/>
+          <a:ln>
+            <a:noFill/>
+          </a:ln>
+        </p:spPr>
+        <p:style>
+          <a:lnRef idx="0">
+            <a:scrgbClr r="0" g="0" b="0"/>
+          </a:lnRef>
+          <a:fillRef idx="0">
+            <a:scrgbClr r="0" g="0" b="0"/>
+          </a:fillRef>
+          <a:effectRef idx="0">
+            <a:scrgbClr r="0" g="0" b="0"/>
+          </a:effectRef>
+          <a:fontRef idx="minor"/>
+        </p:style>
+        <p:txBody>
+          <a:bodyPr/>
+          <a:lstStyle/>
+          <a:p>
+            <a:pPr>
+              <a:lnSpc>
+                <a:spcPct val="100000"/>
+              </a:lnSpc>
+            </a:pPr>
+            <a:r>
+              <a:rPr lang="en-US" sz="2600" spc="-1" dirty="0">
+                <a:solidFill>
+                  <a:srgbClr val="000000"/>
+                </a:solidFill>
+                <a:uFill>
+                  <a:solidFill>
+                    <a:srgbClr val="FFFFFF"/>
+                  </a:solidFill>
+                </a:uFill>
+                <a:latin typeface="Arial"/>
+                <a:ea typeface="Arial"/>
+              </a:rPr>
+              <a:t>Successively </a:t>
+            </a:r>
+            <a:r>
+              <a:rPr lang="en-US" sz="2600" b="1" spc="-1" dirty="0">
+                <a:solidFill>
+                  <a:srgbClr val="000000"/>
+                </a:solidFill>
+                <a:uFill>
+                  <a:solidFill>
+                    <a:srgbClr val="FFFFFF"/>
+                  </a:solidFill>
+                </a:uFill>
+                <a:latin typeface="Arial"/>
+                <a:ea typeface="Arial"/>
+              </a:rPr>
+              <a:t>combine </a:t>
+            </a:r>
+            <a:r>
+              <a:rPr lang="en-US" sz="2600" spc="-1" dirty="0">
+                <a:solidFill>
+                  <a:srgbClr val="000000"/>
+                </a:solidFill>
+                <a:uFill>
+                  <a:solidFill>
+                    <a:srgbClr val="FFFFFF"/>
+                  </a:solidFill>
+                </a:uFill>
+                <a:latin typeface="Arial"/>
+                <a:ea typeface="Arial"/>
+              </a:rPr>
+              <a:t>items of our sequence</a:t>
+            </a:r>
+          </a:p>
+          <a:p>
+            <a:pPr>
+              <a:lnSpc>
+                <a:spcPct val="100000"/>
+              </a:lnSpc>
+            </a:pPr>
+            <a:r>
+              <a:rPr lang="en-US" sz="2600" spc="-1" dirty="0">
+                <a:solidFill>
+                  <a:srgbClr val="000000"/>
+                </a:solidFill>
+                <a:uFill>
+                  <a:solidFill>
+                    <a:srgbClr val="FFFFFF"/>
+                  </a:solidFill>
+                </a:uFill>
+                <a:latin typeface="Arial"/>
+                <a:ea typeface="Arial"/>
+              </a:rPr>
+              <a:t>	• function: add(), takes 2 inputs gives us 1 value. </a:t>
+            </a:r>
+            <a:endParaRPr lang="en-US" sz="2600" spc="-1" dirty="0">
+              <a:solidFill>
+                <a:srgbClr val="000000"/>
+              </a:solidFill>
+              <a:uFill>
+                <a:solidFill>
+                  <a:srgbClr val="FFFFFF"/>
+                </a:solidFill>
+              </a:uFill>
+              <a:ea typeface="Arial"/>
+            </a:endParaRPr>
+          </a:p>
+          <a:p>
+            <a:pPr>
+              <a:lnSpc>
+                <a:spcPct val="100000"/>
+              </a:lnSpc>
+            </a:pPr>
+            <a:r>
+              <a:rPr lang="en-US" sz="2600" spc="-1" dirty="0">
+                <a:solidFill>
+                  <a:srgbClr val="000000"/>
+                </a:solidFill>
+                <a:uFill>
+                  <a:solidFill>
+                    <a:srgbClr val="FFFFFF"/>
+                  </a:solidFill>
+                </a:uFill>
+                <a:latin typeface="Arial"/>
+                <a:ea typeface="Arial"/>
+              </a:rPr>
+              <a:t>Inputs</a:t>
+            </a:r>
+            <a:r>
+              <a:rPr lang="en-US" sz="2600" spc="-1" dirty="0">
+                <a:solidFill>
+                  <a:srgbClr val="000000"/>
+                </a:solidFill>
+                <a:uFill>
+                  <a:solidFill>
+                    <a:srgbClr val="FFFFFF"/>
+                  </a:solidFill>
+                </a:uFill>
+                <a:latin typeface="Arial"/>
+                <a:ea typeface="Arial"/>
+                <a:sym typeface="Wingdings" pitchFamily="2" charset="2"/>
+              </a:rPr>
+              <a:t> (Domain):</a:t>
+            </a:r>
+            <a:br>
+              <a:rPr lang="en-US" sz="2600" spc="-1" dirty="0">
+                <a:solidFill>
+                  <a:srgbClr val="000000"/>
+                </a:solidFill>
+                <a:uFill>
+                  <a:solidFill>
+                    <a:srgbClr val="FFFFFF"/>
+                  </a:solidFill>
+                </a:uFill>
+                <a:latin typeface="Arial"/>
+                <a:ea typeface="Arial"/>
+                <a:sym typeface="Wingdings" pitchFamily="2" charset="2"/>
+              </a:rPr>
+            </a:br>
+            <a:r>
+              <a:rPr lang="en-US" sz="2600" spc="-1" dirty="0">
+                <a:solidFill>
+                  <a:srgbClr val="000000"/>
+                </a:solidFill>
+                <a:uFill>
+                  <a:solidFill>
+                    <a:srgbClr val="FFFFFF"/>
+                  </a:solidFill>
+                </a:uFill>
+                <a:latin typeface="Arial"/>
+                <a:ea typeface="Arial"/>
+                <a:sym typeface="Wingdings" pitchFamily="2" charset="2"/>
+              </a:rPr>
+              <a:t>	• Function, with 2 inputs</a:t>
+            </a:r>
+          </a:p>
+          <a:p>
+            <a:pPr>
+              <a:lnSpc>
+                <a:spcPct val="100000"/>
+              </a:lnSpc>
+            </a:pPr>
+            <a:r>
+              <a:rPr lang="en-US" sz="2600" spc="-1" dirty="0">
+                <a:solidFill>
+                  <a:srgbClr val="000000"/>
+                </a:solidFill>
+                <a:uFill>
+                  <a:solidFill>
+                    <a:srgbClr val="FFFFFF"/>
+                  </a:solidFill>
+                </a:uFill>
+                <a:latin typeface="Arial"/>
+                <a:ea typeface="Arial"/>
+                <a:sym typeface="Wingdings" pitchFamily="2" charset="2"/>
+              </a:rPr>
+              <a:t>	• Sequence</a:t>
+            </a:r>
+            <a:br>
+              <a:rPr lang="en-US" sz="2600" spc="-1" dirty="0">
+                <a:solidFill>
+                  <a:srgbClr val="000000"/>
+                </a:solidFill>
+                <a:uFill>
+                  <a:solidFill>
+                    <a:srgbClr val="FFFFFF"/>
+                  </a:solidFill>
+                </a:uFill>
+                <a:latin typeface="Arial"/>
+                <a:ea typeface="Arial"/>
+                <a:sym typeface="Wingdings" pitchFamily="2" charset="2"/>
+              </a:rPr>
+            </a:br>
+            <a:r>
+              <a:rPr lang="en-US" sz="2600" spc="-1" dirty="0">
+                <a:solidFill>
+                  <a:srgbClr val="000000"/>
+                </a:solidFill>
+                <a:uFill>
+                  <a:solidFill>
+                    <a:srgbClr val="FFFFFF"/>
+                  </a:solidFill>
+                </a:uFill>
+                <a:latin typeface="Arial"/>
+                <a:ea typeface="Arial"/>
+                <a:sym typeface="Wingdings" pitchFamily="2" charset="2"/>
+              </a:rPr>
+              <a:t>Output (Range):</a:t>
+            </a:r>
+          </a:p>
+          <a:p>
+            <a:pPr>
+              <a:lnSpc>
+                <a:spcPct val="100000"/>
+              </a:lnSpc>
+            </a:pPr>
+            <a:r>
+              <a:rPr lang="en-US" sz="2600" spc="-1" dirty="0">
+                <a:solidFill>
+                  <a:srgbClr val="000000"/>
+                </a:solidFill>
+                <a:uFill>
+                  <a:solidFill>
+                    <a:srgbClr val="FFFFFF"/>
+                  </a:solidFill>
+                </a:uFill>
+                <a:latin typeface="Arial"/>
+                <a:ea typeface="Arial"/>
+                <a:sym typeface="Wingdings" pitchFamily="2" charset="2"/>
+              </a:rPr>
+              <a:t>	• An item, specifically, the output of our function.</a:t>
+            </a:r>
+          </a:p>
+          <a:p>
+            <a:pPr>
+              <a:lnSpc>
+                <a:spcPct val="100000"/>
+              </a:lnSpc>
+            </a:pPr>
+            <a:endParaRPr lang="en-US" sz="2600" spc="-1" dirty="0">
+              <a:solidFill>
+                <a:srgbClr val="000000"/>
+              </a:solidFill>
+              <a:uFill>
+                <a:solidFill>
+                  <a:srgbClr val="FFFFFF"/>
+                </a:solidFill>
+              </a:uFill>
+              <a:latin typeface="Arial"/>
+              <a:ea typeface="Arial"/>
+              <a:sym typeface="Wingdings" pitchFamily="2" charset="2"/>
+            </a:endParaRPr>
+          </a:p>
+          <a:p>
+            <a:pPr>
+              <a:lnSpc>
+                <a:spcPct val="100000"/>
+              </a:lnSpc>
+            </a:pPr>
+            <a:endParaRPr lang="en-US" sz="2600" spc="-1" dirty="0">
+              <a:solidFill>
+                <a:srgbClr val="000000"/>
+              </a:solidFill>
+              <a:uFill>
+                <a:solidFill>
+                  <a:srgbClr val="FFFFFF"/>
+                </a:solidFill>
+              </a:uFill>
+              <a:latin typeface="Arial"/>
+            </a:endParaRPr>
+          </a:p>
+        </p:txBody>
+      </p:sp>
+      <p:sp>
+        <p:nvSpPr>
+          <p:cNvPr id="178" name="TextShape 8"/>
+          <p:cNvSpPr txBox="1"/>
+          <p:nvPr/>
+        </p:nvSpPr>
+        <p:spPr>
+          <a:xfrm>
+            <a:off x="10134480" y="6553080"/>
+            <a:ext cx="533160" cy="304560"/>
+          </a:xfrm>
+          <a:prstGeom prst="rect">
+            <a:avLst/>
+          </a:prstGeom>
+          <a:noFill/>
+          <a:ln>
+            <a:noFill/>
+          </a:ln>
+        </p:spPr>
+        <p:txBody>
+          <a:bodyPr lIns="92160" tIns="46080" rIns="92160" bIns="46080" anchor="ctr"/>
+          <a:lstStyle/>
+          <a:p>
+            <a:pPr algn="r">
+              <a:lnSpc>
+                <a:spcPct val="100000"/>
+              </a:lnSpc>
+            </a:pPr>
+            <a:fld id="{713BEC69-ACC0-4745-91F6-6864BC87B08D}" type="slidenum">
+              <a:rPr lang="en-US" sz="1400" b="1" spc="-1">
+                <a:solidFill>
+                  <a:srgbClr val="FF9900"/>
+                </a:solidFill>
+                <a:uFill>
+                  <a:solidFill>
+                    <a:srgbClr val="FFFFFF"/>
+                  </a:solidFill>
+                </a:uFill>
+                <a:latin typeface="Times New Roman"/>
+                <a:ea typeface="Times New Roman"/>
+              </a:rPr>
+              <a:t>32</a:t>
+            </a:fld>
+            <a:endParaRPr lang="en-US" sz="1400" spc="-1">
+              <a:solidFill>
+                <a:srgbClr val="000000"/>
+              </a:solidFill>
+              <a:uFill>
+                <a:solidFill>
+                  <a:srgbClr val="FFFFFF"/>
+                </a:solidFill>
+              </a:uFill>
+              <a:latin typeface="Times New Roman"/>
+            </a:endParaRPr>
+          </a:p>
+        </p:txBody>
+      </p:sp>
+      <p:sp>
+        <p:nvSpPr>
+          <p:cNvPr id="179" name="CustomShape 9"/>
+          <p:cNvSpPr/>
+          <p:nvPr/>
+        </p:nvSpPr>
+        <p:spPr>
+          <a:xfrm>
+            <a:off x="1524000" y="6553080"/>
+            <a:ext cx="1523520" cy="304560"/>
+          </a:xfrm>
+          <a:prstGeom prst="rect">
+            <a:avLst/>
+          </a:prstGeom>
+          <a:noFill/>
+          <a:ln w="9360">
+            <a:noFill/>
+          </a:ln>
+        </p:spPr>
+        <p:style>
+          <a:lnRef idx="0">
+            <a:scrgbClr r="0" g="0" b="0"/>
+          </a:lnRef>
+          <a:fillRef idx="0">
+            <a:scrgbClr r="0" g="0" b="0"/>
+          </a:fillRef>
+          <a:effectRef idx="0">
+            <a:scrgbClr r="0" g="0" b="0"/>
+          </a:effectRef>
+          <a:fontRef idx="minor"/>
+        </p:style>
+        <p:txBody>
+          <a:bodyPr wrap="none" lIns="92160" tIns="46080" rIns="92160" bIns="46080" anchor="ctr"/>
+          <a:lstStyle/>
+          <a:p>
+            <a:pPr>
+              <a:lnSpc>
+                <a:spcPct val="100000"/>
+              </a:lnSpc>
+            </a:pPr>
+            <a:r>
+              <a:rPr lang="en-US" sz="1200" b="1" spc="-1" dirty="0">
+                <a:solidFill>
+                  <a:srgbClr val="FF9900"/>
+                </a:solidFill>
+                <a:uFill>
+                  <a:solidFill>
+                    <a:srgbClr val="FFFFFF"/>
+                  </a:solidFill>
+                </a:uFill>
+                <a:latin typeface="Times New Roman"/>
+                <a:ea typeface="ＭＳ Ｐゴシック"/>
+              </a:rPr>
+              <a:t>02/10/2020</a:t>
+            </a:r>
+            <a:endParaRPr lang="en-US" spc="-1" dirty="0">
+              <a:solidFill>
+                <a:srgbClr val="000000"/>
+              </a:solidFill>
+              <a:uFill>
+                <a:solidFill>
+                  <a:srgbClr val="FFFFFF"/>
+                </a:solidFill>
+              </a:uFill>
+              <a:latin typeface="Arial"/>
+            </a:endParaRPr>
+          </a:p>
+        </p:txBody>
+      </p:sp>
+      <p:sp>
+        <p:nvSpPr>
+          <p:cNvPr id="180" name="TextShape 10"/>
+          <p:cNvSpPr txBox="1"/>
+          <p:nvPr/>
+        </p:nvSpPr>
+        <p:spPr>
+          <a:xfrm>
+            <a:off x="4572120" y="6553080"/>
+            <a:ext cx="2895120" cy="304560"/>
+          </a:xfrm>
+          <a:prstGeom prst="rect">
+            <a:avLst/>
+          </a:prstGeom>
+          <a:noFill/>
+          <a:ln>
+            <a:noFill/>
+          </a:ln>
+        </p:spPr>
+        <p:txBody>
+          <a:bodyPr lIns="92160" tIns="46080" rIns="92160" bIns="46080" anchor="ctr"/>
+          <a:lstStyle/>
+          <a:p>
+            <a:pPr algn="ctr">
+              <a:lnSpc>
+                <a:spcPct val="100000"/>
+              </a:lnSpc>
+            </a:pPr>
+            <a:r>
+              <a:rPr lang="en-US" sz="1200" b="1" spc="-1" dirty="0">
+                <a:solidFill>
+                  <a:srgbClr val="114FFB"/>
+                </a:solidFill>
+                <a:uFill>
+                  <a:solidFill>
+                    <a:srgbClr val="FFFFFF"/>
+                  </a:solidFill>
+                </a:uFill>
+                <a:latin typeface="Helvetica Neue"/>
+                <a:ea typeface="Helvetica Neue"/>
+              </a:rPr>
+              <a:t>UCB CS88 Fa20 L6</a:t>
+            </a:r>
+            <a:endParaRPr lang="en-US" sz="1200" spc="-1" dirty="0">
+              <a:solidFill>
+                <a:srgbClr val="000000"/>
+              </a:solidFill>
+              <a:uFill>
+                <a:solidFill>
+                  <a:srgbClr val="FFFFFF"/>
+                </a:solidFill>
+              </a:uFill>
+              <a:latin typeface="Times New Roman"/>
+            </a:endParaRPr>
+          </a:p>
+        </p:txBody>
+      </p:sp>
+      <p:sp>
+        <p:nvSpPr>
+          <p:cNvPr id="181" name="TextShape 11"/>
+          <p:cNvSpPr txBox="1"/>
+          <p:nvPr/>
+        </p:nvSpPr>
+        <p:spPr>
+          <a:xfrm>
+            <a:off x="2281080" y="5012456"/>
+            <a:ext cx="7171560" cy="602280"/>
+          </a:xfrm>
+          <a:prstGeom prst="rect">
+            <a:avLst/>
+          </a:prstGeom>
+          <a:noFill/>
+          <a:ln>
+            <a:noFill/>
+          </a:ln>
+        </p:spPr>
+        <p:txBody>
+          <a:bodyPr lIns="90000" tIns="45000" rIns="90000" bIns="45000"/>
+          <a:lstStyle/>
+          <a:p>
+            <a:endParaRPr lang="en-US" spc="-1" dirty="0">
+              <a:solidFill>
+                <a:srgbClr val="000000"/>
+              </a:solidFill>
+              <a:uFill>
+                <a:solidFill>
+                  <a:srgbClr val="FFFFFF"/>
+                </a:solidFill>
+              </a:uFill>
+              <a:latin typeface="Arial"/>
+            </a:endParaRPr>
+          </a:p>
+        </p:txBody>
+      </p:sp>
+      <p:sp>
+        <p:nvSpPr>
+          <p:cNvPr id="4" name="Rectangle 3">
+            <a:extLst>
+              <a:ext uri="{FF2B5EF4-FFF2-40B4-BE49-F238E27FC236}">
+                <a16:creationId xmlns:a16="http://schemas.microsoft.com/office/drawing/2014/main" id="{DB3BA0DD-C671-564E-8D6D-0143E2712244}"/>
+              </a:ext>
+            </a:extLst>
+          </p:cNvPr>
+          <p:cNvSpPr/>
+          <p:nvPr/>
+        </p:nvSpPr>
+        <p:spPr>
+          <a:xfrm>
+            <a:off x="2179200" y="4493067"/>
+            <a:ext cx="8474400" cy="1477328"/>
+          </a:xfrm>
+          <a:prstGeom prst="rect">
+            <a:avLst/>
+          </a:prstGeom>
+        </p:spPr>
+        <p:txBody>
+          <a:bodyPr wrap="square">
+            <a:spAutoFit/>
+          </a:bodyPr>
+          <a:lstStyle/>
+          <a:p>
+            <a:r>
+              <a:rPr lang="en-US" dirty="0">
+                <a:solidFill>
+                  <a:srgbClr val="0000FF"/>
+                </a:solidFill>
+                <a:latin typeface=" SourceCodePro-Light" panose="020B0509030403020204" pitchFamily="49" charset="77"/>
+              </a:rPr>
+              <a:t>def</a:t>
+            </a:r>
+            <a:r>
+              <a:rPr lang="en-US" dirty="0">
+                <a:solidFill>
+                  <a:srgbClr val="000000"/>
+                </a:solidFill>
+                <a:latin typeface=" SourceCodePro-Light" panose="020B0509030403020204" pitchFamily="49" charset="77"/>
+              </a:rPr>
+              <a:t> </a:t>
+            </a:r>
+            <a:r>
+              <a:rPr lang="en-US" dirty="0">
+                <a:solidFill>
+                  <a:srgbClr val="001080"/>
+                </a:solidFill>
+                <a:latin typeface=" SourceCodePro-Light" panose="020B0509030403020204" pitchFamily="49" charset="77"/>
+              </a:rPr>
+              <a:t>reduce</a:t>
+            </a:r>
+            <a:r>
+              <a:rPr lang="en-US" dirty="0">
+                <a:solidFill>
+                  <a:srgbClr val="000000"/>
+                </a:solidFill>
+                <a:latin typeface=" SourceCodePro-Light" panose="020B0509030403020204" pitchFamily="49" charset="77"/>
+              </a:rPr>
+              <a:t>(</a:t>
+            </a:r>
+            <a:r>
+              <a:rPr lang="en-US" dirty="0">
+                <a:solidFill>
+                  <a:srgbClr val="001080"/>
+                </a:solidFill>
+                <a:latin typeface=" SourceCodePro-Light" panose="020B0509030403020204" pitchFamily="49" charset="77"/>
+              </a:rPr>
+              <a:t>function</a:t>
+            </a:r>
+            <a:r>
+              <a:rPr lang="en-US" dirty="0">
+                <a:solidFill>
+                  <a:srgbClr val="000000"/>
+                </a:solidFill>
+                <a:latin typeface=" SourceCodePro-Light" panose="020B0509030403020204" pitchFamily="49" charset="77"/>
+              </a:rPr>
+              <a:t>, </a:t>
+            </a:r>
+            <a:r>
+              <a:rPr lang="en-US" dirty="0">
+                <a:solidFill>
+                  <a:srgbClr val="001080"/>
+                </a:solidFill>
+                <a:latin typeface=" SourceCodePro-Light" panose="020B0509030403020204" pitchFamily="49" charset="77"/>
+              </a:rPr>
+              <a:t>sequence</a:t>
+            </a:r>
+            <a:r>
+              <a:rPr lang="en-US" dirty="0">
+                <a:solidFill>
+                  <a:srgbClr val="000000"/>
+                </a:solidFill>
+                <a:latin typeface=" SourceCodePro-Light" panose="020B0509030403020204" pitchFamily="49" charset="77"/>
+              </a:rPr>
+              <a:t>):</a:t>
+            </a:r>
+          </a:p>
+          <a:p>
+            <a:r>
+              <a:rPr lang="en-US" dirty="0">
+                <a:solidFill>
+                  <a:srgbClr val="000000"/>
+                </a:solidFill>
+                <a:latin typeface=" SourceCodePro-Light" panose="020B0509030403020204" pitchFamily="49" charset="77"/>
+              </a:rPr>
+              <a:t>    result = function(sequence[</a:t>
+            </a:r>
+            <a:r>
+              <a:rPr lang="en-US" dirty="0">
+                <a:solidFill>
+                  <a:srgbClr val="098658"/>
+                </a:solidFill>
+                <a:latin typeface=" SourceCodePro-Light" panose="020B0509030403020204" pitchFamily="49" charset="77"/>
+              </a:rPr>
+              <a:t>0</a:t>
+            </a:r>
+            <a:r>
+              <a:rPr lang="en-US" dirty="0">
+                <a:solidFill>
+                  <a:srgbClr val="000000"/>
+                </a:solidFill>
+                <a:latin typeface=" SourceCodePro-Light" panose="020B0509030403020204" pitchFamily="49" charset="77"/>
+              </a:rPr>
+              <a:t>], sequence[</a:t>
+            </a:r>
+            <a:r>
+              <a:rPr lang="en-US" dirty="0">
+                <a:solidFill>
+                  <a:srgbClr val="098658"/>
+                </a:solidFill>
+                <a:latin typeface=" SourceCodePro-Light" panose="020B0509030403020204" pitchFamily="49" charset="77"/>
+              </a:rPr>
+              <a:t>1</a:t>
+            </a:r>
+            <a:r>
+              <a:rPr lang="en-US" dirty="0">
+                <a:solidFill>
+                  <a:srgbClr val="000000"/>
+                </a:solidFill>
+                <a:latin typeface=" SourceCodePro-Light" panose="020B0509030403020204" pitchFamily="49" charset="77"/>
+              </a:rPr>
+              <a:t>])</a:t>
+            </a:r>
+          </a:p>
+          <a:p>
+            <a:r>
+              <a:rPr lang="en-US" dirty="0">
+                <a:solidFill>
+                  <a:srgbClr val="AF00DB"/>
+                </a:solidFill>
+                <a:latin typeface=" SourceCodePro-Light" panose="020B0509030403020204" pitchFamily="49" charset="77"/>
+              </a:rPr>
+              <a:t>    for</a:t>
+            </a:r>
+            <a:r>
+              <a:rPr lang="en-US" dirty="0">
+                <a:solidFill>
+                  <a:srgbClr val="000000"/>
+                </a:solidFill>
+                <a:latin typeface=" SourceCodePro-Light" panose="020B0509030403020204" pitchFamily="49" charset="77"/>
+              </a:rPr>
+              <a:t> index </a:t>
+            </a:r>
+            <a:r>
+              <a:rPr lang="en-US" dirty="0">
+                <a:solidFill>
+                  <a:srgbClr val="0000FF"/>
+                </a:solidFill>
+                <a:latin typeface=" SourceCodePro-Light" panose="020B0509030403020204" pitchFamily="49" charset="77"/>
+              </a:rPr>
+              <a:t>in</a:t>
+            </a:r>
+            <a:r>
+              <a:rPr lang="en-US" dirty="0">
+                <a:solidFill>
+                  <a:srgbClr val="000000"/>
+                </a:solidFill>
+                <a:latin typeface=" SourceCodePro-Light" panose="020B0509030403020204" pitchFamily="49" charset="77"/>
+              </a:rPr>
+              <a:t> </a:t>
+            </a:r>
+            <a:r>
+              <a:rPr lang="en-US" dirty="0">
+                <a:solidFill>
+                  <a:srgbClr val="795E26"/>
+                </a:solidFill>
+                <a:latin typeface=" SourceCodePro-Light" panose="020B0509030403020204" pitchFamily="49" charset="77"/>
+              </a:rPr>
+              <a:t>range</a:t>
+            </a:r>
+            <a:r>
+              <a:rPr lang="en-US" dirty="0">
+                <a:solidFill>
+                  <a:srgbClr val="000000"/>
+                </a:solidFill>
+                <a:latin typeface=" SourceCodePro-Light" panose="020B0509030403020204" pitchFamily="49" charset="77"/>
+              </a:rPr>
+              <a:t>(</a:t>
+            </a:r>
+            <a:r>
+              <a:rPr lang="en-US" dirty="0">
+                <a:solidFill>
+                  <a:srgbClr val="098658"/>
+                </a:solidFill>
+                <a:latin typeface=" SourceCodePro-Light" panose="020B0509030403020204" pitchFamily="49" charset="77"/>
+              </a:rPr>
+              <a:t>2</a:t>
+            </a:r>
+            <a:r>
+              <a:rPr lang="en-US" dirty="0">
+                <a:solidFill>
+                  <a:srgbClr val="000000"/>
+                </a:solidFill>
+                <a:latin typeface=" SourceCodePro-Light" panose="020B0509030403020204" pitchFamily="49" charset="77"/>
+              </a:rPr>
+              <a:t>, </a:t>
+            </a:r>
+            <a:r>
+              <a:rPr lang="en-US" dirty="0" err="1">
+                <a:solidFill>
+                  <a:srgbClr val="795E26"/>
+                </a:solidFill>
+                <a:latin typeface=" SourceCodePro-Light" panose="020B0509030403020204" pitchFamily="49" charset="77"/>
+              </a:rPr>
+              <a:t>len</a:t>
+            </a:r>
+            <a:r>
+              <a:rPr lang="en-US" dirty="0">
+                <a:solidFill>
+                  <a:srgbClr val="000000"/>
+                </a:solidFill>
+                <a:latin typeface=" SourceCodePro-Light" panose="020B0509030403020204" pitchFamily="49" charset="77"/>
+              </a:rPr>
+              <a:t>(sequence)):</a:t>
+            </a:r>
+          </a:p>
+          <a:p>
+            <a:r>
+              <a:rPr lang="en-US" dirty="0">
+                <a:solidFill>
+                  <a:srgbClr val="000000"/>
+                </a:solidFill>
+                <a:latin typeface=" SourceCodePro-Light" panose="020B0509030403020204" pitchFamily="49" charset="77"/>
+              </a:rPr>
+              <a:t>        result = function(result, sequence[index])</a:t>
+            </a:r>
+          </a:p>
+          <a:p>
+            <a:r>
+              <a:rPr lang="en-US" dirty="0">
+                <a:solidFill>
+                  <a:srgbClr val="AF00DB"/>
+                </a:solidFill>
+                <a:latin typeface=" SourceCodePro-Light" panose="020B0509030403020204" pitchFamily="49" charset="77"/>
+              </a:rPr>
+              <a:t>    return</a:t>
+            </a:r>
+            <a:r>
+              <a:rPr lang="en-US" dirty="0">
+                <a:solidFill>
+                  <a:srgbClr val="000000"/>
+                </a:solidFill>
+                <a:latin typeface=" SourceCodePro-Light" panose="020B0509030403020204" pitchFamily="49" charset="77"/>
+              </a:rPr>
+              <a:t> result</a:t>
+            </a:r>
+          </a:p>
+        </p:txBody>
+      </p:sp>
+    </p:spTree>
+    <p:extLst>
+      <p:ext uri="{BB962C8B-B14F-4D97-AF65-F5344CB8AC3E}">
+        <p14:creationId xmlns:p14="http://schemas.microsoft.com/office/powerpoint/2010/main" val="171068300"/>
+      </p:ext>
+    </p:extLst>
+  </p:cSld>
+  <p:clrMapOvr>
+    <a:masterClrMapping/>
+  </p:clrMapOvr>
+  <p:timing>
+    <p:tnLst>
+      <p:par>
+        <p:cTn id="1" dur="indefinite" restart="never" nodeType="tmRoot">
+          <p:childTnLst>
+            <p:seq>
+              <p:cTn id="2" nodeType="mainSeq"/>
+              <p:prevCondLst>
+                <p:cond evt="onPrev" delay="0">
+                  <p:tgtEl>
+                    <p:sldTgt/>
+                  </p:tgtEl>
+                </p:cond>
+              </p:prevCondLst>
+              <p:nextCondLst>
+                <p:cond evt="onNext" delay="0">
+                  <p:tgtEl>
+                    <p:sldTgt/>
+                  </p:tgtEl>
+                </p:cond>
+              </p:nextCondLst>
+            </p:seq>
+          </p:childTnLst>
+        </p:cTn>
+      </p:par>
+    </p:tnLst>
+  </p:timing>
+</p:sld>
+</file>
+
+<file path=ppt/slides/slide33.xml><?xml version="1.0" encoding="utf-8"?>
+<p:sld xmlns:a="http://schemas.openxmlformats.org/drawingml/2006/main" xmlns:r="http://schemas.openxmlformats.org/officeDocument/2006/relationships" xmlns:p="http://schemas.openxmlformats.org/presentationml/2006/main" show="0">
+  <p:cSld>
+    <p:spTree>
+      <p:nvGrpSpPr>
+        <p:cNvPr id="1" name=""/>
+        <p:cNvGrpSpPr/>
+        <p:nvPr/>
+      </p:nvGrpSpPr>
+      <p:grpSpPr>
+        <a:xfrm>
+          <a:off x="0" y="0"/>
+          <a:ext cx="0" cy="0"/>
+          <a:chOff x="0" y="0"/>
+          <a:chExt cx="0" cy="0"/>
+        </a:xfrm>
+      </p:grpSpPr>
+      <p:sp>
+        <p:nvSpPr>
           <p:cNvPr id="154" name="TextShape 1"/>
           <p:cNvSpPr txBox="1"/>
           <p:nvPr/>
@@ -16443,7 +16789,7 @@
                 <a:latin typeface="Times New Roman"/>
                 <a:ea typeface="Times New Roman"/>
               </a:rPr>
-              <a:t>32</a:t>
+              <a:t>33</a:t>
             </a:fld>
             <a:endParaRPr lang="en-US" sz="1400" spc="-1">
               <a:solidFill>
@@ -16905,7 +17251,7 @@
 </p:sld>
 </file>
 
-<file path=ppt/slides/slide33.xml><?xml version="1.0" encoding="utf-8"?>
+<file path=ppt/slides/slide34.xml><?xml version="1.0" encoding="utf-8"?>
 <p:sld xmlns:a="http://schemas.openxmlformats.org/drawingml/2006/main" xmlns:r="http://schemas.openxmlformats.org/officeDocument/2006/relationships" xmlns:p="http://schemas.openxmlformats.org/presentationml/2006/main" show="0">
   <p:cSld>
     <p:spTree>
@@ -17234,7 +17580,7 @@
                 <a:latin typeface="Times New Roman"/>
                 <a:ea typeface="Times New Roman"/>
               </a:rPr>
-              <a:t>33</a:t>
+              <a:t>34</a:t>
             </a:fld>
             <a:endParaRPr lang="en-US" sz="1400" spc="-1">
               <a:solidFill>
@@ -17525,6 +17871,116 @@
           <p:cNvPr id="2" name="Title 1">
             <a:extLst>
               <a:ext uri="{FF2B5EF4-FFF2-40B4-BE49-F238E27FC236}">
+                <a16:creationId xmlns:a16="http://schemas.microsoft.com/office/drawing/2014/main" id="{0BB61CF6-E75A-F049-BC84-985FBDA000BE}"/>
+              </a:ext>
+            </a:extLst>
+          </p:cNvPr>
+          <p:cNvSpPr>
+            <a:spLocks noGrp="1"/>
+          </p:cNvSpPr>
+          <p:nvPr>
+            <p:ph type="ctrTitle"/>
+          </p:nvPr>
+        </p:nvSpPr>
+        <p:spPr/>
+        <p:txBody>
+          <a:bodyPr/>
+          <a:lstStyle/>
+          <a:p>
+            <a:r>
+              <a:rPr lang="en-US" dirty="0"/>
+              <a:t>List Comprehensions</a:t>
+            </a:r>
+          </a:p>
+        </p:txBody>
+      </p:sp>
+      <p:sp>
+        <p:nvSpPr>
+          <p:cNvPr id="5" name="Subtitle 4">
+            <a:extLst>
+              <a:ext uri="{FF2B5EF4-FFF2-40B4-BE49-F238E27FC236}">
+                <a16:creationId xmlns:a16="http://schemas.microsoft.com/office/drawing/2014/main" id="{2240BFF0-18C1-CB42-A1F0-2C80E4A500FE}"/>
+              </a:ext>
+            </a:extLst>
+          </p:cNvPr>
+          <p:cNvSpPr>
+            <a:spLocks noGrp="1"/>
+          </p:cNvSpPr>
+          <p:nvPr>
+            <p:ph type="subTitle" idx="1"/>
+          </p:nvPr>
+        </p:nvSpPr>
+        <p:spPr/>
+        <p:txBody>
+          <a:bodyPr/>
+          <a:lstStyle/>
+          <a:p>
+            <a:endParaRPr lang="en-US"/>
+          </a:p>
+        </p:txBody>
+      </p:sp>
+    </p:spTree>
+    <p:extLst>
+      <p:ext uri="{BB962C8B-B14F-4D97-AF65-F5344CB8AC3E}">
+        <p14:creationId xmlns:p14="http://schemas.microsoft.com/office/powerpoint/2010/main" val="1292393584"/>
+      </p:ext>
+    </p:extLst>
+  </p:cSld>
+  <p:clrMapOvr>
+    <a:masterClrMapping/>
+  </p:clrMapOvr>
+  <p:timing>
+    <p:tnLst>
+      <p:par>
+        <p:cTn id="1" dur="indefinite" restart="never" nodeType="tmRoot">
+          <p:childTnLst>
+            <p:seq>
+              <p:cTn id="2" nodeType="mainSeq"/>
+              <p:prevCondLst>
+                <p:cond evt="onPrev" delay="0">
+                  <p:tgtEl>
+                    <p:sldTgt/>
+                  </p:tgtEl>
+                </p:cond>
+              </p:prevCondLst>
+              <p:nextCondLst>
+                <p:cond evt="onNext" delay="0">
+                  <p:tgtEl>
+                    <p:sldTgt/>
+                  </p:tgtEl>
+                </p:cond>
+              </p:nextCondLst>
+            </p:seq>
+          </p:childTnLst>
+        </p:cTn>
+      </p:par>
+    </p:tnLst>
+  </p:timing>
+</p:sld>
+</file>
+
+<file path=ppt/slides/slide5.xml><?xml version="1.0" encoding="utf-8"?>
+<p:sld xmlns:a="http://schemas.openxmlformats.org/drawingml/2006/main" xmlns:r="http://schemas.openxmlformats.org/officeDocument/2006/relationships" xmlns:p="http://schemas.openxmlformats.org/presentationml/2006/main">
+  <p:cSld>
+    <p:spTree>
+      <p:nvGrpSpPr>
+        <p:cNvPr id="1" name=""/>
+        <p:cNvGrpSpPr/>
+        <p:nvPr/>
+      </p:nvGrpSpPr>
+      <p:grpSpPr>
+        <a:xfrm>
+          <a:off x="0" y="0"/>
+          <a:ext cx="0" cy="0"/>
+          <a:chOff x="0" y="0"/>
+          <a:chExt cx="0" cy="0"/>
+        </a:xfrm>
+      </p:grpSpPr>
+      <p:sp>
+        <p:nvSpPr>
+          <p:cNvPr id="2" name="Title 1">
+            <a:extLst>
+              <a:ext uri="{FF2B5EF4-FFF2-40B4-BE49-F238E27FC236}">
                 <a16:creationId xmlns:a16="http://schemas.microsoft.com/office/drawing/2014/main" id="{510F0583-4935-884D-A666-3E3336A1261B}"/>
               </a:ext>
             </a:extLst>
@@ -17632,7 +18088,7 @@
               <a:pPr>
                 <a:defRPr/>
               </a:pPr>
-              <a:t>4</a:t>
+              <a:t>5</a:t>
             </a:fld>
             <a:endParaRPr lang="en-US" b="0"/>
           </a:p>
@@ -17651,7 +18107,7 @@
 </p:sld>
 </file>
 
-<file path=ppt/slides/slide5.xml><?xml version="1.0" encoding="utf-8"?>
+<file path=ppt/slides/slide6.xml><?xml version="1.0" encoding="utf-8"?>
 <p:sld xmlns:a="http://schemas.openxmlformats.org/drawingml/2006/main" xmlns:r="http://schemas.openxmlformats.org/officeDocument/2006/relationships" xmlns:p="http://schemas.openxmlformats.org/presentationml/2006/main">
   <p:cSld>
     <p:spTree>
@@ -17902,7 +18358,7 @@
 </p:sld>
 </file>
 
-<file path=ppt/slides/slide6.xml><?xml version="1.0" encoding="utf-8"?>
+<file path=ppt/slides/slide7.xml><?xml version="1.0" encoding="utf-8"?>
 <p:sld xmlns:a="http://schemas.openxmlformats.org/drawingml/2006/main" xmlns:r="http://schemas.openxmlformats.org/officeDocument/2006/relationships" xmlns:p="http://schemas.openxmlformats.org/presentationml/2006/main">
   <p:cSld>
     <p:spTree>
@@ -18001,7 +18457,7 @@
               <a:pPr>
                 <a:defRPr/>
               </a:pPr>
-              <a:t>6</a:t>
+              <a:t>7</a:t>
             </a:fld>
             <a:endParaRPr lang="en-US" b="0"/>
           </a:p>
@@ -18020,7 +18476,7 @@
 </p:sld>
 </file>
 
-<file path=ppt/slides/slide7.xml><?xml version="1.0" encoding="utf-8"?>
+<file path=ppt/slides/slide8.xml><?xml version="1.0" encoding="utf-8"?>
 <p:sld xmlns:a="http://schemas.openxmlformats.org/drawingml/2006/main" xmlns:r="http://schemas.openxmlformats.org/officeDocument/2006/relationships" xmlns:p="http://schemas.openxmlformats.org/presentationml/2006/main">
   <p:cSld>
     <p:spTree>
@@ -18105,7 +18561,7 @@
 </p:sld>
 </file>
 
-<file path=ppt/slides/slide8.xml><?xml version="1.0" encoding="utf-8"?>
+<file path=ppt/slides/slide9.xml><?xml version="1.0" encoding="utf-8"?>
 <p:sld xmlns:a="http://schemas.openxmlformats.org/drawingml/2006/main" xmlns:r="http://schemas.openxmlformats.org/officeDocument/2006/relationships" xmlns:p="http://schemas.openxmlformats.org/presentationml/2006/main">
   <p:cSld>
     <p:spTree>
@@ -18225,7 +18681,7 @@
               <a:pPr>
                 <a:defRPr/>
               </a:pPr>
-              <a:t>8</a:t>
+              <a:t>9</a:t>
             </a:fld>
             <a:endParaRPr lang="en-US" b="0"/>
           </a:p>
@@ -18235,171 +18691,6 @@
     <p:extLst>
       <p:ext uri="{BB962C8B-B14F-4D97-AF65-F5344CB8AC3E}">
         <p14:creationId xmlns:p14="http://schemas.microsoft.com/office/powerpoint/2010/main" val="340130096"/>
-      </p:ext>
-    </p:extLst>
-  </p:cSld>
-  <p:clrMapOvr>
-    <a:masterClrMapping/>
-  </p:clrMapOvr>
-</p:sld>
-</file>
-
-<file path=ppt/slides/slide9.xml><?xml version="1.0" encoding="utf-8"?>
-<p:sld xmlns:a="http://schemas.openxmlformats.org/drawingml/2006/main" xmlns:r="http://schemas.openxmlformats.org/officeDocument/2006/relationships" xmlns:p="http://schemas.openxmlformats.org/presentationml/2006/main">
-  <p:cSld>
-    <p:spTree>
-      <p:nvGrpSpPr>
-        <p:cNvPr id="1" name=""/>
-        <p:cNvGrpSpPr/>
-        <p:nvPr/>
-      </p:nvGrpSpPr>
-      <p:grpSpPr>
-        <a:xfrm>
-          <a:off x="0" y="0"/>
-          <a:ext cx="0" cy="0"/>
-          <a:chOff x="0" y="0"/>
-          <a:chExt cx="0" cy="0"/>
-        </a:xfrm>
-      </p:grpSpPr>
-      <p:sp>
-        <p:nvSpPr>
-          <p:cNvPr id="2" name="Title 1">
-            <a:extLst>
-              <a:ext uri="{FF2B5EF4-FFF2-40B4-BE49-F238E27FC236}">
-                <a16:creationId xmlns:a16="http://schemas.microsoft.com/office/drawing/2014/main" id="{DB7F38EA-1B62-7843-8D1A-00FF223B5ED9}"/>
-              </a:ext>
-            </a:extLst>
-          </p:cNvPr>
-          <p:cNvSpPr>
-            <a:spLocks noGrp="1"/>
-          </p:cNvSpPr>
-          <p:nvPr>
-            <p:ph type="title"/>
-          </p:nvPr>
-        </p:nvSpPr>
-        <p:spPr/>
-        <p:txBody>
-          <a:bodyPr/>
-          <a:lstStyle/>
-          <a:p>
-            <a:r>
-              <a:rPr lang="en-US" dirty="0"/>
-              <a:t>Code is a Form of Data</a:t>
-            </a:r>
-          </a:p>
-        </p:txBody>
-      </p:sp>
-      <p:sp>
-        <p:nvSpPr>
-          <p:cNvPr id="3" name="Content Placeholder 2">
-            <a:extLst>
-              <a:ext uri="{FF2B5EF4-FFF2-40B4-BE49-F238E27FC236}">
-                <a16:creationId xmlns:a16="http://schemas.microsoft.com/office/drawing/2014/main" id="{06F4563E-6C22-FC46-93DC-58D20786DA29}"/>
-              </a:ext>
-            </a:extLst>
-          </p:cNvPr>
-          <p:cNvSpPr>
-            <a:spLocks noGrp="1"/>
-          </p:cNvSpPr>
-          <p:nvPr>
-            <p:ph idx="1"/>
-          </p:nvPr>
-        </p:nvSpPr>
-        <p:spPr/>
-        <p:txBody>
-          <a:bodyPr/>
-          <a:lstStyle/>
-          <a:p>
-            <a:r>
-              <a:rPr lang="en-US" dirty="0"/>
-              <a:t>Numbers, Strings: All kinds of data</a:t>
-            </a:r>
-          </a:p>
-          <a:p>
-            <a:r>
-              <a:rPr lang="en-US" dirty="0"/>
-              <a:t>Code is its own kind of data, too!</a:t>
-            </a:r>
-          </a:p>
-          <a:p>
-            <a:r>
-              <a:rPr lang="en-US" dirty="0"/>
-              <a:t>Why?</a:t>
-            </a:r>
-          </a:p>
-          <a:p>
-            <a:pPr lvl="1"/>
-            <a:r>
-              <a:rPr lang="en-US" dirty="0"/>
-              <a:t>More expressive programs, a new kind of abstraction.</a:t>
-            </a:r>
-          </a:p>
-          <a:p>
-            <a:pPr lvl="1"/>
-            <a:r>
-              <a:rPr lang="en-US" dirty="0"/>
-              <a:t>”Encapsulate” logic and data into neat packages.</a:t>
-            </a:r>
-          </a:p>
-          <a:p>
-            <a:r>
-              <a:rPr lang="en-US" dirty="0"/>
-              <a:t>This will be one of the trickier concepts in CS88.</a:t>
-            </a:r>
-          </a:p>
-          <a:p>
-            <a:endParaRPr lang="en-US" dirty="0"/>
-          </a:p>
-          <a:p>
-            <a:endParaRPr lang="en-US" dirty="0"/>
-          </a:p>
-          <a:p>
-            <a:endParaRPr lang="en-US" dirty="0"/>
-          </a:p>
-          <a:p>
-            <a:endParaRPr lang="en-US" dirty="0"/>
-          </a:p>
-        </p:txBody>
-      </p:sp>
-      <p:sp>
-        <p:nvSpPr>
-          <p:cNvPr id="4" name="Slide Number Placeholder 3">
-            <a:extLst>
-              <a:ext uri="{FF2B5EF4-FFF2-40B4-BE49-F238E27FC236}">
-                <a16:creationId xmlns:a16="http://schemas.microsoft.com/office/drawing/2014/main" id="{B8939D06-AEE5-5546-BFD6-E054F7CEBEB4}"/>
-              </a:ext>
-            </a:extLst>
-          </p:cNvPr>
-          <p:cNvSpPr>
-            <a:spLocks noGrp="1"/>
-          </p:cNvSpPr>
-          <p:nvPr>
-            <p:ph type="sldNum" sz="quarter" idx="12"/>
-          </p:nvPr>
-        </p:nvSpPr>
-        <p:spPr/>
-        <p:txBody>
-          <a:bodyPr/>
-          <a:lstStyle/>
-          <a:p>
-            <a:pPr>
-              <a:defRPr/>
-            </a:pPr>
-            <a:fld id="{ACA94121-BA6C-AD43-82C2-DF1F24FE5D9C}" type="slidenum">
-              <a:rPr lang="en-US" smtClean="0"/>
-              <a:pPr>
-                <a:defRPr/>
-              </a:pPr>
-              <a:t>9</a:t>
-            </a:fld>
-            <a:endParaRPr lang="en-US" b="0"/>
-          </a:p>
-        </p:txBody>
-      </p:sp>
-    </p:spTree>
-    <p:extLst>
-      <p:ext uri="{BB962C8B-B14F-4D97-AF65-F5344CB8AC3E}">
-        <p14:creationId xmlns:p14="http://schemas.microsoft.com/office/powerpoint/2010/main" val="2932819941"/>
       </p:ext>
     </p:extLst>
   </p:cSld>
